--- a/2025NodeX/海报模版.pptx
+++ b/2025NodeX/海报模版.pptx
@@ -5,8 +5,12 @@
     <p:sldMasterId id="2147483648" r:id="rId1"/>
     <p:sldMasterId id="2147483660" r:id="rId2"/>
   </p:sldMasterIdLst>
+  <p:notesMasterIdLst>
+    <p:notesMasterId r:id="rId5"/>
+  </p:notesMasterIdLst>
   <p:sldIdLst>
     <p:sldId id="2147472084" r:id="rId3"/>
+    <p:sldId id="2147472085" r:id="rId4"/>
   </p:sldIdLst>
   <p:sldSz cx="12192000" cy="6858000"/>
   <p:notesSz cx="6858000" cy="9144000"/>
@@ -111,6 +115,439 @@
     </p:ext>
   </p:extLst>
 </p:presentation>
+</file>
+
+<file path=ppt/notesMasters/notesMaster1.xml><?xml version="1.0" encoding="utf-8"?>
+<p:notesMaster xmlns:a="http://schemas.openxmlformats.org/drawingml/2006/main" xmlns:r="http://schemas.openxmlformats.org/officeDocument/2006/relationships" xmlns:p="http://schemas.openxmlformats.org/presentationml/2006/main">
+  <p:cSld>
+    <p:bg>
+      <p:bgRef idx="1001">
+        <a:schemeClr val="bg1"/>
+      </p:bgRef>
+    </p:bg>
+    <p:spTree>
+      <p:nvGrpSpPr>
+        <p:cNvPr id="1" name=""/>
+        <p:cNvGrpSpPr/>
+        <p:nvPr/>
+      </p:nvGrpSpPr>
+      <p:grpSpPr>
+        <a:xfrm>
+          <a:off x="0" y="0"/>
+          <a:ext cx="0" cy="0"/>
+          <a:chOff x="0" y="0"/>
+          <a:chExt cx="0" cy="0"/>
+        </a:xfrm>
+      </p:grpSpPr>
+      <p:sp>
+        <p:nvSpPr>
+          <p:cNvPr id="2" name="页眉占位符 1"/>
+          <p:cNvSpPr>
+            <a:spLocks noGrp="1"/>
+          </p:cNvSpPr>
+          <p:nvPr>
+            <p:ph type="hdr" sz="quarter"/>
+          </p:nvPr>
+        </p:nvSpPr>
+        <p:spPr>
+          <a:xfrm>
+            <a:off x="0" y="0"/>
+            <a:ext cx="2971800" cy="458788"/>
+          </a:xfrm>
+          <a:prstGeom prst="rect">
+            <a:avLst/>
+          </a:prstGeom>
+        </p:spPr>
+        <p:txBody>
+          <a:bodyPr vert="horz" lIns="91440" tIns="45720" rIns="91440" bIns="45720" rtlCol="0"/>
+          <a:lstStyle>
+            <a:lvl1pPr algn="l">
+              <a:defRPr sz="1200"/>
+            </a:lvl1pPr>
+          </a:lstStyle>
+          <a:p>
+            <a:endParaRPr lang="zh-CN" altLang="en-US"/>
+          </a:p>
+        </p:txBody>
+      </p:sp>
+      <p:sp>
+        <p:nvSpPr>
+          <p:cNvPr id="3" name="日期占位符 2"/>
+          <p:cNvSpPr>
+            <a:spLocks noGrp="1"/>
+          </p:cNvSpPr>
+          <p:nvPr>
+            <p:ph type="dt" idx="1"/>
+          </p:nvPr>
+        </p:nvSpPr>
+        <p:spPr>
+          <a:xfrm>
+            <a:off x="3884613" y="0"/>
+            <a:ext cx="2971800" cy="458788"/>
+          </a:xfrm>
+          <a:prstGeom prst="rect">
+            <a:avLst/>
+          </a:prstGeom>
+        </p:spPr>
+        <p:txBody>
+          <a:bodyPr vert="horz" lIns="91440" tIns="45720" rIns="91440" bIns="45720" rtlCol="0"/>
+          <a:lstStyle>
+            <a:lvl1pPr algn="r">
+              <a:defRPr sz="1200"/>
+            </a:lvl1pPr>
+          </a:lstStyle>
+          <a:p>
+            <a:fld id="{468990D6-08C6-4FC7-BBD6-AFFCA1688072}" type="datetimeFigureOut">
+              <a:rPr lang="zh-CN" altLang="en-US" smtClean="0"/>
+              <a:t>2025/10/24</a:t>
+            </a:fld>
+            <a:endParaRPr lang="zh-CN" altLang="en-US"/>
+          </a:p>
+        </p:txBody>
+      </p:sp>
+      <p:sp>
+        <p:nvSpPr>
+          <p:cNvPr id="4" name="幻灯片图像占位符 3"/>
+          <p:cNvSpPr>
+            <a:spLocks noGrp="1" noRot="1" noChangeAspect="1"/>
+          </p:cNvSpPr>
+          <p:nvPr>
+            <p:ph type="sldImg" idx="2"/>
+          </p:nvPr>
+        </p:nvSpPr>
+        <p:spPr>
+          <a:xfrm>
+            <a:off x="685800" y="1143000"/>
+            <a:ext cx="5486400" cy="3086100"/>
+          </a:xfrm>
+          <a:prstGeom prst="rect">
+            <a:avLst/>
+          </a:prstGeom>
+          <a:noFill/>
+          <a:ln w="12700">
+            <a:solidFill>
+              <a:prstClr val="black"/>
+            </a:solidFill>
+          </a:ln>
+        </p:spPr>
+        <p:txBody>
+          <a:bodyPr vert="horz" lIns="91440" tIns="45720" rIns="91440" bIns="45720" rtlCol="0" anchor="ctr"/>
+          <a:lstStyle/>
+          <a:p>
+            <a:endParaRPr lang="zh-CN" altLang="en-US"/>
+          </a:p>
+        </p:txBody>
+      </p:sp>
+      <p:sp>
+        <p:nvSpPr>
+          <p:cNvPr id="5" name="备注占位符 4"/>
+          <p:cNvSpPr>
+            <a:spLocks noGrp="1"/>
+          </p:cNvSpPr>
+          <p:nvPr>
+            <p:ph type="body" sz="quarter" idx="3"/>
+          </p:nvPr>
+        </p:nvSpPr>
+        <p:spPr>
+          <a:xfrm>
+            <a:off x="685800" y="4400550"/>
+            <a:ext cx="5486400" cy="3600450"/>
+          </a:xfrm>
+          <a:prstGeom prst="rect">
+            <a:avLst/>
+          </a:prstGeom>
+        </p:spPr>
+        <p:txBody>
+          <a:bodyPr vert="horz" lIns="91440" tIns="45720" rIns="91440" bIns="45720" rtlCol="0"/>
+          <a:lstStyle/>
+          <a:p>
+            <a:pPr lvl="0"/>
+            <a:r>
+              <a:rPr lang="zh-CN" altLang="en-US"/>
+              <a:t>单击此处编辑母版文本样式</a:t>
+            </a:r>
+          </a:p>
+          <a:p>
+            <a:pPr lvl="1"/>
+            <a:r>
+              <a:rPr lang="zh-CN" altLang="en-US"/>
+              <a:t>二级</a:t>
+            </a:r>
+          </a:p>
+          <a:p>
+            <a:pPr lvl="2"/>
+            <a:r>
+              <a:rPr lang="zh-CN" altLang="en-US"/>
+              <a:t>三级</a:t>
+            </a:r>
+          </a:p>
+          <a:p>
+            <a:pPr lvl="3"/>
+            <a:r>
+              <a:rPr lang="zh-CN" altLang="en-US"/>
+              <a:t>四级</a:t>
+            </a:r>
+          </a:p>
+          <a:p>
+            <a:pPr lvl="4"/>
+            <a:r>
+              <a:rPr lang="zh-CN" altLang="en-US"/>
+              <a:t>五级</a:t>
+            </a:r>
+          </a:p>
+        </p:txBody>
+      </p:sp>
+      <p:sp>
+        <p:nvSpPr>
+          <p:cNvPr id="6" name="页脚占位符 5"/>
+          <p:cNvSpPr>
+            <a:spLocks noGrp="1"/>
+          </p:cNvSpPr>
+          <p:nvPr>
+            <p:ph type="ftr" sz="quarter" idx="4"/>
+          </p:nvPr>
+        </p:nvSpPr>
+        <p:spPr>
+          <a:xfrm>
+            <a:off x="0" y="8685213"/>
+            <a:ext cx="2971800" cy="458787"/>
+          </a:xfrm>
+          <a:prstGeom prst="rect">
+            <a:avLst/>
+          </a:prstGeom>
+        </p:spPr>
+        <p:txBody>
+          <a:bodyPr vert="horz" lIns="91440" tIns="45720" rIns="91440" bIns="45720" rtlCol="0" anchor="b"/>
+          <a:lstStyle>
+            <a:lvl1pPr algn="l">
+              <a:defRPr sz="1200"/>
+            </a:lvl1pPr>
+          </a:lstStyle>
+          <a:p>
+            <a:endParaRPr lang="zh-CN" altLang="en-US"/>
+          </a:p>
+        </p:txBody>
+      </p:sp>
+      <p:sp>
+        <p:nvSpPr>
+          <p:cNvPr id="7" name="灯片编号占位符 6"/>
+          <p:cNvSpPr>
+            <a:spLocks noGrp="1"/>
+          </p:cNvSpPr>
+          <p:nvPr>
+            <p:ph type="sldNum" sz="quarter" idx="5"/>
+          </p:nvPr>
+        </p:nvSpPr>
+        <p:spPr>
+          <a:xfrm>
+            <a:off x="3884613" y="8685213"/>
+            <a:ext cx="2971800" cy="458787"/>
+          </a:xfrm>
+          <a:prstGeom prst="rect">
+            <a:avLst/>
+          </a:prstGeom>
+        </p:spPr>
+        <p:txBody>
+          <a:bodyPr vert="horz" lIns="91440" tIns="45720" rIns="91440" bIns="45720" rtlCol="0" anchor="b"/>
+          <a:lstStyle>
+            <a:lvl1pPr algn="r">
+              <a:defRPr sz="1200"/>
+            </a:lvl1pPr>
+          </a:lstStyle>
+          <a:p>
+            <a:fld id="{F5A6B608-C53F-40AA-9842-776B0B96C4A2}" type="slidenum">
+              <a:rPr lang="zh-CN" altLang="en-US" smtClean="0"/>
+              <a:t>‹#›</a:t>
+            </a:fld>
+            <a:endParaRPr lang="zh-CN" altLang="en-US"/>
+          </a:p>
+        </p:txBody>
+      </p:sp>
+    </p:spTree>
+    <p:extLst>
+      <p:ext uri="{BB962C8B-B14F-4D97-AF65-F5344CB8AC3E}">
+        <p14:creationId xmlns:p14="http://schemas.microsoft.com/office/powerpoint/2010/main" val="1383168389"/>
+      </p:ext>
+    </p:extLst>
+  </p:cSld>
+  <p:clrMap bg1="lt1" tx1="dk1" bg2="lt2" tx2="dk2" accent1="accent1" accent2="accent2" accent3="accent3" accent4="accent4" accent5="accent5" accent6="accent6" hlink="hlink" folHlink="folHlink"/>
+  <p:notesStyle>
+    <a:lvl1pPr marL="0" algn="l" defTabSz="914400" rtl="0" eaLnBrk="1" latinLnBrk="0" hangingPunct="1">
+      <a:defRPr sz="1200" kern="1200">
+        <a:solidFill>
+          <a:schemeClr val="tx1"/>
+        </a:solidFill>
+        <a:latin typeface="+mn-lt"/>
+        <a:ea typeface="+mn-ea"/>
+        <a:cs typeface="+mn-cs"/>
+      </a:defRPr>
+    </a:lvl1pPr>
+    <a:lvl2pPr marL="457200" algn="l" defTabSz="914400" rtl="0" eaLnBrk="1" latinLnBrk="0" hangingPunct="1">
+      <a:defRPr sz="1200" kern="1200">
+        <a:solidFill>
+          <a:schemeClr val="tx1"/>
+        </a:solidFill>
+        <a:latin typeface="+mn-lt"/>
+        <a:ea typeface="+mn-ea"/>
+        <a:cs typeface="+mn-cs"/>
+      </a:defRPr>
+    </a:lvl2pPr>
+    <a:lvl3pPr marL="914400" algn="l" defTabSz="914400" rtl="0" eaLnBrk="1" latinLnBrk="0" hangingPunct="1">
+      <a:defRPr sz="1200" kern="1200">
+        <a:solidFill>
+          <a:schemeClr val="tx1"/>
+        </a:solidFill>
+        <a:latin typeface="+mn-lt"/>
+        <a:ea typeface="+mn-ea"/>
+        <a:cs typeface="+mn-cs"/>
+      </a:defRPr>
+    </a:lvl3pPr>
+    <a:lvl4pPr marL="1371600" algn="l" defTabSz="914400" rtl="0" eaLnBrk="1" latinLnBrk="0" hangingPunct="1">
+      <a:defRPr sz="1200" kern="1200">
+        <a:solidFill>
+          <a:schemeClr val="tx1"/>
+        </a:solidFill>
+        <a:latin typeface="+mn-lt"/>
+        <a:ea typeface="+mn-ea"/>
+        <a:cs typeface="+mn-cs"/>
+      </a:defRPr>
+    </a:lvl4pPr>
+    <a:lvl5pPr marL="1828800" algn="l" defTabSz="914400" rtl="0" eaLnBrk="1" latinLnBrk="0" hangingPunct="1">
+      <a:defRPr sz="1200" kern="1200">
+        <a:solidFill>
+          <a:schemeClr val="tx1"/>
+        </a:solidFill>
+        <a:latin typeface="+mn-lt"/>
+        <a:ea typeface="+mn-ea"/>
+        <a:cs typeface="+mn-cs"/>
+      </a:defRPr>
+    </a:lvl5pPr>
+    <a:lvl6pPr marL="2286000" algn="l" defTabSz="914400" rtl="0" eaLnBrk="1" latinLnBrk="0" hangingPunct="1">
+      <a:defRPr sz="1200" kern="1200">
+        <a:solidFill>
+          <a:schemeClr val="tx1"/>
+        </a:solidFill>
+        <a:latin typeface="+mn-lt"/>
+        <a:ea typeface="+mn-ea"/>
+        <a:cs typeface="+mn-cs"/>
+      </a:defRPr>
+    </a:lvl6pPr>
+    <a:lvl7pPr marL="2743200" algn="l" defTabSz="914400" rtl="0" eaLnBrk="1" latinLnBrk="0" hangingPunct="1">
+      <a:defRPr sz="1200" kern="1200">
+        <a:solidFill>
+          <a:schemeClr val="tx1"/>
+        </a:solidFill>
+        <a:latin typeface="+mn-lt"/>
+        <a:ea typeface="+mn-ea"/>
+        <a:cs typeface="+mn-cs"/>
+      </a:defRPr>
+    </a:lvl7pPr>
+    <a:lvl8pPr marL="3200400" algn="l" defTabSz="914400" rtl="0" eaLnBrk="1" latinLnBrk="0" hangingPunct="1">
+      <a:defRPr sz="1200" kern="1200">
+        <a:solidFill>
+          <a:schemeClr val="tx1"/>
+        </a:solidFill>
+        <a:latin typeface="+mn-lt"/>
+        <a:ea typeface="+mn-ea"/>
+        <a:cs typeface="+mn-cs"/>
+      </a:defRPr>
+    </a:lvl8pPr>
+    <a:lvl9pPr marL="3657600" algn="l" defTabSz="914400" rtl="0" eaLnBrk="1" latinLnBrk="0" hangingPunct="1">
+      <a:defRPr sz="1200" kern="1200">
+        <a:solidFill>
+          <a:schemeClr val="tx1"/>
+        </a:solidFill>
+        <a:latin typeface="+mn-lt"/>
+        <a:ea typeface="+mn-ea"/>
+        <a:cs typeface="+mn-cs"/>
+      </a:defRPr>
+    </a:lvl9pPr>
+  </p:notesStyle>
+</p:notesMaster>
+</file>
+
+<file path=ppt/notesSlides/notesSlide1.xml><?xml version="1.0" encoding="utf-8"?>
+<p:notes xmlns:a="http://schemas.openxmlformats.org/drawingml/2006/main" xmlns:r="http://schemas.openxmlformats.org/officeDocument/2006/relationships" xmlns:p="http://schemas.openxmlformats.org/presentationml/2006/main">
+  <p:cSld>
+    <p:spTree>
+      <p:nvGrpSpPr>
+        <p:cNvPr id="1" name=""/>
+        <p:cNvGrpSpPr/>
+        <p:nvPr/>
+      </p:nvGrpSpPr>
+      <p:grpSpPr>
+        <a:xfrm>
+          <a:off x="0" y="0"/>
+          <a:ext cx="0" cy="0"/>
+          <a:chOff x="0" y="0"/>
+          <a:chExt cx="0" cy="0"/>
+        </a:xfrm>
+      </p:grpSpPr>
+      <p:sp>
+        <p:nvSpPr>
+          <p:cNvPr id="2" name="幻灯片图像占位符 1"/>
+          <p:cNvSpPr>
+            <a:spLocks noGrp="1" noRot="1" noChangeAspect="1"/>
+          </p:cNvSpPr>
+          <p:nvPr>
+            <p:ph type="sldImg"/>
+          </p:nvPr>
+        </p:nvSpPr>
+        <p:spPr/>
+      </p:sp>
+      <p:sp>
+        <p:nvSpPr>
+          <p:cNvPr id="3" name="备注占位符 2"/>
+          <p:cNvSpPr>
+            <a:spLocks noGrp="1"/>
+          </p:cNvSpPr>
+          <p:nvPr>
+            <p:ph type="body" idx="1"/>
+          </p:nvPr>
+        </p:nvSpPr>
+        <p:spPr/>
+        <p:txBody>
+          <a:bodyPr/>
+          <a:lstStyle/>
+          <a:p>
+            <a:endParaRPr lang="zh-CN" altLang="en-US" dirty="0"/>
+          </a:p>
+        </p:txBody>
+      </p:sp>
+      <p:sp>
+        <p:nvSpPr>
+          <p:cNvPr id="4" name="灯片编号占位符 3"/>
+          <p:cNvSpPr>
+            <a:spLocks noGrp="1"/>
+          </p:cNvSpPr>
+          <p:nvPr>
+            <p:ph type="sldNum" sz="quarter" idx="5"/>
+          </p:nvPr>
+        </p:nvSpPr>
+        <p:spPr/>
+        <p:txBody>
+          <a:bodyPr/>
+          <a:lstStyle/>
+          <a:p>
+            <a:fld id="{2B1C008C-68C3-4508-B7CA-EAB1E612D751}" type="slidenum">
+              <a:rPr lang="zh-CN" altLang="en-US" smtClean="0"/>
+              <a:t>2</a:t>
+            </a:fld>
+            <a:endParaRPr lang="zh-CN" altLang="en-US"/>
+          </a:p>
+        </p:txBody>
+      </p:sp>
+    </p:spTree>
+    <p:extLst>
+      <p:ext uri="{BB962C8B-B14F-4D97-AF65-F5344CB8AC3E}">
+        <p14:creationId xmlns:p14="http://schemas.microsoft.com/office/powerpoint/2010/main" val="2624897226"/>
+      </p:ext>
+    </p:extLst>
+  </p:cSld>
+  <p:clrMapOvr>
+    <a:masterClrMapping/>
+  </p:clrMapOvr>
+</p:notes>
 </file>
 
 <file path=ppt/slideLayouts/slideLayout1.xml><?xml version="1.0" encoding="utf-8"?>
@@ -14036,7 +14473,5272 @@
 </p:sld>
 </file>
 
+<file path=ppt/slides/slide2.xml><?xml version="1.0" encoding="utf-8"?>
+<p:sld xmlns:a="http://schemas.openxmlformats.org/drawingml/2006/main" xmlns:r="http://schemas.openxmlformats.org/officeDocument/2006/relationships" xmlns:p="http://schemas.openxmlformats.org/presentationml/2006/main">
+  <p:cSld>
+    <p:spTree>
+      <p:nvGrpSpPr>
+        <p:cNvPr id="1" name="">
+          <a:extLst>
+            <a:ext uri="{FF2B5EF4-FFF2-40B4-BE49-F238E27FC236}">
+              <a16:creationId xmlns:a16="http://schemas.microsoft.com/office/drawing/2014/main" id="{E617DAA5-F6B5-3781-1A62-332598CA8E79}"/>
+            </a:ext>
+          </a:extLst>
+        </p:cNvPr>
+        <p:cNvGrpSpPr/>
+        <p:nvPr/>
+      </p:nvGrpSpPr>
+      <p:grpSpPr>
+        <a:xfrm>
+          <a:off x="0" y="0"/>
+          <a:ext cx="0" cy="0"/>
+          <a:chOff x="0" y="0"/>
+          <a:chExt cx="0" cy="0"/>
+        </a:xfrm>
+      </p:grpSpPr>
+      <p:pic>
+        <p:nvPicPr>
+          <p:cNvPr id="116" name="图片 115">
+            <a:extLst>
+              <a:ext uri="{FF2B5EF4-FFF2-40B4-BE49-F238E27FC236}">
+                <a16:creationId xmlns:a16="http://schemas.microsoft.com/office/drawing/2014/main" id="{211DD07E-F46A-AAF1-6447-0D02D3638ABA}"/>
+              </a:ext>
+            </a:extLst>
+          </p:cNvPr>
+          <p:cNvPicPr>
+            <a:picLocks noChangeAspect="1"/>
+          </p:cNvPicPr>
+          <p:nvPr/>
+        </p:nvPicPr>
+        <p:blipFill>
+          <a:blip r:embed="rId4"/>
+          <a:stretch>
+            <a:fillRect/>
+          </a:stretch>
+        </p:blipFill>
+        <p:spPr>
+          <a:xfrm>
+            <a:off x="4587720" y="867042"/>
+            <a:ext cx="2723922" cy="2309759"/>
+          </a:xfrm>
+          <a:prstGeom prst="rect">
+            <a:avLst/>
+          </a:prstGeom>
+          <a:solidFill>
+            <a:srgbClr val="FFFFFF">
+              <a:shade val="85000"/>
+            </a:srgbClr>
+          </a:solidFill>
+          <a:ln w="190500" cap="rnd">
+            <a:solidFill>
+              <a:srgbClr val="FFFFFF"/>
+            </a:solidFill>
+          </a:ln>
+          <a:effectLst>
+            <a:outerShdw blurRad="63500" sx="102000" sy="102000" algn="ctr" rotWithShape="0">
+              <a:prstClr val="black">
+                <a:alpha val="40000"/>
+              </a:prstClr>
+            </a:outerShdw>
+          </a:effectLst>
+          <a:scene3d>
+            <a:camera prst="orthographicFront"/>
+            <a:lightRig rig="twoPt" dir="t">
+              <a:rot lat="0" lon="0" rev="7800000"/>
+            </a:lightRig>
+          </a:scene3d>
+          <a:sp3d contourW="6350">
+            <a:bevelT w="50800" h="16510"/>
+            <a:contourClr>
+              <a:srgbClr val="C0C0C0"/>
+            </a:contourClr>
+          </a:sp3d>
+        </p:spPr>
+      </p:pic>
+      <p:sp>
+        <p:nvSpPr>
+          <p:cNvPr id="47" name="矩形: 圆角 46">
+            <a:extLst>
+              <a:ext uri="{FF2B5EF4-FFF2-40B4-BE49-F238E27FC236}">
+                <a16:creationId xmlns:a16="http://schemas.microsoft.com/office/drawing/2014/main" id="{AE07D787-F7AC-CA28-1CCC-EF0F791C877E}"/>
+              </a:ext>
+            </a:extLst>
+          </p:cNvPr>
+          <p:cNvSpPr/>
+          <p:nvPr/>
+        </p:nvSpPr>
+        <p:spPr>
+          <a:xfrm>
+            <a:off x="8339345" y="2062425"/>
+            <a:ext cx="3713537" cy="4578115"/>
+          </a:xfrm>
+          <a:prstGeom prst="roundRect">
+            <a:avLst/>
+          </a:prstGeom>
+          <a:solidFill>
+            <a:schemeClr val="bg1"/>
+          </a:solidFill>
+          <a:effectLst>
+            <a:glow rad="63500">
+              <a:schemeClr val="accent3">
+                <a:satMod val="175000"/>
+                <a:alpha val="40000"/>
+              </a:schemeClr>
+            </a:glow>
+            <a:outerShdw blurRad="50800" dist="38100" dir="10800000" algn="r" rotWithShape="0">
+              <a:prstClr val="black">
+                <a:alpha val="40000"/>
+              </a:prstClr>
+            </a:outerShdw>
+          </a:effectLst>
+        </p:spPr>
+        <p:style>
+          <a:lnRef idx="2">
+            <a:schemeClr val="dk1"/>
+          </a:lnRef>
+          <a:fillRef idx="1">
+            <a:schemeClr val="lt1"/>
+          </a:fillRef>
+          <a:effectRef idx="0">
+            <a:schemeClr val="dk1"/>
+          </a:effectRef>
+          <a:fontRef idx="minor">
+            <a:schemeClr val="dk1"/>
+          </a:fontRef>
+        </p:style>
+        <p:txBody>
+          <a:bodyPr rtlCol="0" anchor="ctr"/>
+          <a:lstStyle/>
+          <a:p>
+            <a:pPr defTabSz="457200" eaLnBrk="0" fontAlgn="base" hangingPunct="0">
+              <a:spcBef>
+                <a:spcPct val="0"/>
+              </a:spcBef>
+              <a:spcAft>
+                <a:spcPct val="0"/>
+              </a:spcAft>
+            </a:pPr>
+            <a:endParaRPr lang="zh-CN" altLang="en-US" sz="1200">
+              <a:solidFill>
+                <a:srgbClr val="FF0000"/>
+              </a:solidFill>
+              <a:latin typeface="Calibri" panose="020F0502020204030204"/>
+              <a:ea typeface="等线" panose="02010600030101010101" pitchFamily="2" charset="-122"/>
+            </a:endParaRPr>
+          </a:p>
+        </p:txBody>
+      </p:sp>
+      <p:sp>
+        <p:nvSpPr>
+          <p:cNvPr id="42" name="矩形: 圆角 41">
+            <a:extLst>
+              <a:ext uri="{FF2B5EF4-FFF2-40B4-BE49-F238E27FC236}">
+                <a16:creationId xmlns:a16="http://schemas.microsoft.com/office/drawing/2014/main" id="{8B52E08B-B443-3693-8587-AFE9E707336D}"/>
+              </a:ext>
+            </a:extLst>
+          </p:cNvPr>
+          <p:cNvSpPr/>
+          <p:nvPr/>
+        </p:nvSpPr>
+        <p:spPr>
+          <a:xfrm>
+            <a:off x="222421" y="954483"/>
+            <a:ext cx="3873604" cy="5713014"/>
+          </a:xfrm>
+          <a:prstGeom prst="roundRect">
+            <a:avLst/>
+          </a:prstGeom>
+          <a:solidFill>
+            <a:schemeClr val="bg1"/>
+          </a:solidFill>
+          <a:effectLst>
+            <a:glow rad="63500">
+              <a:schemeClr val="accent3">
+                <a:satMod val="175000"/>
+                <a:alpha val="40000"/>
+              </a:schemeClr>
+            </a:glow>
+            <a:outerShdw blurRad="50800" dist="38100" dir="10800000" algn="r" rotWithShape="0">
+              <a:prstClr val="black">
+                <a:alpha val="40000"/>
+              </a:prstClr>
+            </a:outerShdw>
+          </a:effectLst>
+        </p:spPr>
+        <p:style>
+          <a:lnRef idx="2">
+            <a:schemeClr val="dk1"/>
+          </a:lnRef>
+          <a:fillRef idx="1">
+            <a:schemeClr val="lt1"/>
+          </a:fillRef>
+          <a:effectRef idx="0">
+            <a:schemeClr val="dk1"/>
+          </a:effectRef>
+          <a:fontRef idx="minor">
+            <a:schemeClr val="dk1"/>
+          </a:fontRef>
+        </p:style>
+        <p:txBody>
+          <a:bodyPr rtlCol="0" anchor="ctr"/>
+          <a:lstStyle/>
+          <a:p>
+            <a:pPr defTabSz="457200" eaLnBrk="0" fontAlgn="base" hangingPunct="0">
+              <a:spcBef>
+                <a:spcPct val="0"/>
+              </a:spcBef>
+              <a:spcAft>
+                <a:spcPct val="0"/>
+              </a:spcAft>
+            </a:pPr>
+            <a:endParaRPr lang="zh-CN" altLang="en-US" sz="1200">
+              <a:solidFill>
+                <a:srgbClr val="FF0000"/>
+              </a:solidFill>
+              <a:latin typeface="Calibri" panose="020F0502020204030204"/>
+              <a:ea typeface="等线" panose="02010600030101010101" pitchFamily="2" charset="-122"/>
+            </a:endParaRPr>
+          </a:p>
+        </p:txBody>
+      </p:sp>
+      <p:sp>
+        <p:nvSpPr>
+          <p:cNvPr id="31" name="矩形 30">
+            <a:extLst>
+              <a:ext uri="{FF2B5EF4-FFF2-40B4-BE49-F238E27FC236}">
+                <a16:creationId xmlns:a16="http://schemas.microsoft.com/office/drawing/2014/main" id="{B413A43C-AF57-8145-AD16-45F8F1EECC58}"/>
+              </a:ext>
+            </a:extLst>
+          </p:cNvPr>
+          <p:cNvSpPr/>
+          <p:nvPr/>
+        </p:nvSpPr>
+        <p:spPr>
+          <a:xfrm>
+            <a:off x="0" y="135526"/>
+            <a:ext cx="1240040" cy="273981"/>
+          </a:xfrm>
+          <a:prstGeom prst="rect">
+            <a:avLst/>
+          </a:prstGeom>
+          <a:solidFill>
+            <a:schemeClr val="bg1"/>
+          </a:solidFill>
+          <a:ln>
+            <a:noFill/>
+          </a:ln>
+        </p:spPr>
+        <p:style>
+          <a:lnRef idx="2">
+            <a:schemeClr val="accent1">
+              <a:shade val="15000"/>
+            </a:schemeClr>
+          </a:lnRef>
+          <a:fillRef idx="1">
+            <a:schemeClr val="accent1"/>
+          </a:fillRef>
+          <a:effectRef idx="0">
+            <a:schemeClr val="accent1"/>
+          </a:effectRef>
+          <a:fontRef idx="minor">
+            <a:schemeClr val="lt1"/>
+          </a:fontRef>
+        </p:style>
+        <p:txBody>
+          <a:bodyPr rtlCol="0" anchor="ctr"/>
+          <a:lstStyle/>
+          <a:p>
+            <a:pPr algn="ctr"/>
+            <a:endParaRPr lang="zh-CN" altLang="en-US"/>
+          </a:p>
+        </p:txBody>
+      </p:sp>
+      <p:sp>
+        <p:nvSpPr>
+          <p:cNvPr id="17" name="Content Placeholder 2">
+            <a:extLst>
+              <a:ext uri="{FF2B5EF4-FFF2-40B4-BE49-F238E27FC236}">
+                <a16:creationId xmlns:a16="http://schemas.microsoft.com/office/drawing/2014/main" id="{DE1E6B68-BECB-1AE9-B7FA-E89DB4EA8371}"/>
+              </a:ext>
+            </a:extLst>
+          </p:cNvPr>
+          <p:cNvSpPr txBox="1">
+            <a:spLocks/>
+          </p:cNvSpPr>
+          <p:nvPr/>
+        </p:nvSpPr>
+        <p:spPr>
+          <a:xfrm>
+            <a:off x="317629" y="1572055"/>
+            <a:ext cx="3778396" cy="5201395"/>
+          </a:xfrm>
+          <a:prstGeom prst="rect">
+            <a:avLst/>
+          </a:prstGeom>
+        </p:spPr>
+        <p:txBody>
+          <a:bodyPr vert="horz" lIns="91440" tIns="45720" rIns="91440" bIns="45720" rtlCol="0">
+            <a:noAutofit/>
+          </a:bodyPr>
+          <a:lstStyle>
+            <a:lvl1pPr marL="228600" indent="-228600" algn="l" defTabSz="914400" rtl="0" eaLnBrk="1" latinLnBrk="0" hangingPunct="1">
+              <a:lnSpc>
+                <a:spcPct val="90000"/>
+              </a:lnSpc>
+              <a:spcBef>
+                <a:spcPts val="1000"/>
+              </a:spcBef>
+              <a:buFont typeface="Arial" panose="020B0604020202020204" pitchFamily="34" charset="0"/>
+              <a:buChar char="•"/>
+              <a:defRPr sz="2800" kern="1200">
+                <a:solidFill>
+                  <a:schemeClr val="tx1"/>
+                </a:solidFill>
+                <a:latin typeface="+mn-lt"/>
+                <a:ea typeface="+mn-ea"/>
+                <a:cs typeface="+mn-cs"/>
+              </a:defRPr>
+            </a:lvl1pPr>
+            <a:lvl2pPr marL="685800" indent="-228600" algn="l" defTabSz="914400" rtl="0" eaLnBrk="1" latinLnBrk="0" hangingPunct="1">
+              <a:lnSpc>
+                <a:spcPct val="90000"/>
+              </a:lnSpc>
+              <a:spcBef>
+                <a:spcPts val="500"/>
+              </a:spcBef>
+              <a:buFont typeface="Arial" panose="020B0604020202020204" pitchFamily="34" charset="0"/>
+              <a:buChar char="•"/>
+              <a:defRPr sz="2400" kern="1200">
+                <a:solidFill>
+                  <a:schemeClr val="tx1"/>
+                </a:solidFill>
+                <a:latin typeface="+mn-lt"/>
+                <a:ea typeface="+mn-ea"/>
+                <a:cs typeface="+mn-cs"/>
+              </a:defRPr>
+            </a:lvl2pPr>
+            <a:lvl3pPr marL="1143000" indent="-228600" algn="l" defTabSz="914400" rtl="0" eaLnBrk="1" latinLnBrk="0" hangingPunct="1">
+              <a:lnSpc>
+                <a:spcPct val="90000"/>
+              </a:lnSpc>
+              <a:spcBef>
+                <a:spcPts val="500"/>
+              </a:spcBef>
+              <a:buFont typeface="Arial" panose="020B0604020202020204" pitchFamily="34" charset="0"/>
+              <a:buChar char="•"/>
+              <a:defRPr sz="2000" kern="1200">
+                <a:solidFill>
+                  <a:schemeClr val="tx1"/>
+                </a:solidFill>
+                <a:latin typeface="+mn-lt"/>
+                <a:ea typeface="+mn-ea"/>
+                <a:cs typeface="+mn-cs"/>
+              </a:defRPr>
+            </a:lvl3pPr>
+            <a:lvl4pPr marL="1600200" indent="-228600" algn="l" defTabSz="914400" rtl="0" eaLnBrk="1" latinLnBrk="0" hangingPunct="1">
+              <a:lnSpc>
+                <a:spcPct val="90000"/>
+              </a:lnSpc>
+              <a:spcBef>
+                <a:spcPts val="500"/>
+              </a:spcBef>
+              <a:buFont typeface="Arial" panose="020B0604020202020204" pitchFamily="34" charset="0"/>
+              <a:buChar char="•"/>
+              <a:defRPr sz="1800" kern="1200">
+                <a:solidFill>
+                  <a:schemeClr val="tx1"/>
+                </a:solidFill>
+                <a:latin typeface="+mn-lt"/>
+                <a:ea typeface="+mn-ea"/>
+                <a:cs typeface="+mn-cs"/>
+              </a:defRPr>
+            </a:lvl4pPr>
+            <a:lvl5pPr marL="2057400" indent="-228600" algn="l" defTabSz="914400" rtl="0" eaLnBrk="1" latinLnBrk="0" hangingPunct="1">
+              <a:lnSpc>
+                <a:spcPct val="90000"/>
+              </a:lnSpc>
+              <a:spcBef>
+                <a:spcPts val="500"/>
+              </a:spcBef>
+              <a:buFont typeface="Arial" panose="020B0604020202020204" pitchFamily="34" charset="0"/>
+              <a:buChar char="•"/>
+              <a:defRPr sz="1800" kern="1200">
+                <a:solidFill>
+                  <a:schemeClr val="tx1"/>
+                </a:solidFill>
+                <a:latin typeface="+mn-lt"/>
+                <a:ea typeface="+mn-ea"/>
+                <a:cs typeface="+mn-cs"/>
+              </a:defRPr>
+            </a:lvl5pPr>
+            <a:lvl6pPr marL="2514600" indent="-228600" algn="l" defTabSz="914400" rtl="0" eaLnBrk="1" latinLnBrk="0" hangingPunct="1">
+              <a:lnSpc>
+                <a:spcPct val="90000"/>
+              </a:lnSpc>
+              <a:spcBef>
+                <a:spcPts val="500"/>
+              </a:spcBef>
+              <a:buFont typeface="Arial" panose="020B0604020202020204" pitchFamily="34" charset="0"/>
+              <a:buChar char="•"/>
+              <a:defRPr sz="1800" kern="1200">
+                <a:solidFill>
+                  <a:schemeClr val="tx1"/>
+                </a:solidFill>
+                <a:latin typeface="+mn-lt"/>
+                <a:ea typeface="+mn-ea"/>
+                <a:cs typeface="+mn-cs"/>
+              </a:defRPr>
+            </a:lvl6pPr>
+            <a:lvl7pPr marL="2971800" indent="-228600" algn="l" defTabSz="914400" rtl="0" eaLnBrk="1" latinLnBrk="0" hangingPunct="1">
+              <a:lnSpc>
+                <a:spcPct val="90000"/>
+              </a:lnSpc>
+              <a:spcBef>
+                <a:spcPts val="500"/>
+              </a:spcBef>
+              <a:buFont typeface="Arial" panose="020B0604020202020204" pitchFamily="34" charset="0"/>
+              <a:buChar char="•"/>
+              <a:defRPr sz="1800" kern="1200">
+                <a:solidFill>
+                  <a:schemeClr val="tx1"/>
+                </a:solidFill>
+                <a:latin typeface="+mn-lt"/>
+                <a:ea typeface="+mn-ea"/>
+                <a:cs typeface="+mn-cs"/>
+              </a:defRPr>
+            </a:lvl7pPr>
+            <a:lvl8pPr marL="3429000" indent="-228600" algn="l" defTabSz="914400" rtl="0" eaLnBrk="1" latinLnBrk="0" hangingPunct="1">
+              <a:lnSpc>
+                <a:spcPct val="90000"/>
+              </a:lnSpc>
+              <a:spcBef>
+                <a:spcPts val="500"/>
+              </a:spcBef>
+              <a:buFont typeface="Arial" panose="020B0604020202020204" pitchFamily="34" charset="0"/>
+              <a:buChar char="•"/>
+              <a:defRPr sz="1800" kern="1200">
+                <a:solidFill>
+                  <a:schemeClr val="tx1"/>
+                </a:solidFill>
+                <a:latin typeface="+mn-lt"/>
+                <a:ea typeface="+mn-ea"/>
+                <a:cs typeface="+mn-cs"/>
+              </a:defRPr>
+            </a:lvl8pPr>
+            <a:lvl9pPr marL="3886200" indent="-228600" algn="l" defTabSz="914400" rtl="0" eaLnBrk="1" latinLnBrk="0" hangingPunct="1">
+              <a:lnSpc>
+                <a:spcPct val="90000"/>
+              </a:lnSpc>
+              <a:spcBef>
+                <a:spcPts val="500"/>
+              </a:spcBef>
+              <a:buFont typeface="Arial" panose="020B0604020202020204" pitchFamily="34" charset="0"/>
+              <a:buChar char="•"/>
+              <a:defRPr sz="1800" kern="1200">
+                <a:solidFill>
+                  <a:schemeClr val="tx1"/>
+                </a:solidFill>
+                <a:latin typeface="+mn-lt"/>
+                <a:ea typeface="+mn-ea"/>
+                <a:cs typeface="+mn-cs"/>
+              </a:defRPr>
+            </a:lvl9pPr>
+          </a:lstStyle>
+          <a:p>
+            <a:pPr marL="0" marR="0" lvl="0" indent="0" algn="l" defTabSz="914400" rtl="0" eaLnBrk="1" fontAlgn="auto" latinLnBrk="0" hangingPunct="1">
+              <a:lnSpc>
+                <a:spcPct val="100000"/>
+              </a:lnSpc>
+              <a:spcBef>
+                <a:spcPts val="1000"/>
+              </a:spcBef>
+              <a:spcAft>
+                <a:spcPts val="0"/>
+              </a:spcAft>
+              <a:buClrTx/>
+              <a:buSzTx/>
+              <a:buFont typeface="Arial" panose="020B0604020202020204" pitchFamily="34" charset="0"/>
+              <a:buNone/>
+              <a:tabLst/>
+              <a:defRPr/>
+            </a:pPr>
+            <a:r>
+              <a:rPr kumimoji="0" lang="en-US" sz="1100" b="0" i="0" u="none" strike="noStrike" kern="1200" cap="none" spc="0" normalizeH="0" baseline="0" noProof="0" dirty="0">
+                <a:ln>
+                  <a:noFill/>
+                </a:ln>
+                <a:solidFill>
+                  <a:prstClr val="black"/>
+                </a:solidFill>
+                <a:effectLst/>
+                <a:uLnTx/>
+                <a:uFillTx/>
+                <a:latin typeface="Calibri" panose="020F0502020204030204"/>
+                <a:ea typeface="+mn-ea"/>
+                <a:cs typeface="+mn-cs"/>
+              </a:rPr>
+              <a:t>A network switch links devices in a LAN, directing data to the right place. It handles multiple connections at once, prioritizes important data, and manages packets of different sizes for smooth communication.</a:t>
+            </a:r>
+          </a:p>
+          <a:p>
+            <a:pPr marL="0" marR="0" lvl="0" indent="0" algn="l" defTabSz="914400" rtl="0" eaLnBrk="1" fontAlgn="auto" latinLnBrk="0" hangingPunct="1">
+              <a:lnSpc>
+                <a:spcPct val="100000"/>
+              </a:lnSpc>
+              <a:spcBef>
+                <a:spcPts val="1000"/>
+              </a:spcBef>
+              <a:spcAft>
+                <a:spcPts val="0"/>
+              </a:spcAft>
+              <a:buClrTx/>
+              <a:buSzTx/>
+              <a:buFont typeface="Arial" panose="020B0604020202020204" pitchFamily="34" charset="0"/>
+              <a:buNone/>
+              <a:tabLst/>
+              <a:defRPr/>
+            </a:pPr>
+            <a:endParaRPr lang="en-US" sz="1100" dirty="0">
+              <a:solidFill>
+                <a:prstClr val="black"/>
+              </a:solidFill>
+              <a:latin typeface="Calibri" panose="020F0502020204030204"/>
+            </a:endParaRPr>
+          </a:p>
+          <a:p>
+            <a:pPr marL="0" marR="0" lvl="0" indent="0" algn="l" defTabSz="914400" rtl="0" eaLnBrk="1" fontAlgn="auto" latinLnBrk="0" hangingPunct="1">
+              <a:lnSpc>
+                <a:spcPct val="100000"/>
+              </a:lnSpc>
+              <a:spcBef>
+                <a:spcPts val="1000"/>
+              </a:spcBef>
+              <a:spcAft>
+                <a:spcPts val="0"/>
+              </a:spcAft>
+              <a:buClrTx/>
+              <a:buSzTx/>
+              <a:buFont typeface="Arial" panose="020B0604020202020204" pitchFamily="34" charset="0"/>
+              <a:buNone/>
+              <a:tabLst/>
+              <a:defRPr/>
+            </a:pPr>
+            <a:endParaRPr lang="en-US" sz="1100" dirty="0">
+              <a:solidFill>
+                <a:prstClr val="black"/>
+              </a:solidFill>
+              <a:latin typeface="Calibri" panose="020F0502020204030204"/>
+            </a:endParaRPr>
+          </a:p>
+          <a:p>
+            <a:pPr marL="0" marR="0" lvl="0" indent="0" algn="l" defTabSz="914400" rtl="0" eaLnBrk="1" fontAlgn="auto" latinLnBrk="0" hangingPunct="1">
+              <a:lnSpc>
+                <a:spcPct val="100000"/>
+              </a:lnSpc>
+              <a:spcBef>
+                <a:spcPts val="600"/>
+              </a:spcBef>
+              <a:spcAft>
+                <a:spcPts val="0"/>
+              </a:spcAft>
+              <a:buClrTx/>
+              <a:buSzTx/>
+              <a:buFont typeface="Arial" panose="020B0604020202020204" pitchFamily="34" charset="0"/>
+              <a:buNone/>
+              <a:tabLst/>
+              <a:defRPr/>
+            </a:pPr>
+            <a:endParaRPr lang="en-US" sz="1100" dirty="0">
+              <a:solidFill>
+                <a:prstClr val="black"/>
+              </a:solidFill>
+              <a:latin typeface="Calibri" panose="020F0502020204030204"/>
+            </a:endParaRPr>
+          </a:p>
+          <a:p>
+            <a:pPr marL="0" marR="0" lvl="0" indent="0" algn="l" defTabSz="914400" rtl="0" eaLnBrk="1" fontAlgn="auto" latinLnBrk="0" hangingPunct="1">
+              <a:lnSpc>
+                <a:spcPct val="100000"/>
+              </a:lnSpc>
+              <a:spcBef>
+                <a:spcPts val="600"/>
+              </a:spcBef>
+              <a:spcAft>
+                <a:spcPts val="0"/>
+              </a:spcAft>
+              <a:buClrTx/>
+              <a:buSzTx/>
+              <a:buFont typeface="Arial" panose="020B0604020202020204" pitchFamily="34" charset="0"/>
+              <a:buNone/>
+              <a:tabLst/>
+              <a:defRPr/>
+            </a:pPr>
+            <a:endParaRPr kumimoji="0" lang="en-US" sz="1100" b="0" i="0" u="none" strike="noStrike" kern="1200" cap="none" spc="0" normalizeH="0" baseline="0" noProof="0" dirty="0">
+              <a:ln>
+                <a:noFill/>
+              </a:ln>
+              <a:solidFill>
+                <a:prstClr val="black"/>
+              </a:solidFill>
+              <a:effectLst/>
+              <a:uLnTx/>
+              <a:uFillTx/>
+              <a:latin typeface="Calibri" panose="020F0502020204030204"/>
+              <a:ea typeface="+mn-ea"/>
+              <a:cs typeface="+mn-cs"/>
+            </a:endParaRPr>
+          </a:p>
+          <a:p>
+            <a:pPr marL="0" marR="0" lvl="0" indent="0" algn="l" defTabSz="914400" rtl="0" eaLnBrk="1" fontAlgn="auto" latinLnBrk="0" hangingPunct="1">
+              <a:lnSpc>
+                <a:spcPct val="100000"/>
+              </a:lnSpc>
+              <a:spcBef>
+                <a:spcPts val="600"/>
+              </a:spcBef>
+              <a:spcAft>
+                <a:spcPts val="0"/>
+              </a:spcAft>
+              <a:buClrTx/>
+              <a:buSzTx/>
+              <a:buFont typeface="Arial" panose="020B0604020202020204" pitchFamily="34" charset="0"/>
+              <a:buNone/>
+              <a:tabLst/>
+              <a:defRPr/>
+            </a:pPr>
+            <a:r>
+              <a:rPr kumimoji="0" lang="en-US" sz="1100" b="0" i="0" u="none" strike="noStrike" kern="1200" cap="none" spc="0" normalizeH="0" baseline="0" noProof="0" dirty="0">
+                <a:ln>
+                  <a:noFill/>
+                </a:ln>
+                <a:solidFill>
+                  <a:prstClr val="black"/>
+                </a:solidFill>
+                <a:effectLst/>
+                <a:uLnTx/>
+                <a:uFillTx/>
+                <a:latin typeface="Calibri" panose="020F0502020204030204"/>
+                <a:ea typeface="+mn-ea"/>
+                <a:cs typeface="+mn-cs"/>
+              </a:rPr>
+              <a:t>Typical switches, once networking essentials, now show limits under modern demands. </a:t>
+            </a:r>
+            <a:r>
+              <a:rPr kumimoji="0" lang="en-US" sz="1100" b="1" i="0" u="none" strike="noStrike" kern="1200" cap="none" spc="0" normalizeH="0" baseline="0" noProof="0" dirty="0">
+                <a:ln>
+                  <a:noFill/>
+                </a:ln>
+                <a:solidFill>
+                  <a:prstClr val="black"/>
+                </a:solidFill>
+                <a:effectLst/>
+                <a:uLnTx/>
+                <a:uFillTx/>
+                <a:latin typeface="Calibri" panose="020F0502020204030204"/>
+                <a:ea typeface="+mn-ea"/>
+                <a:cs typeface="+mn-cs"/>
+              </a:rPr>
+              <a:t>Rigid caching and static memory allocation</a:t>
+            </a:r>
+            <a:r>
+              <a:rPr kumimoji="0" lang="en-US" sz="1100" b="0" i="0" u="none" strike="noStrike" kern="1200" cap="none" spc="0" normalizeH="0" baseline="0" noProof="0" dirty="0">
+                <a:ln>
+                  <a:noFill/>
+                </a:ln>
+                <a:solidFill>
+                  <a:prstClr val="black"/>
+                </a:solidFill>
+                <a:effectLst/>
+                <a:uLnTx/>
+                <a:uFillTx/>
+                <a:latin typeface="Calibri" panose="020F0502020204030204"/>
+                <a:ea typeface="+mn-ea"/>
+                <a:cs typeface="+mn-cs"/>
+              </a:rPr>
+              <a:t> reduce adaptability to dynamic traffic, while </a:t>
+            </a:r>
+            <a:r>
+              <a:rPr kumimoji="0" lang="en-US" sz="1100" b="1" i="0" u="none" strike="noStrike" kern="1200" cap="none" spc="0" normalizeH="0" baseline="0" noProof="0" dirty="0">
+                <a:ln>
+                  <a:noFill/>
+                </a:ln>
+                <a:solidFill>
+                  <a:prstClr val="black"/>
+                </a:solidFill>
+                <a:effectLst/>
+                <a:uLnTx/>
+                <a:uFillTx/>
+                <a:latin typeface="Calibri" panose="020F0502020204030204"/>
+                <a:ea typeface="+mn-ea"/>
+                <a:cs typeface="+mn-cs"/>
+              </a:rPr>
+              <a:t>weak multi-port parallelism</a:t>
+            </a:r>
+            <a:r>
+              <a:rPr kumimoji="0" lang="en-US" sz="1100" b="0" i="0" u="none" strike="noStrike" kern="1200" cap="none" spc="0" normalizeH="0" baseline="0" noProof="0" dirty="0">
+                <a:ln>
+                  <a:noFill/>
+                </a:ln>
+                <a:solidFill>
+                  <a:prstClr val="black"/>
+                </a:solidFill>
+                <a:effectLst/>
+                <a:uLnTx/>
+                <a:uFillTx/>
+                <a:latin typeface="Calibri" panose="020F0502020204030204"/>
+                <a:ea typeface="+mn-ea"/>
+                <a:cs typeface="+mn-cs"/>
+              </a:rPr>
+              <a:t>, </a:t>
+            </a:r>
+            <a:r>
+              <a:rPr kumimoji="0" lang="en-US" sz="1100" b="1" i="0" u="none" strike="noStrike" kern="1200" cap="none" spc="0" normalizeH="0" baseline="0" noProof="0" dirty="0">
+                <a:ln>
+                  <a:noFill/>
+                </a:ln>
+                <a:solidFill>
+                  <a:prstClr val="black"/>
+                </a:solidFill>
+                <a:effectLst/>
+                <a:uLnTx/>
+                <a:uFillTx/>
+                <a:latin typeface="Calibri" panose="020F0502020204030204"/>
+                <a:ea typeface="+mn-ea"/>
+                <a:cs typeface="+mn-cs"/>
+              </a:rPr>
+              <a:t>inadequate priority management</a:t>
+            </a:r>
+            <a:r>
+              <a:rPr kumimoji="0" lang="en-US" sz="1100" b="0" i="0" u="none" strike="noStrike" kern="1200" cap="none" spc="0" normalizeH="0" baseline="0" noProof="0" dirty="0">
+                <a:ln>
+                  <a:noFill/>
+                </a:ln>
+                <a:solidFill>
+                  <a:prstClr val="black"/>
+                </a:solidFill>
+                <a:effectLst/>
+                <a:uLnTx/>
+                <a:uFillTx/>
+                <a:latin typeface="Calibri" panose="020F0502020204030204"/>
+                <a:ea typeface="+mn-ea"/>
+                <a:cs typeface="+mn-cs"/>
+              </a:rPr>
+              <a:t>, and </a:t>
+            </a:r>
+            <a:r>
+              <a:rPr kumimoji="0" lang="en-US" sz="1100" b="1" i="0" u="none" strike="noStrike" kern="1200" cap="none" spc="0" normalizeH="0" baseline="0" noProof="0" dirty="0">
+                <a:ln>
+                  <a:noFill/>
+                </a:ln>
+                <a:solidFill>
+                  <a:prstClr val="black"/>
+                </a:solidFill>
+                <a:effectLst/>
+                <a:uLnTx/>
+                <a:uFillTx/>
+                <a:latin typeface="Calibri" panose="020F0502020204030204"/>
+                <a:ea typeface="+mn-ea"/>
+                <a:cs typeface="+mn-cs"/>
+              </a:rPr>
+              <a:t>limited error detection</a:t>
+            </a:r>
+            <a:r>
+              <a:rPr kumimoji="0" lang="en-US" sz="1100" b="0" i="0" u="none" strike="noStrike" kern="1200" cap="none" spc="0" normalizeH="0" baseline="0" noProof="0" dirty="0">
+                <a:ln>
+                  <a:noFill/>
+                </a:ln>
+                <a:solidFill>
+                  <a:prstClr val="black"/>
+                </a:solidFill>
+                <a:effectLst/>
+                <a:uLnTx/>
+                <a:uFillTx/>
+                <a:latin typeface="Calibri" panose="020F0502020204030204"/>
+                <a:ea typeface="+mn-ea"/>
+                <a:cs typeface="+mn-cs"/>
+              </a:rPr>
+              <a:t> hinder high-performance networking.</a:t>
+            </a:r>
+          </a:p>
+          <a:p>
+            <a:pPr marL="0" marR="0" lvl="0" indent="0" algn="l" defTabSz="914400" rtl="0" eaLnBrk="1" fontAlgn="auto" latinLnBrk="0" hangingPunct="1">
+              <a:lnSpc>
+                <a:spcPct val="100000"/>
+              </a:lnSpc>
+              <a:spcBef>
+                <a:spcPts val="1200"/>
+              </a:spcBef>
+              <a:spcAft>
+                <a:spcPts val="600"/>
+              </a:spcAft>
+              <a:buClrTx/>
+              <a:buSzTx/>
+              <a:buFont typeface="Arial" panose="020B0604020202020204" pitchFamily="34" charset="0"/>
+              <a:buNone/>
+              <a:tabLst/>
+              <a:defRPr/>
+            </a:pPr>
+            <a:r>
+              <a:rPr kumimoji="0" lang="en-US" sz="1100" b="1" i="0" u="none" strike="noStrike" kern="1200" cap="none" spc="0" normalizeH="0" baseline="0" noProof="0" dirty="0">
+                <a:ln>
+                  <a:noFill/>
+                </a:ln>
+                <a:solidFill>
+                  <a:prstClr val="black"/>
+                </a:solidFill>
+                <a:effectLst/>
+                <a:uLnTx/>
+                <a:uFillTx/>
+                <a:latin typeface="Calibri" panose="020F0502020204030204"/>
+                <a:ea typeface="+mn-ea"/>
+                <a:cs typeface="+mn-cs"/>
+              </a:rPr>
+              <a:t>Key technical issues addressed:</a:t>
+            </a:r>
+          </a:p>
+          <a:p>
+            <a:pPr marL="207450" marR="0" lvl="0" indent="-171450" algn="l" defTabSz="914400" rtl="0" eaLnBrk="1" fontAlgn="auto" latinLnBrk="0" hangingPunct="1">
+              <a:lnSpc>
+                <a:spcPct val="100000"/>
+              </a:lnSpc>
+              <a:spcBef>
+                <a:spcPts val="100"/>
+              </a:spcBef>
+              <a:spcAft>
+                <a:spcPts val="0"/>
+              </a:spcAft>
+              <a:buClrTx/>
+              <a:buSzPct val="75000"/>
+              <a:buFont typeface="Wingdings" panose="05000000000000000000" pitchFamily="2" charset="2"/>
+              <a:buChar char="u"/>
+              <a:tabLst/>
+              <a:defRPr/>
+            </a:pPr>
+            <a:r>
+              <a:rPr lang="en-US" altLang="zh-CN" sz="1100" dirty="0">
+                <a:latin typeface="Calibri "/>
+              </a:rPr>
+              <a:t>Supports </a:t>
+            </a:r>
+            <a:r>
+              <a:rPr lang="en-US" altLang="zh-CN" sz="1100" b="1" dirty="0">
+                <a:latin typeface="Calibri "/>
+              </a:rPr>
+              <a:t>dynamic memory sharing</a:t>
+            </a:r>
+            <a:r>
+              <a:rPr lang="en-US" altLang="zh-CN" sz="1100" dirty="0">
+                <a:latin typeface="Calibri "/>
+              </a:rPr>
+              <a:t> across ports and queues, optimizing resource usage in real-time.</a:t>
+            </a:r>
+          </a:p>
+          <a:p>
+            <a:pPr marL="207450" marR="0" lvl="0" indent="-171450" algn="l" defTabSz="914400" rtl="0" eaLnBrk="1" fontAlgn="auto" latinLnBrk="0" hangingPunct="1">
+              <a:lnSpc>
+                <a:spcPct val="100000"/>
+              </a:lnSpc>
+              <a:spcBef>
+                <a:spcPts val="300"/>
+              </a:spcBef>
+              <a:spcAft>
+                <a:spcPts val="0"/>
+              </a:spcAft>
+              <a:buClrTx/>
+              <a:buSzPct val="75000"/>
+              <a:buFont typeface="Wingdings" panose="05000000000000000000" pitchFamily="2" charset="2"/>
+              <a:buChar char="u"/>
+              <a:tabLst/>
+              <a:defRPr/>
+            </a:pPr>
+            <a:r>
+              <a:rPr lang="en-US" altLang="zh-CN" sz="1100" dirty="0">
+                <a:latin typeface="Calibri "/>
+              </a:rPr>
+              <a:t>Enables </a:t>
+            </a:r>
+            <a:r>
+              <a:rPr lang="en-US" altLang="zh-CN" sz="1100" b="1" dirty="0">
+                <a:latin typeface="Calibri "/>
+              </a:rPr>
+              <a:t>4 ports to operate simultaneously</a:t>
+            </a:r>
+            <a:r>
+              <a:rPr lang="en-US" altLang="zh-CN" sz="1100" dirty="0">
+                <a:latin typeface="Calibri "/>
+              </a:rPr>
+              <a:t> with up to </a:t>
+            </a:r>
+            <a:r>
+              <a:rPr lang="en-US" altLang="zh-CN" sz="1100" b="1" dirty="0">
+                <a:latin typeface="Calibri "/>
+              </a:rPr>
+              <a:t>4 Gbps bandwidth per port</a:t>
+            </a:r>
+            <a:r>
+              <a:rPr lang="en-US" altLang="zh-CN" sz="1100" dirty="0">
+                <a:latin typeface="Calibri "/>
+              </a:rPr>
+              <a:t>.</a:t>
+            </a:r>
+          </a:p>
+          <a:p>
+            <a:pPr marL="207450" marR="0" lvl="0" indent="-171450" algn="l" defTabSz="914400" rtl="0" eaLnBrk="1" fontAlgn="auto" latinLnBrk="0" hangingPunct="1">
+              <a:lnSpc>
+                <a:spcPct val="100000"/>
+              </a:lnSpc>
+              <a:spcBef>
+                <a:spcPts val="300"/>
+              </a:spcBef>
+              <a:spcAft>
+                <a:spcPts val="0"/>
+              </a:spcAft>
+              <a:buClrTx/>
+              <a:buSzPct val="75000"/>
+              <a:buFont typeface="Wingdings" panose="05000000000000000000" pitchFamily="2" charset="2"/>
+              <a:buChar char="u"/>
+              <a:tabLst/>
+              <a:defRPr/>
+            </a:pPr>
+            <a:r>
+              <a:rPr lang="en-US" sz="1100" dirty="0">
+                <a:solidFill>
+                  <a:prstClr val="black"/>
+                </a:solidFill>
+                <a:latin typeface="Calibri "/>
+              </a:rPr>
+              <a:t>Provides </a:t>
+            </a:r>
+            <a:r>
+              <a:rPr lang="en-US" sz="1100" b="1" dirty="0">
+                <a:solidFill>
+                  <a:prstClr val="black"/>
+                </a:solidFill>
+                <a:latin typeface="Calibri "/>
+              </a:rPr>
+              <a:t>4 priority queues per port </a:t>
+            </a:r>
+            <a:r>
+              <a:rPr lang="en-US" sz="1100" dirty="0">
+                <a:solidFill>
+                  <a:prstClr val="black"/>
+                </a:solidFill>
+                <a:latin typeface="Calibri "/>
+              </a:rPr>
+              <a:t>for precise traffic prioritization and enhanced QoS</a:t>
+            </a:r>
+          </a:p>
+          <a:p>
+            <a:pPr marL="207450" marR="0" lvl="0" indent="-171450" algn="l" defTabSz="914400" rtl="0" eaLnBrk="1" fontAlgn="auto" latinLnBrk="0" hangingPunct="1">
+              <a:lnSpc>
+                <a:spcPct val="100000"/>
+              </a:lnSpc>
+              <a:spcBef>
+                <a:spcPts val="300"/>
+              </a:spcBef>
+              <a:spcAft>
+                <a:spcPts val="0"/>
+              </a:spcAft>
+              <a:buClrTx/>
+              <a:buSzPct val="75000"/>
+              <a:buFont typeface="Wingdings" panose="05000000000000000000" pitchFamily="2" charset="2"/>
+              <a:buChar char="u"/>
+              <a:tabLst/>
+              <a:defRPr/>
+            </a:pPr>
+            <a:r>
+              <a:rPr lang="en-US" altLang="zh-CN" sz="1100" dirty="0">
+                <a:latin typeface="Calibri "/>
+              </a:rPr>
+              <a:t>Supports </a:t>
+            </a:r>
+            <a:r>
+              <a:rPr lang="en-US" altLang="zh-CN" sz="1100" b="1" dirty="0">
+                <a:latin typeface="Calibri "/>
+              </a:rPr>
+              <a:t>variable-length packet buffering</a:t>
+            </a:r>
+            <a:r>
+              <a:rPr lang="en-US" altLang="zh-CN" sz="1100" dirty="0">
+                <a:latin typeface="Calibri "/>
+              </a:rPr>
+              <a:t> (64–1024 bytes), ensuring efficient and flexible data handling.</a:t>
+            </a:r>
+            <a:endParaRPr lang="en-US" altLang="zh-CN" sz="1100" dirty="0">
+              <a:solidFill>
+                <a:prstClr val="black"/>
+              </a:solidFill>
+              <a:latin typeface="Calibri "/>
+            </a:endParaRPr>
+          </a:p>
+          <a:p>
+            <a:pPr marL="207450" marR="0" lvl="0" indent="-171450" algn="l" defTabSz="914400" rtl="0" eaLnBrk="1" fontAlgn="auto" latinLnBrk="0" hangingPunct="1">
+              <a:lnSpc>
+                <a:spcPct val="100000"/>
+              </a:lnSpc>
+              <a:spcBef>
+                <a:spcPts val="300"/>
+              </a:spcBef>
+              <a:spcAft>
+                <a:spcPts val="0"/>
+              </a:spcAft>
+              <a:buClrTx/>
+              <a:buSzPct val="75000"/>
+              <a:buFont typeface="Wingdings" panose="05000000000000000000" pitchFamily="2" charset="2"/>
+              <a:buChar char="u"/>
+              <a:tabLst/>
+              <a:defRPr/>
+            </a:pPr>
+            <a:r>
+              <a:rPr lang="en-US" altLang="zh-CN" sz="1100" dirty="0">
+                <a:latin typeface="Calibri "/>
+              </a:rPr>
+              <a:t>Integrates </a:t>
+            </a:r>
+            <a:r>
+              <a:rPr lang="en-US" altLang="zh-CN" sz="1100" b="1" dirty="0">
+                <a:latin typeface="Calibri "/>
+              </a:rPr>
+              <a:t>ECC and CRC mechanisms</a:t>
+            </a:r>
+            <a:r>
+              <a:rPr lang="en-US" altLang="zh-CN" sz="1100" dirty="0">
+                <a:latin typeface="Calibri "/>
+              </a:rPr>
+              <a:t>, ensuring reliable and error-free data transmission.</a:t>
+            </a:r>
+            <a:endParaRPr kumimoji="0" lang="en-US" sz="1100" b="0" i="0" u="none" strike="noStrike" kern="1200" cap="none" spc="0" normalizeH="0" baseline="0" noProof="0" dirty="0">
+              <a:ln>
+                <a:noFill/>
+              </a:ln>
+              <a:solidFill>
+                <a:prstClr val="black"/>
+              </a:solidFill>
+              <a:effectLst/>
+              <a:uLnTx/>
+              <a:uFillTx/>
+              <a:latin typeface="Calibri "/>
+            </a:endParaRPr>
+          </a:p>
+          <a:p>
+            <a:pPr marL="0" marR="0" lvl="0" indent="0" algn="l" defTabSz="914400" rtl="0" eaLnBrk="1" fontAlgn="auto" latinLnBrk="0" hangingPunct="1">
+              <a:lnSpc>
+                <a:spcPct val="100000"/>
+              </a:lnSpc>
+              <a:spcBef>
+                <a:spcPts val="1000"/>
+              </a:spcBef>
+              <a:spcAft>
+                <a:spcPts val="0"/>
+              </a:spcAft>
+              <a:buClrTx/>
+              <a:buSzTx/>
+              <a:buFont typeface="Arial" panose="020B0604020202020204" pitchFamily="34" charset="0"/>
+              <a:buNone/>
+              <a:tabLst/>
+              <a:defRPr/>
+            </a:pPr>
+            <a:endParaRPr kumimoji="0" lang="en-US" sz="1100" b="0" i="0" u="sng" strike="noStrike" kern="1200" cap="none" spc="0" normalizeH="0" baseline="0" noProof="0" dirty="0">
+              <a:ln>
+                <a:noFill/>
+              </a:ln>
+              <a:solidFill>
+                <a:prstClr val="black"/>
+              </a:solidFill>
+              <a:effectLst/>
+              <a:uLnTx/>
+              <a:uFillTx/>
+              <a:latin typeface="+mj-lt"/>
+              <a:ea typeface="+mn-ea"/>
+              <a:cs typeface="+mn-cs"/>
+            </a:endParaRPr>
+          </a:p>
+          <a:p>
+            <a:pPr marL="0" marR="0" lvl="0" indent="0" algn="l" defTabSz="914400" rtl="0" eaLnBrk="1" fontAlgn="auto" latinLnBrk="0" hangingPunct="1">
+              <a:lnSpc>
+                <a:spcPct val="100000"/>
+              </a:lnSpc>
+              <a:spcBef>
+                <a:spcPts val="1000"/>
+              </a:spcBef>
+              <a:spcAft>
+                <a:spcPts val="0"/>
+              </a:spcAft>
+              <a:buClrTx/>
+              <a:buSzTx/>
+              <a:buFont typeface="Arial" panose="020B0604020202020204" pitchFamily="34" charset="0"/>
+              <a:buNone/>
+              <a:tabLst/>
+              <a:defRPr/>
+            </a:pPr>
+            <a:endParaRPr kumimoji="0" lang="en-US" sz="1100" b="0" i="0" u="none" strike="noStrike" kern="1200" cap="none" spc="0" normalizeH="0" baseline="0" noProof="0" dirty="0">
+              <a:ln>
+                <a:noFill/>
+              </a:ln>
+              <a:solidFill>
+                <a:prstClr val="black"/>
+              </a:solidFill>
+              <a:effectLst/>
+              <a:uLnTx/>
+              <a:uFillTx/>
+              <a:latin typeface="Calibri" panose="020F0502020204030204"/>
+              <a:ea typeface="+mn-ea"/>
+              <a:cs typeface="+mn-cs"/>
+            </a:endParaRPr>
+          </a:p>
+        </p:txBody>
+      </p:sp>
+      <p:sp>
+        <p:nvSpPr>
+          <p:cNvPr id="2" name="Title 1">
+            <a:extLst>
+              <a:ext uri="{FF2B5EF4-FFF2-40B4-BE49-F238E27FC236}">
+                <a16:creationId xmlns:a16="http://schemas.microsoft.com/office/drawing/2014/main" id="{5DE6E856-1F7B-29DC-EC6F-131562A1BFE7}"/>
+              </a:ext>
+            </a:extLst>
+          </p:cNvPr>
+          <p:cNvSpPr>
+            <a:spLocks noGrp="1"/>
+          </p:cNvSpPr>
+          <p:nvPr>
+            <p:ph type="title"/>
+          </p:nvPr>
+        </p:nvSpPr>
+        <p:spPr>
+          <a:xfrm>
+            <a:off x="725407" y="1089464"/>
+            <a:ext cx="2752711" cy="393666"/>
+          </a:xfrm>
+          <a:solidFill>
+            <a:srgbClr val="2F2F2F"/>
+          </a:solidFill>
+        </p:spPr>
+        <p:txBody>
+          <a:bodyPr>
+            <a:normAutofit/>
+          </a:bodyPr>
+          <a:lstStyle/>
+          <a:p>
+            <a:pPr algn="ctr"/>
+            <a:r>
+              <a:rPr lang="en-US" sz="1800" b="1" dirty="0">
+                <a:solidFill>
+                  <a:schemeClr val="bg1"/>
+                </a:solidFill>
+                <a:latin typeface="Aharoni" panose="020F0502020204030204" pitchFamily="34" charset="0"/>
+                <a:cs typeface="Aharoni" panose="020F0502020204030204" pitchFamily="34" charset="0"/>
+              </a:rPr>
+              <a:t>INTRODUCTION</a:t>
+            </a:r>
+          </a:p>
+        </p:txBody>
+      </p:sp>
+      <p:sp>
+        <p:nvSpPr>
+          <p:cNvPr id="5" name="TextBox 4">
+            <a:extLst>
+              <a:ext uri="{FF2B5EF4-FFF2-40B4-BE49-F238E27FC236}">
+                <a16:creationId xmlns:a16="http://schemas.microsoft.com/office/drawing/2014/main" id="{40091585-9DBE-4DA2-D488-F342D496C9AB}"/>
+              </a:ext>
+            </a:extLst>
+          </p:cNvPr>
+          <p:cNvSpPr txBox="1"/>
+          <p:nvPr/>
+        </p:nvSpPr>
+        <p:spPr>
+          <a:xfrm>
+            <a:off x="172549" y="0"/>
+            <a:ext cx="5911443" cy="830997"/>
+          </a:xfrm>
+          <a:prstGeom prst="rect">
+            <a:avLst/>
+          </a:prstGeom>
+          <a:noFill/>
+        </p:spPr>
+        <p:txBody>
+          <a:bodyPr wrap="square">
+            <a:spAutoFit/>
+          </a:bodyPr>
+          <a:lstStyle/>
+          <a:p>
+            <a:pPr>
+              <a:defRPr/>
+            </a:pPr>
+            <a:r>
+              <a:rPr kumimoji="0" lang="en-US" altLang="zh-CN" sz="2400" b="1" i="0" u="none" strike="noStrike" kern="1200" cap="none" spc="0" normalizeH="0" baseline="0" noProof="0" dirty="0">
+                <a:ln>
+                  <a:noFill/>
+                </a:ln>
+                <a:solidFill>
+                  <a:prstClr val="black"/>
+                </a:solidFill>
+                <a:effectLst/>
+                <a:uLnTx/>
+                <a:uFillTx/>
+                <a:latin typeface="Times New Roman" panose="02020603050405020304" pitchFamily="18" charset="0"/>
+                <a:ea typeface="+mn-ea"/>
+                <a:cs typeface="Times New Roman" panose="02020603050405020304" pitchFamily="18" charset="0"/>
+                <a:sym typeface="+mn-ea"/>
+              </a:rPr>
+              <a:t>Hydra: A high-speed multi-port shared cache management module</a:t>
+            </a:r>
+            <a:endParaRPr kumimoji="0" lang="en-US" sz="2400" b="1" i="0" u="none" strike="noStrike" kern="1200" cap="none" spc="0" normalizeH="0" baseline="0" noProof="0" dirty="0">
+              <a:ln>
+                <a:noFill/>
+              </a:ln>
+              <a:solidFill>
+                <a:prstClr val="black"/>
+              </a:solidFill>
+              <a:effectLst/>
+              <a:uLnTx/>
+              <a:uFillTx/>
+              <a:latin typeface="Times New Roman" panose="02020603050405020304" pitchFamily="18" charset="0"/>
+              <a:ea typeface="+mn-ea"/>
+              <a:cs typeface="Times New Roman" panose="02020603050405020304" pitchFamily="18" charset="0"/>
+              <a:sym typeface="+mn-ea"/>
+            </a:endParaRPr>
+          </a:p>
+        </p:txBody>
+      </p:sp>
+      <p:sp>
+        <p:nvSpPr>
+          <p:cNvPr id="44" name="文本框 4">
+            <a:extLst>
+              <a:ext uri="{FF2B5EF4-FFF2-40B4-BE49-F238E27FC236}">
+                <a16:creationId xmlns:a16="http://schemas.microsoft.com/office/drawing/2014/main" id="{1265C40B-46F6-DC05-1C17-07D1D6493E04}"/>
+              </a:ext>
+            </a:extLst>
+          </p:cNvPr>
+          <p:cNvSpPr txBox="1"/>
+          <p:nvPr/>
+        </p:nvSpPr>
+        <p:spPr>
+          <a:xfrm>
+            <a:off x="1160692" y="3144230"/>
+            <a:ext cx="1882140" cy="244475"/>
+          </a:xfrm>
+          <a:prstGeom prst="rect">
+            <a:avLst/>
+          </a:prstGeom>
+        </p:spPr>
+        <p:txBody>
+          <a:bodyPr vert="horz" lIns="91440" tIns="45720" rIns="91440" bIns="45720" rtlCol="0">
+            <a:noAutofit/>
+          </a:bodyPr>
+          <a:lstStyle>
+            <a:lvl1pPr indent="0">
+              <a:lnSpc>
+                <a:spcPct val="90000"/>
+              </a:lnSpc>
+              <a:spcBef>
+                <a:spcPts val="1000"/>
+              </a:spcBef>
+              <a:buFont typeface="Arial" panose="020B0604020202020204" pitchFamily="34" charset="0"/>
+              <a:buNone/>
+              <a:defRPr sz="1100"/>
+            </a:lvl1pPr>
+            <a:lvl2pPr marL="685800" indent="-228600">
+              <a:lnSpc>
+                <a:spcPct val="90000"/>
+              </a:lnSpc>
+              <a:spcBef>
+                <a:spcPts val="500"/>
+              </a:spcBef>
+              <a:buFont typeface="Arial" panose="020B0604020202020204" pitchFamily="34" charset="0"/>
+              <a:buChar char="•"/>
+              <a:defRPr sz="2400"/>
+            </a:lvl2pPr>
+            <a:lvl3pPr marL="1143000" indent="-228600">
+              <a:lnSpc>
+                <a:spcPct val="90000"/>
+              </a:lnSpc>
+              <a:spcBef>
+                <a:spcPts val="500"/>
+              </a:spcBef>
+              <a:buFont typeface="Arial" panose="020B0604020202020204" pitchFamily="34" charset="0"/>
+              <a:buChar char="•"/>
+              <a:defRPr sz="2000"/>
+            </a:lvl3pPr>
+            <a:lvl4pPr marL="1600200" indent="-228600">
+              <a:lnSpc>
+                <a:spcPct val="90000"/>
+              </a:lnSpc>
+              <a:spcBef>
+                <a:spcPts val="500"/>
+              </a:spcBef>
+              <a:buFont typeface="Arial" panose="020B0604020202020204" pitchFamily="34" charset="0"/>
+              <a:buChar char="•"/>
+            </a:lvl4pPr>
+            <a:lvl5pPr marL="2057400" indent="-228600">
+              <a:lnSpc>
+                <a:spcPct val="90000"/>
+              </a:lnSpc>
+              <a:spcBef>
+                <a:spcPts val="500"/>
+              </a:spcBef>
+              <a:buFont typeface="Arial" panose="020B0604020202020204" pitchFamily="34" charset="0"/>
+              <a:buChar char="•"/>
+            </a:lvl5pPr>
+            <a:lvl6pPr marL="2514600" indent="-228600">
+              <a:lnSpc>
+                <a:spcPct val="90000"/>
+              </a:lnSpc>
+              <a:spcBef>
+                <a:spcPts val="500"/>
+              </a:spcBef>
+              <a:buFont typeface="Arial" panose="020B0604020202020204" pitchFamily="34" charset="0"/>
+              <a:buChar char="•"/>
+            </a:lvl6pPr>
+            <a:lvl7pPr marL="2971800" indent="-228600">
+              <a:lnSpc>
+                <a:spcPct val="90000"/>
+              </a:lnSpc>
+              <a:spcBef>
+                <a:spcPts val="500"/>
+              </a:spcBef>
+              <a:buFont typeface="Arial" panose="020B0604020202020204" pitchFamily="34" charset="0"/>
+              <a:buChar char="•"/>
+            </a:lvl7pPr>
+            <a:lvl8pPr marL="3429000" indent="-228600">
+              <a:lnSpc>
+                <a:spcPct val="90000"/>
+              </a:lnSpc>
+              <a:spcBef>
+                <a:spcPts val="500"/>
+              </a:spcBef>
+              <a:buFont typeface="Arial" panose="020B0604020202020204" pitchFamily="34" charset="0"/>
+              <a:buChar char="•"/>
+            </a:lvl8pPr>
+            <a:lvl9pPr marL="3886200" indent="-228600">
+              <a:lnSpc>
+                <a:spcPct val="90000"/>
+              </a:lnSpc>
+              <a:spcBef>
+                <a:spcPts val="500"/>
+              </a:spcBef>
+              <a:buFont typeface="Arial" panose="020B0604020202020204" pitchFamily="34" charset="0"/>
+              <a:buChar char="•"/>
+            </a:lvl9pPr>
+          </a:lstStyle>
+          <a:p>
+            <a:pPr marL="0" marR="0" lvl="0" indent="0" algn="l" defTabSz="914400" rtl="0" eaLnBrk="1" fontAlgn="auto" latinLnBrk="0" hangingPunct="1">
+              <a:lnSpc>
+                <a:spcPct val="130000"/>
+              </a:lnSpc>
+              <a:spcBef>
+                <a:spcPts val="1000"/>
+              </a:spcBef>
+              <a:spcAft>
+                <a:spcPts val="0"/>
+              </a:spcAft>
+              <a:buClrTx/>
+              <a:buSzTx/>
+              <a:buFont typeface="Arial" panose="020B0604020202020204" pitchFamily="34" charset="0"/>
+              <a:buNone/>
+              <a:tabLst/>
+              <a:defRPr/>
+            </a:pPr>
+            <a:r>
+              <a:rPr kumimoji="0" lang="en-US" altLang="zh-CN" sz="1100" b="1" i="0" u="none" strike="noStrike" kern="1200" cap="none" spc="0" normalizeH="0" baseline="0" noProof="0" dirty="0">
+                <a:ln>
+                  <a:noFill/>
+                </a:ln>
+                <a:solidFill>
+                  <a:srgbClr val="000000"/>
+                </a:solidFill>
+                <a:effectLst/>
+                <a:uLnTx/>
+                <a:uFillTx/>
+                <a:latin typeface="微软雅黑" panose="020B0503020204020204" pitchFamily="34" charset="-122"/>
+                <a:ea typeface="微软雅黑" panose="020B0503020204020204" pitchFamily="34" charset="-122"/>
+                <a:cs typeface="Times New Roman" panose="02020603050405020304" pitchFamily="18" charset="0"/>
+                <a:sym typeface="+mn-ea"/>
+              </a:rPr>
+              <a:t>Typical application case</a:t>
+            </a:r>
+          </a:p>
+        </p:txBody>
+      </p:sp>
+      <p:cxnSp>
+        <p:nvCxnSpPr>
+          <p:cNvPr id="48" name="Straight Connector 47">
+            <a:extLst>
+              <a:ext uri="{FF2B5EF4-FFF2-40B4-BE49-F238E27FC236}">
+                <a16:creationId xmlns:a16="http://schemas.microsoft.com/office/drawing/2014/main" id="{5A89BED3-CF99-A23E-06E8-A1F59E6F399C}"/>
+              </a:ext>
+            </a:extLst>
+          </p:cNvPr>
+          <p:cNvCxnSpPr/>
+          <p:nvPr/>
+        </p:nvCxnSpPr>
+        <p:spPr>
+          <a:xfrm>
+            <a:off x="5996223" y="269320"/>
+            <a:ext cx="2213128" cy="1658522"/>
+          </a:xfrm>
+          <a:prstGeom prst="line">
+            <a:avLst/>
+          </a:prstGeom>
+          <a:ln w="31750" cmpd="sng">
+            <a:prstDash val="solid"/>
+          </a:ln>
+        </p:spPr>
+        <p:style>
+          <a:lnRef idx="1">
+            <a:schemeClr val="dk1"/>
+          </a:lnRef>
+          <a:fillRef idx="0">
+            <a:schemeClr val="dk1"/>
+          </a:fillRef>
+          <a:effectRef idx="0">
+            <a:schemeClr val="dk1"/>
+          </a:effectRef>
+          <a:fontRef idx="minor">
+            <a:schemeClr val="tx1"/>
+          </a:fontRef>
+        </p:style>
+      </p:cxnSp>
+      <p:cxnSp>
+        <p:nvCxnSpPr>
+          <p:cNvPr id="50" name="Straight Connector 49">
+            <a:extLst>
+              <a:ext uri="{FF2B5EF4-FFF2-40B4-BE49-F238E27FC236}">
+                <a16:creationId xmlns:a16="http://schemas.microsoft.com/office/drawing/2014/main" id="{64E7AED0-C0C4-811A-9D9C-8F3078244F61}"/>
+              </a:ext>
+            </a:extLst>
+          </p:cNvPr>
+          <p:cNvCxnSpPr/>
+          <p:nvPr/>
+        </p:nvCxnSpPr>
+        <p:spPr>
+          <a:xfrm flipV="1">
+            <a:off x="8199745" y="1916384"/>
+            <a:ext cx="3659900" cy="11458"/>
+          </a:xfrm>
+          <a:prstGeom prst="line">
+            <a:avLst/>
+          </a:prstGeom>
+          <a:ln w="31750" cmpd="sng"/>
+        </p:spPr>
+        <p:style>
+          <a:lnRef idx="1">
+            <a:schemeClr val="dk1"/>
+          </a:lnRef>
+          <a:fillRef idx="0">
+            <a:schemeClr val="dk1"/>
+          </a:fillRef>
+          <a:effectRef idx="0">
+            <a:schemeClr val="dk1"/>
+          </a:effectRef>
+          <a:fontRef idx="minor">
+            <a:schemeClr val="tx1"/>
+          </a:fontRef>
+        </p:style>
+      </p:cxnSp>
+      <p:cxnSp>
+        <p:nvCxnSpPr>
+          <p:cNvPr id="53" name="Straight Connector 52">
+            <a:extLst>
+              <a:ext uri="{FF2B5EF4-FFF2-40B4-BE49-F238E27FC236}">
+                <a16:creationId xmlns:a16="http://schemas.microsoft.com/office/drawing/2014/main" id="{49A59525-1AB6-E81A-CB79-C2603C8490A4}"/>
+              </a:ext>
+            </a:extLst>
+          </p:cNvPr>
+          <p:cNvCxnSpPr/>
+          <p:nvPr/>
+        </p:nvCxnSpPr>
+        <p:spPr>
+          <a:xfrm>
+            <a:off x="8209351" y="1927842"/>
+            <a:ext cx="0" cy="4622357"/>
+          </a:xfrm>
+          <a:prstGeom prst="line">
+            <a:avLst/>
+          </a:prstGeom>
+          <a:ln w="31750" cmpd="sng"/>
+        </p:spPr>
+        <p:style>
+          <a:lnRef idx="1">
+            <a:schemeClr val="dk1"/>
+          </a:lnRef>
+          <a:fillRef idx="0">
+            <a:schemeClr val="dk1"/>
+          </a:fillRef>
+          <a:effectRef idx="0">
+            <a:schemeClr val="dk1"/>
+          </a:effectRef>
+          <a:fontRef idx="minor">
+            <a:schemeClr val="tx1"/>
+          </a:fontRef>
+        </p:style>
+      </p:cxnSp>
+      <p:sp>
+        <p:nvSpPr>
+          <p:cNvPr id="73" name="TextBox 72">
+            <a:extLst>
+              <a:ext uri="{FF2B5EF4-FFF2-40B4-BE49-F238E27FC236}">
+                <a16:creationId xmlns:a16="http://schemas.microsoft.com/office/drawing/2014/main" id="{89260ADA-B7CA-7D97-8F8F-F22FAE68CD32}"/>
+              </a:ext>
+            </a:extLst>
+          </p:cNvPr>
+          <p:cNvSpPr txBox="1"/>
+          <p:nvPr/>
+        </p:nvSpPr>
+        <p:spPr>
+          <a:xfrm>
+            <a:off x="8886075" y="2441910"/>
+            <a:ext cx="3094990" cy="1898810"/>
+          </a:xfrm>
+          <a:prstGeom prst="rect">
+            <a:avLst/>
+          </a:prstGeom>
+        </p:spPr>
+        <p:txBody>
+          <a:bodyPr vert="horz" lIns="91440" tIns="45720" rIns="91440" bIns="45720" rtlCol="0">
+            <a:noAutofit/>
+          </a:bodyPr>
+          <a:lstStyle>
+            <a:lvl1pPr indent="0">
+              <a:lnSpc>
+                <a:spcPct val="90000"/>
+              </a:lnSpc>
+              <a:spcBef>
+                <a:spcPts val="1000"/>
+              </a:spcBef>
+              <a:buFont typeface="Arial" panose="020B0604020202020204" pitchFamily="34" charset="0"/>
+              <a:buNone/>
+              <a:defRPr sz="1100"/>
+            </a:lvl1pPr>
+            <a:lvl2pPr marL="685800" indent="-228600">
+              <a:lnSpc>
+                <a:spcPct val="90000"/>
+              </a:lnSpc>
+              <a:spcBef>
+                <a:spcPts val="500"/>
+              </a:spcBef>
+              <a:buFont typeface="Arial" panose="020B0604020202020204" pitchFamily="34" charset="0"/>
+              <a:buChar char="•"/>
+              <a:defRPr sz="2400"/>
+            </a:lvl2pPr>
+            <a:lvl3pPr marL="1143000" indent="-228600">
+              <a:lnSpc>
+                <a:spcPct val="90000"/>
+              </a:lnSpc>
+              <a:spcBef>
+                <a:spcPts val="500"/>
+              </a:spcBef>
+              <a:buFont typeface="Arial" panose="020B0604020202020204" pitchFamily="34" charset="0"/>
+              <a:buChar char="•"/>
+              <a:defRPr sz="2000"/>
+            </a:lvl3pPr>
+            <a:lvl4pPr marL="1600200" indent="-228600">
+              <a:lnSpc>
+                <a:spcPct val="90000"/>
+              </a:lnSpc>
+              <a:spcBef>
+                <a:spcPts val="500"/>
+              </a:spcBef>
+              <a:buFont typeface="Arial" panose="020B0604020202020204" pitchFamily="34" charset="0"/>
+              <a:buChar char="•"/>
+            </a:lvl4pPr>
+            <a:lvl5pPr marL="2057400" indent="-228600">
+              <a:lnSpc>
+                <a:spcPct val="90000"/>
+              </a:lnSpc>
+              <a:spcBef>
+                <a:spcPts val="500"/>
+              </a:spcBef>
+              <a:buFont typeface="Arial" panose="020B0604020202020204" pitchFamily="34" charset="0"/>
+              <a:buChar char="•"/>
+            </a:lvl5pPr>
+            <a:lvl6pPr marL="2514600" indent="-228600">
+              <a:lnSpc>
+                <a:spcPct val="90000"/>
+              </a:lnSpc>
+              <a:spcBef>
+                <a:spcPts val="500"/>
+              </a:spcBef>
+              <a:buFont typeface="Arial" panose="020B0604020202020204" pitchFamily="34" charset="0"/>
+              <a:buChar char="•"/>
+            </a:lvl6pPr>
+            <a:lvl7pPr marL="2971800" indent="-228600">
+              <a:lnSpc>
+                <a:spcPct val="90000"/>
+              </a:lnSpc>
+              <a:spcBef>
+                <a:spcPts val="500"/>
+              </a:spcBef>
+              <a:buFont typeface="Arial" panose="020B0604020202020204" pitchFamily="34" charset="0"/>
+              <a:buChar char="•"/>
+            </a:lvl7pPr>
+            <a:lvl8pPr marL="3429000" indent="-228600">
+              <a:lnSpc>
+                <a:spcPct val="90000"/>
+              </a:lnSpc>
+              <a:spcBef>
+                <a:spcPts val="500"/>
+              </a:spcBef>
+              <a:buFont typeface="Arial" panose="020B0604020202020204" pitchFamily="34" charset="0"/>
+              <a:buChar char="•"/>
+            </a:lvl8pPr>
+            <a:lvl9pPr marL="3886200" indent="-228600">
+              <a:lnSpc>
+                <a:spcPct val="90000"/>
+              </a:lnSpc>
+              <a:spcBef>
+                <a:spcPts val="500"/>
+              </a:spcBef>
+              <a:buFont typeface="Arial" panose="020B0604020202020204" pitchFamily="34" charset="0"/>
+              <a:buChar char="•"/>
+            </a:lvl9pPr>
+          </a:lstStyle>
+          <a:p>
+            <a:pPr marL="0" marR="0" lvl="0" indent="0" algn="l" defTabSz="914400" rtl="0" eaLnBrk="1" fontAlgn="auto" latinLnBrk="0" hangingPunct="1">
+              <a:lnSpc>
+                <a:spcPct val="100000"/>
+              </a:lnSpc>
+              <a:spcBef>
+                <a:spcPts val="800"/>
+              </a:spcBef>
+              <a:spcAft>
+                <a:spcPts val="0"/>
+              </a:spcAft>
+              <a:buClrTx/>
+              <a:buSzTx/>
+              <a:buFont typeface="Arial" panose="020B0604020202020204" pitchFamily="34" charset="0"/>
+              <a:buNone/>
+              <a:tabLst/>
+              <a:defRPr/>
+            </a:pPr>
+            <a:r>
+              <a:rPr kumimoji="0" lang="en-US" altLang="zh-CN" sz="1100" b="0" i="0" u="none" strike="noStrike" kern="1200" cap="none" spc="0" normalizeH="0" baseline="0" noProof="0" dirty="0">
+                <a:ln>
+                  <a:noFill/>
+                </a:ln>
+                <a:solidFill>
+                  <a:prstClr val="black"/>
+                </a:solidFill>
+                <a:effectLst/>
+                <a:uLnTx/>
+                <a:uFillTx/>
+                <a:latin typeface="Calibri" panose="020F0502020204030204" charset="0"/>
+                <a:ea typeface="等线" panose="02010600030101010101" pitchFamily="2" charset="-122"/>
+                <a:cs typeface="Calibri" panose="020F0502020204030204" charset="0"/>
+                <a:sym typeface="+mn-ea"/>
+              </a:rPr>
+              <a:t>The completed work has verified the architecture of Hydra, a high-speed multi-port shared cache management module for routing devices.</a:t>
+            </a:r>
+          </a:p>
+          <a:p>
+            <a:pPr marL="0" marR="0" lvl="0" indent="0" algn="l" defTabSz="914400" rtl="0" eaLnBrk="1" fontAlgn="auto" latinLnBrk="0" hangingPunct="1">
+              <a:lnSpc>
+                <a:spcPct val="100000"/>
+              </a:lnSpc>
+              <a:spcBef>
+                <a:spcPts val="800"/>
+              </a:spcBef>
+              <a:spcAft>
+                <a:spcPts val="0"/>
+              </a:spcAft>
+              <a:buClrTx/>
+              <a:buSzTx/>
+              <a:buFont typeface="Arial" panose="020B0604020202020204" pitchFamily="34" charset="0"/>
+              <a:buNone/>
+              <a:tabLst/>
+              <a:defRPr/>
+            </a:pPr>
+            <a:r>
+              <a:rPr kumimoji="0" lang="en-US" altLang="zh-CN" sz="1100" b="0" i="0" u="none" strike="noStrike" kern="1200" cap="none" spc="0" normalizeH="0" baseline="0" noProof="0" dirty="0">
+                <a:ln>
+                  <a:noFill/>
+                </a:ln>
+                <a:solidFill>
+                  <a:prstClr val="black"/>
+                </a:solidFill>
+                <a:effectLst/>
+                <a:uLnTx/>
+                <a:uFillTx/>
+                <a:latin typeface="Calibri" panose="020F0502020204030204" charset="0"/>
+                <a:ea typeface="等线" panose="02010600030101010101" pitchFamily="2" charset="-122"/>
+                <a:cs typeface="Calibri" panose="020F0502020204030204" charset="0"/>
+                <a:sym typeface="+mn-ea"/>
+              </a:rPr>
+              <a:t> Hydra manages </a:t>
+            </a:r>
+            <a:r>
+              <a:rPr kumimoji="0" lang="en-US" altLang="zh-CN" sz="1100" b="1" i="0" u="none" strike="noStrike" kern="1200" cap="none" spc="0" normalizeH="0" baseline="0" noProof="0" dirty="0">
+                <a:ln>
+                  <a:noFill/>
+                </a:ln>
+                <a:solidFill>
+                  <a:prstClr val="black"/>
+                </a:solidFill>
+                <a:effectLst/>
+                <a:uLnTx/>
+                <a:uFillTx/>
+                <a:latin typeface="Calibri" panose="020F0502020204030204" charset="0"/>
+                <a:ea typeface="等线" panose="02010600030101010101" pitchFamily="2" charset="-122"/>
+                <a:cs typeface="Calibri" panose="020F0502020204030204" charset="0"/>
+                <a:sym typeface="+mn-ea"/>
+              </a:rPr>
+              <a:t>16 SRAM </a:t>
+            </a:r>
+            <a:r>
+              <a:rPr kumimoji="0" lang="en-US" altLang="zh-CN" sz="1100" b="0" i="0" u="none" strike="noStrike" kern="1200" cap="none" spc="0" normalizeH="0" baseline="0" noProof="0" dirty="0">
+                <a:ln>
+                  <a:noFill/>
+                </a:ln>
+                <a:solidFill>
+                  <a:prstClr val="black"/>
+                </a:solidFill>
+                <a:effectLst/>
+                <a:uLnTx/>
+                <a:uFillTx/>
+                <a:latin typeface="Calibri" panose="020F0502020204030204" charset="0"/>
+                <a:ea typeface="等线" panose="02010600030101010101" pitchFamily="2" charset="-122"/>
+                <a:cs typeface="Calibri" panose="020F0502020204030204" charset="0"/>
+                <a:sym typeface="+mn-ea"/>
+              </a:rPr>
+              <a:t>units providing </a:t>
+            </a:r>
+            <a:r>
+              <a:rPr kumimoji="0" lang="en-US" altLang="zh-CN" sz="1100" b="1" i="0" u="none" strike="noStrike" kern="1200" cap="none" spc="0" normalizeH="0" baseline="0" noProof="0" dirty="0">
+                <a:ln>
+                  <a:noFill/>
+                </a:ln>
+                <a:solidFill>
+                  <a:prstClr val="black"/>
+                </a:solidFill>
+                <a:effectLst/>
+                <a:uLnTx/>
+                <a:uFillTx/>
+                <a:latin typeface="Calibri" panose="020F0502020204030204" charset="0"/>
+                <a:ea typeface="等线" panose="02010600030101010101" pitchFamily="2" charset="-122"/>
+                <a:cs typeface="Calibri" panose="020F0502020204030204" charset="0"/>
+                <a:sym typeface="+mn-ea"/>
+              </a:rPr>
+              <a:t>1Mbits</a:t>
+            </a:r>
+            <a:r>
+              <a:rPr kumimoji="0" lang="en-US" altLang="zh-CN" sz="1100" b="0" i="0" u="none" strike="noStrike" kern="1200" cap="none" spc="0" normalizeH="0" baseline="0" noProof="0" dirty="0">
+                <a:ln>
+                  <a:noFill/>
+                </a:ln>
+                <a:solidFill>
+                  <a:prstClr val="black"/>
+                </a:solidFill>
+                <a:effectLst/>
+                <a:uLnTx/>
+                <a:uFillTx/>
+                <a:latin typeface="Calibri" panose="020F0502020204030204" charset="0"/>
+                <a:ea typeface="等线" panose="02010600030101010101" pitchFamily="2" charset="-122"/>
+                <a:cs typeface="Calibri" panose="020F0502020204030204" charset="0"/>
+                <a:sym typeface="+mn-ea"/>
+              </a:rPr>
+              <a:t> of total storage. It supports </a:t>
+            </a:r>
+            <a:r>
+              <a:rPr kumimoji="0" lang="en-US" altLang="zh-CN" sz="1100" b="1" i="0" u="none" strike="noStrike" kern="1200" cap="none" spc="0" normalizeH="0" baseline="0" noProof="0" dirty="0">
+                <a:ln>
+                  <a:noFill/>
+                </a:ln>
+                <a:solidFill>
+                  <a:prstClr val="black"/>
+                </a:solidFill>
+                <a:effectLst/>
+                <a:uLnTx/>
+                <a:uFillTx/>
+                <a:latin typeface="Calibri" panose="020F0502020204030204" charset="0"/>
+                <a:ea typeface="等线" panose="02010600030101010101" pitchFamily="2" charset="-122"/>
+                <a:cs typeface="Calibri" panose="020F0502020204030204" charset="0"/>
+                <a:sym typeface="+mn-ea"/>
+              </a:rPr>
+              <a:t>simultaneous read and write </a:t>
+            </a:r>
+            <a:r>
+              <a:rPr kumimoji="0" lang="en-US" altLang="zh-CN" sz="1100" b="0" i="0" u="none" strike="noStrike" kern="1200" cap="none" spc="0" normalizeH="0" baseline="0" noProof="0" dirty="0">
+                <a:ln>
+                  <a:noFill/>
+                </a:ln>
+                <a:solidFill>
+                  <a:prstClr val="black"/>
+                </a:solidFill>
+                <a:effectLst/>
+                <a:uLnTx/>
+                <a:uFillTx/>
+                <a:latin typeface="Calibri" panose="020F0502020204030204" charset="0"/>
+                <a:ea typeface="等线" panose="02010600030101010101" pitchFamily="2" charset="-122"/>
+                <a:cs typeface="Calibri" panose="020F0502020204030204" charset="0"/>
+                <a:sym typeface="+mn-ea"/>
+              </a:rPr>
+              <a:t>operations on </a:t>
+            </a:r>
+            <a:r>
+              <a:rPr kumimoji="0" lang="en-US" altLang="zh-CN" sz="1100" b="1" i="0" u="none" strike="noStrike" kern="1200" cap="none" spc="0" normalizeH="0" baseline="0" noProof="0" dirty="0">
+                <a:ln>
+                  <a:noFill/>
+                </a:ln>
+                <a:solidFill>
+                  <a:prstClr val="black"/>
+                </a:solidFill>
+                <a:effectLst/>
+                <a:uLnTx/>
+                <a:uFillTx/>
+                <a:latin typeface="Calibri" panose="020F0502020204030204" charset="0"/>
+                <a:ea typeface="等线" panose="02010600030101010101" pitchFamily="2" charset="-122"/>
+                <a:cs typeface="Calibri" panose="020F0502020204030204" charset="0"/>
+                <a:sym typeface="+mn-ea"/>
+              </a:rPr>
+              <a:t>4+ ports </a:t>
+            </a:r>
+            <a:r>
+              <a:rPr kumimoji="0" lang="en-US" altLang="zh-CN" sz="1100" b="0" i="0" u="none" strike="noStrike" kern="1200" cap="none" spc="0" normalizeH="0" baseline="0" noProof="0" dirty="0">
+                <a:ln>
+                  <a:noFill/>
+                </a:ln>
+                <a:solidFill>
+                  <a:prstClr val="black"/>
+                </a:solidFill>
+                <a:effectLst/>
+                <a:uLnTx/>
+                <a:uFillTx/>
+                <a:latin typeface="Calibri" panose="020F0502020204030204" charset="0"/>
+                <a:ea typeface="等线" panose="02010600030101010101" pitchFamily="2" charset="-122"/>
+                <a:cs typeface="Calibri" panose="020F0502020204030204" charset="0"/>
+                <a:sym typeface="+mn-ea"/>
+              </a:rPr>
+              <a:t>with </a:t>
+            </a:r>
+            <a:r>
+              <a:rPr kumimoji="0" lang="en-US" altLang="zh-CN" sz="1100" b="1" i="0" u="none" strike="noStrike" kern="1200" cap="none" spc="0" normalizeH="0" baseline="0" noProof="0" dirty="0">
+                <a:ln>
+                  <a:noFill/>
+                </a:ln>
+                <a:solidFill>
+                  <a:prstClr val="black"/>
+                </a:solidFill>
+                <a:effectLst/>
+                <a:uLnTx/>
+                <a:uFillTx/>
+                <a:latin typeface="Calibri" panose="020F0502020204030204" charset="0"/>
+                <a:ea typeface="等线" panose="02010600030101010101" pitchFamily="2" charset="-122"/>
+                <a:cs typeface="Calibri" panose="020F0502020204030204" charset="0"/>
+                <a:sym typeface="+mn-ea"/>
+              </a:rPr>
+              <a:t>4Gbps bandwidth</a:t>
+            </a:r>
+            <a:r>
+              <a:rPr kumimoji="0" lang="en-US" altLang="zh-CN" sz="1100" b="0" i="0" u="none" strike="noStrike" kern="1200" cap="none" spc="0" normalizeH="0" baseline="0" noProof="0" dirty="0">
+                <a:ln>
+                  <a:noFill/>
+                </a:ln>
+                <a:solidFill>
+                  <a:prstClr val="black"/>
+                </a:solidFill>
+                <a:effectLst/>
+                <a:uLnTx/>
+                <a:uFillTx/>
+                <a:latin typeface="Calibri" panose="020F0502020204030204" charset="0"/>
+                <a:ea typeface="等线" panose="02010600030101010101" pitchFamily="2" charset="-122"/>
+                <a:cs typeface="Calibri" panose="020F0502020204030204" charset="0"/>
+                <a:sym typeface="+mn-ea"/>
+              </a:rPr>
+              <a:t> per port. Featuring </a:t>
+            </a:r>
+            <a:r>
+              <a:rPr kumimoji="0" lang="en-US" altLang="zh-CN" sz="1100" b="1" i="0" u="none" strike="noStrike" kern="1200" cap="none" spc="0" normalizeH="0" baseline="0" noProof="0" dirty="0">
+                <a:ln>
+                  <a:noFill/>
+                </a:ln>
+                <a:solidFill>
+                  <a:prstClr val="black"/>
+                </a:solidFill>
+                <a:effectLst/>
+                <a:uLnTx/>
+                <a:uFillTx/>
+                <a:latin typeface="Calibri" panose="020F0502020204030204" charset="0"/>
+                <a:ea typeface="等线" panose="02010600030101010101" pitchFamily="2" charset="-122"/>
+                <a:cs typeface="Calibri" panose="020F0502020204030204" charset="0"/>
+                <a:sym typeface="+mn-ea"/>
+              </a:rPr>
+              <a:t>dynamic priority queuing</a:t>
+            </a:r>
+            <a:r>
+              <a:rPr kumimoji="0" lang="en-US" altLang="zh-CN" sz="1100" b="0" i="0" u="none" strike="noStrike" kern="1200" cap="none" spc="0" normalizeH="0" baseline="0" noProof="0" dirty="0">
+                <a:ln>
+                  <a:noFill/>
+                </a:ln>
+                <a:solidFill>
+                  <a:prstClr val="black"/>
+                </a:solidFill>
+                <a:effectLst/>
+                <a:uLnTx/>
+                <a:uFillTx/>
+                <a:latin typeface="Calibri" panose="020F0502020204030204" charset="0"/>
+                <a:ea typeface="等线" panose="02010600030101010101" pitchFamily="2" charset="-122"/>
+                <a:cs typeface="Calibri" panose="020F0502020204030204" charset="0"/>
+                <a:sym typeface="+mn-ea"/>
+              </a:rPr>
+              <a:t>, packet-level caching and scheduling and </a:t>
+            </a:r>
+            <a:r>
+              <a:rPr kumimoji="0" lang="en-US" altLang="zh-CN" sz="1100" b="1" i="0" u="none" strike="noStrike" kern="1200" cap="none" spc="0" normalizeH="0" baseline="0" noProof="0" dirty="0">
+                <a:ln>
+                  <a:noFill/>
+                </a:ln>
+                <a:solidFill>
+                  <a:prstClr val="black"/>
+                </a:solidFill>
+                <a:effectLst/>
+                <a:uLnTx/>
+                <a:uFillTx/>
+                <a:latin typeface="Calibri" panose="020F0502020204030204" charset="0"/>
+                <a:ea typeface="等线" panose="02010600030101010101" pitchFamily="2" charset="-122"/>
+                <a:cs typeface="Calibri" panose="020F0502020204030204" charset="0"/>
+                <a:sym typeface="+mn-ea"/>
+              </a:rPr>
+              <a:t>fully dynamic multi-port, multi-queue shared caching</a:t>
+            </a:r>
+            <a:r>
+              <a:rPr kumimoji="0" lang="en-US" altLang="zh-CN" sz="1100" i="0" u="none" strike="noStrike" kern="1200" cap="none" spc="0" normalizeH="0" baseline="0" noProof="0" dirty="0">
+                <a:ln>
+                  <a:noFill/>
+                </a:ln>
+                <a:solidFill>
+                  <a:prstClr val="black"/>
+                </a:solidFill>
+                <a:effectLst/>
+                <a:uLnTx/>
+                <a:uFillTx/>
+                <a:latin typeface="Calibri" panose="020F0502020204030204" charset="0"/>
+                <a:ea typeface="等线" panose="02010600030101010101" pitchFamily="2" charset="-122"/>
+                <a:cs typeface="Calibri" panose="020F0502020204030204" charset="0"/>
+                <a:sym typeface="+mn-ea"/>
+              </a:rPr>
+              <a:t>.</a:t>
+            </a:r>
+            <a:endParaRPr kumimoji="0" lang="en-US" sz="1100" i="0" u="none" strike="noStrike" kern="1200" cap="none" spc="0" normalizeH="0" baseline="0" noProof="0" dirty="0">
+              <a:ln>
+                <a:noFill/>
+              </a:ln>
+              <a:solidFill>
+                <a:prstClr val="black"/>
+              </a:solidFill>
+              <a:effectLst/>
+              <a:uLnTx/>
+              <a:uFillTx/>
+              <a:latin typeface="Calibri" panose="020F0502020204030204" charset="0"/>
+              <a:ea typeface="+mn-ea"/>
+              <a:cs typeface="Calibri" panose="020F0502020204030204" charset="0"/>
+            </a:endParaRPr>
+          </a:p>
+        </p:txBody>
+      </p:sp>
+      <p:grpSp>
+        <p:nvGrpSpPr>
+          <p:cNvPr id="32" name="组合 31">
+            <a:extLst>
+              <a:ext uri="{FF2B5EF4-FFF2-40B4-BE49-F238E27FC236}">
+                <a16:creationId xmlns:a16="http://schemas.microsoft.com/office/drawing/2014/main" id="{41E573F7-CFBC-FF15-0D21-7A501DFA172C}"/>
+              </a:ext>
+            </a:extLst>
+          </p:cNvPr>
+          <p:cNvGrpSpPr/>
+          <p:nvPr/>
+        </p:nvGrpSpPr>
+        <p:grpSpPr>
+          <a:xfrm>
+            <a:off x="7681473" y="2251278"/>
+            <a:ext cx="411468" cy="3198053"/>
+            <a:chOff x="7553900" y="2191442"/>
+            <a:chExt cx="411468" cy="3198053"/>
+          </a:xfrm>
+        </p:grpSpPr>
+        <p:sp>
+          <p:nvSpPr>
+            <p:cNvPr id="11" name="Title 1">
+              <a:extLst>
+                <a:ext uri="{FF2B5EF4-FFF2-40B4-BE49-F238E27FC236}">
+                  <a16:creationId xmlns:a16="http://schemas.microsoft.com/office/drawing/2014/main" id="{73552934-9A4C-8BA6-C5C1-43290ACC20AF}"/>
+                </a:ext>
+              </a:extLst>
+            </p:cNvPr>
+            <p:cNvSpPr txBox="1"/>
+            <p:nvPr/>
+          </p:nvSpPr>
+          <p:spPr>
+            <a:xfrm>
+              <a:off x="7553900" y="2200504"/>
+              <a:ext cx="411468" cy="3188991"/>
+            </a:xfrm>
+            <a:prstGeom prst="rect">
+              <a:avLst/>
+            </a:prstGeom>
+            <a:solidFill>
+              <a:srgbClr val="2F2F2F"/>
+            </a:solidFill>
+          </p:spPr>
+          <p:txBody>
+            <a:bodyPr vert="wordArtVert" lIns="91440" tIns="45720" rIns="91440" bIns="45720" rtlCol="0" anchor="ctr">
+              <a:normAutofit/>
+            </a:bodyPr>
+            <a:lstStyle>
+              <a:lvl1pPr algn="l" defTabSz="914400" rtl="0" eaLnBrk="1" latinLnBrk="0" hangingPunct="1">
+                <a:lnSpc>
+                  <a:spcPct val="90000"/>
+                </a:lnSpc>
+                <a:spcBef>
+                  <a:spcPct val="0"/>
+                </a:spcBef>
+                <a:buNone/>
+                <a:defRPr sz="4400" kern="1200">
+                  <a:solidFill>
+                    <a:schemeClr val="tx1"/>
+                  </a:solidFill>
+                  <a:latin typeface="+mj-lt"/>
+                  <a:ea typeface="+mj-ea"/>
+                  <a:cs typeface="+mj-cs"/>
+                </a:defRPr>
+              </a:lvl1pPr>
+            </a:lstStyle>
+            <a:p>
+              <a:pPr marL="0" marR="0" lvl="0" indent="0" algn="ctr" defTabSz="914400" rtl="0" eaLnBrk="1" fontAlgn="auto" latinLnBrk="0" hangingPunct="1">
+                <a:lnSpc>
+                  <a:spcPct val="90000"/>
+                </a:lnSpc>
+                <a:spcBef>
+                  <a:spcPct val="0"/>
+                </a:spcBef>
+                <a:spcAft>
+                  <a:spcPts val="0"/>
+                </a:spcAft>
+                <a:buClrTx/>
+                <a:buSzTx/>
+                <a:buFontTx/>
+                <a:buNone/>
+                <a:tabLst/>
+                <a:defRPr/>
+              </a:pPr>
+              <a:endParaRPr kumimoji="0" lang="en-US" sz="700" b="1" i="0" u="none" strike="noStrike" kern="1200" cap="none" spc="0" normalizeH="0" baseline="0" noProof="0" dirty="0">
+                <a:ln>
+                  <a:noFill/>
+                </a:ln>
+                <a:solidFill>
+                  <a:prstClr val="white"/>
+                </a:solidFill>
+                <a:effectLst/>
+                <a:uLnTx/>
+                <a:uFillTx/>
+                <a:latin typeface="Calibri" panose="020F0502020204030204"/>
+                <a:ea typeface="+mj-ea"/>
+                <a:cs typeface="+mj-cs"/>
+              </a:endParaRPr>
+            </a:p>
+          </p:txBody>
+        </p:sp>
+        <p:sp>
+          <p:nvSpPr>
+            <p:cNvPr id="80" name="TextBox 79">
+              <a:extLst>
+                <a:ext uri="{FF2B5EF4-FFF2-40B4-BE49-F238E27FC236}">
+                  <a16:creationId xmlns:a16="http://schemas.microsoft.com/office/drawing/2014/main" id="{BD6851A8-1882-8B31-55E3-68DD3AAE7498}"/>
+                </a:ext>
+              </a:extLst>
+            </p:cNvPr>
+            <p:cNvSpPr txBox="1"/>
+            <p:nvPr/>
+          </p:nvSpPr>
+          <p:spPr>
+            <a:xfrm>
+              <a:off x="7632531" y="4046406"/>
+              <a:ext cx="276665" cy="369332"/>
+            </a:xfrm>
+            <a:prstGeom prst="rect">
+              <a:avLst/>
+            </a:prstGeom>
+            <a:noFill/>
+          </p:spPr>
+          <p:txBody>
+            <a:bodyPr wrap="square" rtlCol="0" anchor="ctr">
+              <a:spAutoFit/>
+            </a:bodyPr>
+            <a:lstStyle/>
+            <a:p>
+              <a:pPr marL="0" marR="0" lvl="0" indent="0" algn="ctr" defTabSz="914400" rtl="0" eaLnBrk="1" fontAlgn="auto" latinLnBrk="0" hangingPunct="1">
+                <a:lnSpc>
+                  <a:spcPct val="100000"/>
+                </a:lnSpc>
+                <a:spcBef>
+                  <a:spcPts val="0"/>
+                </a:spcBef>
+                <a:spcAft>
+                  <a:spcPts val="0"/>
+                </a:spcAft>
+                <a:buClrTx/>
+                <a:buSzTx/>
+                <a:buFontTx/>
+                <a:buNone/>
+                <a:tabLst/>
+                <a:defRPr/>
+              </a:pPr>
+              <a:r>
+                <a:rPr kumimoji="0" lang="en-US" sz="1800" b="0" i="0" u="none" strike="noStrike" kern="1200" cap="none" spc="0" normalizeH="0" baseline="0" noProof="0" dirty="0">
+                  <a:ln>
+                    <a:noFill/>
+                  </a:ln>
+                  <a:solidFill>
+                    <a:prstClr val="white"/>
+                  </a:solidFill>
+                  <a:effectLst/>
+                  <a:uLnTx/>
+                  <a:uFillTx/>
+                  <a:latin typeface="Aharoni" panose="02010803020104030203" pitchFamily="2" charset="-79"/>
+                  <a:ea typeface="+mn-ea"/>
+                  <a:cs typeface="Aharoni" panose="02010803020104030203" pitchFamily="2" charset="-79"/>
+                </a:rPr>
+                <a:t>D</a:t>
+              </a:r>
+            </a:p>
+          </p:txBody>
+        </p:sp>
+        <p:sp>
+          <p:nvSpPr>
+            <p:cNvPr id="81" name="TextBox 80">
+              <a:extLst>
+                <a:ext uri="{FF2B5EF4-FFF2-40B4-BE49-F238E27FC236}">
+                  <a16:creationId xmlns:a16="http://schemas.microsoft.com/office/drawing/2014/main" id="{53DBF633-9E41-C497-787E-07D0E27F8FC6}"/>
+                </a:ext>
+              </a:extLst>
+            </p:cNvPr>
+            <p:cNvSpPr txBox="1"/>
+            <p:nvPr/>
+          </p:nvSpPr>
+          <p:spPr>
+            <a:xfrm>
+              <a:off x="7632531" y="4241230"/>
+              <a:ext cx="276665" cy="369332"/>
+            </a:xfrm>
+            <a:prstGeom prst="rect">
+              <a:avLst/>
+            </a:prstGeom>
+            <a:noFill/>
+          </p:spPr>
+          <p:txBody>
+            <a:bodyPr wrap="square" rtlCol="0" anchor="ctr">
+              <a:spAutoFit/>
+            </a:bodyPr>
+            <a:lstStyle/>
+            <a:p>
+              <a:pPr marL="0" marR="0" lvl="0" indent="0" algn="ctr" defTabSz="914400" rtl="0" eaLnBrk="1" fontAlgn="auto" latinLnBrk="0" hangingPunct="1">
+                <a:lnSpc>
+                  <a:spcPct val="100000"/>
+                </a:lnSpc>
+                <a:spcBef>
+                  <a:spcPts val="0"/>
+                </a:spcBef>
+                <a:spcAft>
+                  <a:spcPts val="0"/>
+                </a:spcAft>
+                <a:buClrTx/>
+                <a:buSzTx/>
+                <a:buFontTx/>
+                <a:buNone/>
+                <a:tabLst/>
+                <a:defRPr/>
+              </a:pPr>
+              <a:r>
+                <a:rPr kumimoji="0" lang="en-US" sz="1800" b="0" i="0" u="none" strike="noStrike" kern="1200" cap="none" spc="0" normalizeH="0" baseline="0" noProof="0" dirty="0">
+                  <a:ln>
+                    <a:noFill/>
+                  </a:ln>
+                  <a:solidFill>
+                    <a:prstClr val="white"/>
+                  </a:solidFill>
+                  <a:effectLst/>
+                  <a:uLnTx/>
+                  <a:uFillTx/>
+                  <a:latin typeface="Aharoni" panose="02010803020104030203" pitchFamily="2" charset="-79"/>
+                  <a:ea typeface="+mn-ea"/>
+                  <a:cs typeface="Aharoni" panose="02010803020104030203" pitchFamily="2" charset="-79"/>
+                </a:rPr>
+                <a:t>E</a:t>
+              </a:r>
+            </a:p>
+          </p:txBody>
+        </p:sp>
+        <p:sp>
+          <p:nvSpPr>
+            <p:cNvPr id="82" name="TextBox 81">
+              <a:extLst>
+                <a:ext uri="{FF2B5EF4-FFF2-40B4-BE49-F238E27FC236}">
+                  <a16:creationId xmlns:a16="http://schemas.microsoft.com/office/drawing/2014/main" id="{2B20DBA9-A57B-59DA-C4C3-5C173FBFCD35}"/>
+                </a:ext>
+              </a:extLst>
+            </p:cNvPr>
+            <p:cNvSpPr txBox="1"/>
+            <p:nvPr/>
+          </p:nvSpPr>
+          <p:spPr>
+            <a:xfrm>
+              <a:off x="7632531" y="4443469"/>
+              <a:ext cx="276665" cy="369332"/>
+            </a:xfrm>
+            <a:prstGeom prst="rect">
+              <a:avLst/>
+            </a:prstGeom>
+            <a:noFill/>
+          </p:spPr>
+          <p:txBody>
+            <a:bodyPr wrap="square" rtlCol="0" anchor="ctr">
+              <a:spAutoFit/>
+            </a:bodyPr>
+            <a:lstStyle/>
+            <a:p>
+              <a:pPr marL="0" marR="0" lvl="0" indent="0" algn="ctr" defTabSz="914400" rtl="0" eaLnBrk="1" fontAlgn="auto" latinLnBrk="0" hangingPunct="1">
+                <a:lnSpc>
+                  <a:spcPct val="100000"/>
+                </a:lnSpc>
+                <a:spcBef>
+                  <a:spcPts val="0"/>
+                </a:spcBef>
+                <a:spcAft>
+                  <a:spcPts val="0"/>
+                </a:spcAft>
+                <a:buClrTx/>
+                <a:buSzTx/>
+                <a:buFontTx/>
+                <a:buNone/>
+                <a:tabLst/>
+                <a:defRPr/>
+              </a:pPr>
+              <a:r>
+                <a:rPr kumimoji="0" lang="en-US" sz="1800" b="0" i="0" u="none" strike="noStrike" kern="1200" cap="none" spc="0" normalizeH="0" baseline="0" noProof="0" dirty="0">
+                  <a:ln>
+                    <a:noFill/>
+                  </a:ln>
+                  <a:solidFill>
+                    <a:prstClr val="white"/>
+                  </a:solidFill>
+                  <a:effectLst/>
+                  <a:uLnTx/>
+                  <a:uFillTx/>
+                  <a:latin typeface="Aharoni" panose="02010803020104030203" pitchFamily="2" charset="-79"/>
+                  <a:ea typeface="+mn-ea"/>
+                  <a:cs typeface="Aharoni" panose="02010803020104030203" pitchFamily="2" charset="-79"/>
+                </a:rPr>
+                <a:t>S</a:t>
+              </a:r>
+            </a:p>
+          </p:txBody>
+        </p:sp>
+        <p:sp>
+          <p:nvSpPr>
+            <p:cNvPr id="83" name="TextBox 82">
+              <a:extLst>
+                <a:ext uri="{FF2B5EF4-FFF2-40B4-BE49-F238E27FC236}">
+                  <a16:creationId xmlns:a16="http://schemas.microsoft.com/office/drawing/2014/main" id="{D0220FCC-FBEE-2116-0636-9F21CB1F3DF4}"/>
+                </a:ext>
+              </a:extLst>
+            </p:cNvPr>
+            <p:cNvSpPr txBox="1"/>
+            <p:nvPr/>
+          </p:nvSpPr>
+          <p:spPr>
+            <a:xfrm>
+              <a:off x="7632531" y="4638288"/>
+              <a:ext cx="276665" cy="369332"/>
+            </a:xfrm>
+            <a:prstGeom prst="rect">
+              <a:avLst/>
+            </a:prstGeom>
+            <a:noFill/>
+          </p:spPr>
+          <p:txBody>
+            <a:bodyPr wrap="square" rtlCol="0" anchor="ctr">
+              <a:spAutoFit/>
+            </a:bodyPr>
+            <a:lstStyle/>
+            <a:p>
+              <a:pPr marL="0" marR="0" lvl="0" indent="0" algn="ctr" defTabSz="914400" rtl="0" eaLnBrk="1" fontAlgn="auto" latinLnBrk="0" hangingPunct="1">
+                <a:lnSpc>
+                  <a:spcPct val="100000"/>
+                </a:lnSpc>
+                <a:spcBef>
+                  <a:spcPts val="0"/>
+                </a:spcBef>
+                <a:spcAft>
+                  <a:spcPts val="0"/>
+                </a:spcAft>
+                <a:buClrTx/>
+                <a:buSzTx/>
+                <a:buFontTx/>
+                <a:buNone/>
+                <a:tabLst/>
+                <a:defRPr/>
+              </a:pPr>
+              <a:r>
+                <a:rPr kumimoji="0" lang="en-US" sz="1800" b="0" i="0" u="none" strike="noStrike" kern="1200" cap="none" spc="0" normalizeH="0" baseline="0" noProof="0" dirty="0">
+                  <a:ln>
+                    <a:noFill/>
+                  </a:ln>
+                  <a:solidFill>
+                    <a:prstClr val="white"/>
+                  </a:solidFill>
+                  <a:effectLst/>
+                  <a:uLnTx/>
+                  <a:uFillTx/>
+                  <a:latin typeface="Aharoni" panose="02010803020104030203" pitchFamily="2" charset="-79"/>
+                  <a:ea typeface="+mn-ea"/>
+                  <a:cs typeface="Aharoni" panose="02010803020104030203" pitchFamily="2" charset="-79"/>
+                </a:rPr>
+                <a:t>I</a:t>
+              </a:r>
+            </a:p>
+          </p:txBody>
+        </p:sp>
+        <p:sp>
+          <p:nvSpPr>
+            <p:cNvPr id="84" name="TextBox 83">
+              <a:extLst>
+                <a:ext uri="{FF2B5EF4-FFF2-40B4-BE49-F238E27FC236}">
+                  <a16:creationId xmlns:a16="http://schemas.microsoft.com/office/drawing/2014/main" id="{2D669323-0A80-BEB5-82FC-30426BAD64A4}"/>
+                </a:ext>
+              </a:extLst>
+            </p:cNvPr>
+            <p:cNvSpPr txBox="1"/>
+            <p:nvPr/>
+          </p:nvSpPr>
+          <p:spPr>
+            <a:xfrm>
+              <a:off x="7632531" y="4824327"/>
+              <a:ext cx="276665" cy="369332"/>
+            </a:xfrm>
+            <a:prstGeom prst="rect">
+              <a:avLst/>
+            </a:prstGeom>
+            <a:noFill/>
+          </p:spPr>
+          <p:txBody>
+            <a:bodyPr wrap="square" rtlCol="0" anchor="ctr">
+              <a:spAutoFit/>
+            </a:bodyPr>
+            <a:lstStyle/>
+            <a:p>
+              <a:pPr marL="0" marR="0" lvl="0" indent="0" algn="ctr" defTabSz="914400" rtl="0" eaLnBrk="1" fontAlgn="auto" latinLnBrk="0" hangingPunct="1">
+                <a:lnSpc>
+                  <a:spcPct val="100000"/>
+                </a:lnSpc>
+                <a:spcBef>
+                  <a:spcPts val="0"/>
+                </a:spcBef>
+                <a:spcAft>
+                  <a:spcPts val="0"/>
+                </a:spcAft>
+                <a:buClrTx/>
+                <a:buSzTx/>
+                <a:buFontTx/>
+                <a:buNone/>
+                <a:tabLst/>
+                <a:defRPr/>
+              </a:pPr>
+              <a:r>
+                <a:rPr kumimoji="0" lang="en-US" sz="1800" b="0" i="0" u="none" strike="noStrike" kern="1200" cap="none" spc="0" normalizeH="0" baseline="0" noProof="0" dirty="0">
+                  <a:ln>
+                    <a:noFill/>
+                  </a:ln>
+                  <a:solidFill>
+                    <a:prstClr val="white"/>
+                  </a:solidFill>
+                  <a:effectLst/>
+                  <a:uLnTx/>
+                  <a:uFillTx/>
+                  <a:latin typeface="Aharoni" panose="02010803020104030203" pitchFamily="2" charset="-79"/>
+                  <a:ea typeface="+mn-ea"/>
+                  <a:cs typeface="Aharoni" panose="02010803020104030203" pitchFamily="2" charset="-79"/>
+                </a:rPr>
+                <a:t>N</a:t>
+              </a:r>
+            </a:p>
+          </p:txBody>
+        </p:sp>
+        <p:sp>
+          <p:nvSpPr>
+            <p:cNvPr id="85" name="TextBox 84">
+              <a:extLst>
+                <a:ext uri="{FF2B5EF4-FFF2-40B4-BE49-F238E27FC236}">
+                  <a16:creationId xmlns:a16="http://schemas.microsoft.com/office/drawing/2014/main" id="{6193DCBE-5543-4968-3D35-F229847271FC}"/>
+                </a:ext>
+              </a:extLst>
+            </p:cNvPr>
+            <p:cNvSpPr txBox="1"/>
+            <p:nvPr/>
+          </p:nvSpPr>
+          <p:spPr>
+            <a:xfrm>
+              <a:off x="7632531" y="5020163"/>
+              <a:ext cx="276665" cy="369332"/>
+            </a:xfrm>
+            <a:prstGeom prst="rect">
+              <a:avLst/>
+            </a:prstGeom>
+            <a:noFill/>
+          </p:spPr>
+          <p:txBody>
+            <a:bodyPr wrap="square" rtlCol="0" anchor="ctr">
+              <a:spAutoFit/>
+            </a:bodyPr>
+            <a:lstStyle/>
+            <a:p>
+              <a:pPr marL="0" marR="0" lvl="0" indent="0" algn="ctr" defTabSz="914400" rtl="0" eaLnBrk="1" fontAlgn="auto" latinLnBrk="0" hangingPunct="1">
+                <a:lnSpc>
+                  <a:spcPct val="100000"/>
+                </a:lnSpc>
+                <a:spcBef>
+                  <a:spcPts val="0"/>
+                </a:spcBef>
+                <a:spcAft>
+                  <a:spcPts val="0"/>
+                </a:spcAft>
+                <a:buClrTx/>
+                <a:buSzTx/>
+                <a:buFontTx/>
+                <a:buNone/>
+                <a:tabLst/>
+                <a:defRPr/>
+              </a:pPr>
+              <a:r>
+                <a:rPr kumimoji="0" lang="en-US" sz="1800" b="0" i="0" u="none" strike="noStrike" kern="1200" cap="none" spc="0" normalizeH="0" baseline="0" noProof="0" dirty="0">
+                  <a:ln>
+                    <a:noFill/>
+                  </a:ln>
+                  <a:solidFill>
+                    <a:prstClr val="white"/>
+                  </a:solidFill>
+                  <a:effectLst/>
+                  <a:uLnTx/>
+                  <a:uFillTx/>
+                  <a:latin typeface="Aharoni" panose="02010803020104030203" pitchFamily="2" charset="-79"/>
+                  <a:ea typeface="+mn-ea"/>
+                  <a:cs typeface="Aharoni" panose="02010803020104030203" pitchFamily="2" charset="-79"/>
+                </a:rPr>
+                <a:t>G</a:t>
+              </a:r>
+            </a:p>
+          </p:txBody>
+        </p:sp>
+        <p:sp>
+          <p:nvSpPr>
+            <p:cNvPr id="87" name="TextBox 86">
+              <a:extLst>
+                <a:ext uri="{FF2B5EF4-FFF2-40B4-BE49-F238E27FC236}">
+                  <a16:creationId xmlns:a16="http://schemas.microsoft.com/office/drawing/2014/main" id="{00AA5CC8-8B46-2F2F-C36C-6DDACD8A8770}"/>
+                </a:ext>
+              </a:extLst>
+            </p:cNvPr>
+            <p:cNvSpPr txBox="1"/>
+            <p:nvPr/>
+          </p:nvSpPr>
+          <p:spPr>
+            <a:xfrm>
+              <a:off x="7617663" y="2191442"/>
+              <a:ext cx="276665" cy="369332"/>
+            </a:xfrm>
+            <a:prstGeom prst="rect">
+              <a:avLst/>
+            </a:prstGeom>
+            <a:noFill/>
+          </p:spPr>
+          <p:txBody>
+            <a:bodyPr wrap="square" rtlCol="0" anchor="ctr">
+              <a:spAutoFit/>
+            </a:bodyPr>
+            <a:lstStyle/>
+            <a:p>
+              <a:pPr marL="0" marR="0" lvl="0" indent="0" algn="ctr" defTabSz="914400" rtl="0" eaLnBrk="1" fontAlgn="auto" latinLnBrk="0" hangingPunct="1">
+                <a:lnSpc>
+                  <a:spcPct val="100000"/>
+                </a:lnSpc>
+                <a:spcBef>
+                  <a:spcPts val="0"/>
+                </a:spcBef>
+                <a:spcAft>
+                  <a:spcPts val="0"/>
+                </a:spcAft>
+                <a:buClrTx/>
+                <a:buSzTx/>
+                <a:buFontTx/>
+                <a:buNone/>
+                <a:tabLst/>
+                <a:defRPr/>
+              </a:pPr>
+              <a:r>
+                <a:rPr kumimoji="0" lang="en-US" sz="1800" b="0" i="0" u="none" strike="noStrike" kern="1200" cap="none" spc="0" normalizeH="0" baseline="0" noProof="0" dirty="0">
+                  <a:ln>
+                    <a:noFill/>
+                  </a:ln>
+                  <a:solidFill>
+                    <a:prstClr val="white"/>
+                  </a:solidFill>
+                  <a:effectLst/>
+                  <a:uLnTx/>
+                  <a:uFillTx/>
+                  <a:latin typeface="Aharoni" panose="02010803020104030203" pitchFamily="2" charset="-79"/>
+                  <a:ea typeface="+mn-ea"/>
+                  <a:cs typeface="Aharoni" panose="02010803020104030203" pitchFamily="2" charset="-79"/>
+                </a:rPr>
+                <a:t>C</a:t>
+              </a:r>
+            </a:p>
+          </p:txBody>
+        </p:sp>
+        <p:sp>
+          <p:nvSpPr>
+            <p:cNvPr id="88" name="TextBox 87">
+              <a:extLst>
+                <a:ext uri="{FF2B5EF4-FFF2-40B4-BE49-F238E27FC236}">
+                  <a16:creationId xmlns:a16="http://schemas.microsoft.com/office/drawing/2014/main" id="{6901F6F8-A5E2-D0AF-B01D-645B9B432140}"/>
+                </a:ext>
+              </a:extLst>
+            </p:cNvPr>
+            <p:cNvSpPr txBox="1"/>
+            <p:nvPr/>
+          </p:nvSpPr>
+          <p:spPr>
+            <a:xfrm>
+              <a:off x="7632531" y="2386266"/>
+              <a:ext cx="276665" cy="369332"/>
+            </a:xfrm>
+            <a:prstGeom prst="rect">
+              <a:avLst/>
+            </a:prstGeom>
+            <a:noFill/>
+          </p:spPr>
+          <p:txBody>
+            <a:bodyPr wrap="square" rtlCol="0" anchor="ctr">
+              <a:spAutoFit/>
+            </a:bodyPr>
+            <a:lstStyle/>
+            <a:p>
+              <a:pPr marL="0" marR="0" lvl="0" indent="0" algn="ctr" defTabSz="914400" rtl="0" eaLnBrk="1" fontAlgn="auto" latinLnBrk="0" hangingPunct="1">
+                <a:lnSpc>
+                  <a:spcPct val="100000"/>
+                </a:lnSpc>
+                <a:spcBef>
+                  <a:spcPts val="0"/>
+                </a:spcBef>
+                <a:spcAft>
+                  <a:spcPts val="0"/>
+                </a:spcAft>
+                <a:buClrTx/>
+                <a:buSzTx/>
+                <a:buFontTx/>
+                <a:buNone/>
+                <a:tabLst/>
+                <a:defRPr/>
+              </a:pPr>
+              <a:r>
+                <a:rPr kumimoji="0" lang="en-US" sz="1800" b="0" i="0" u="none" strike="noStrike" kern="1200" cap="none" spc="0" normalizeH="0" baseline="0" noProof="0" dirty="0">
+                  <a:ln>
+                    <a:noFill/>
+                  </a:ln>
+                  <a:solidFill>
+                    <a:prstClr val="white"/>
+                  </a:solidFill>
+                  <a:effectLst/>
+                  <a:uLnTx/>
+                  <a:uFillTx/>
+                  <a:latin typeface="Aharoni" panose="02010803020104030203" pitchFamily="2" charset="-79"/>
+                  <a:ea typeface="+mn-ea"/>
+                  <a:cs typeface="Aharoni" panose="02010803020104030203" pitchFamily="2" charset="-79"/>
+                </a:rPr>
+                <a:t>R</a:t>
+              </a:r>
+            </a:p>
+          </p:txBody>
+        </p:sp>
+        <p:sp>
+          <p:nvSpPr>
+            <p:cNvPr id="89" name="TextBox 88">
+              <a:extLst>
+                <a:ext uri="{FF2B5EF4-FFF2-40B4-BE49-F238E27FC236}">
+                  <a16:creationId xmlns:a16="http://schemas.microsoft.com/office/drawing/2014/main" id="{F3047A7F-20B6-0252-CF22-3A2DBBE79898}"/>
+                </a:ext>
+              </a:extLst>
+            </p:cNvPr>
+            <p:cNvSpPr txBox="1"/>
+            <p:nvPr/>
+          </p:nvSpPr>
+          <p:spPr>
+            <a:xfrm>
+              <a:off x="7632531" y="2588505"/>
+              <a:ext cx="276665" cy="369332"/>
+            </a:xfrm>
+            <a:prstGeom prst="rect">
+              <a:avLst/>
+            </a:prstGeom>
+            <a:noFill/>
+          </p:spPr>
+          <p:txBody>
+            <a:bodyPr wrap="square" rtlCol="0" anchor="ctr">
+              <a:spAutoFit/>
+            </a:bodyPr>
+            <a:lstStyle/>
+            <a:p>
+              <a:pPr marL="0" marR="0" lvl="0" indent="0" algn="ctr" defTabSz="914400" rtl="0" eaLnBrk="1" fontAlgn="auto" latinLnBrk="0" hangingPunct="1">
+                <a:lnSpc>
+                  <a:spcPct val="100000"/>
+                </a:lnSpc>
+                <a:spcBef>
+                  <a:spcPts val="0"/>
+                </a:spcBef>
+                <a:spcAft>
+                  <a:spcPts val="0"/>
+                </a:spcAft>
+                <a:buClrTx/>
+                <a:buSzTx/>
+                <a:buFontTx/>
+                <a:buNone/>
+                <a:tabLst/>
+                <a:defRPr/>
+              </a:pPr>
+              <a:r>
+                <a:rPr kumimoji="0" lang="en-US" sz="1800" b="0" i="0" u="none" strike="noStrike" kern="1200" cap="none" spc="0" normalizeH="0" baseline="0" noProof="0" dirty="0">
+                  <a:ln>
+                    <a:noFill/>
+                  </a:ln>
+                  <a:solidFill>
+                    <a:prstClr val="white"/>
+                  </a:solidFill>
+                  <a:effectLst/>
+                  <a:uLnTx/>
+                  <a:uFillTx/>
+                  <a:latin typeface="Aharoni" panose="02010803020104030203" pitchFamily="2" charset="-79"/>
+                  <a:ea typeface="+mn-ea"/>
+                  <a:cs typeface="Aharoni" panose="02010803020104030203" pitchFamily="2" charset="-79"/>
+                </a:rPr>
+                <a:t>E</a:t>
+              </a:r>
+            </a:p>
+          </p:txBody>
+        </p:sp>
+        <p:sp>
+          <p:nvSpPr>
+            <p:cNvPr id="90" name="TextBox 89">
+              <a:extLst>
+                <a:ext uri="{FF2B5EF4-FFF2-40B4-BE49-F238E27FC236}">
+                  <a16:creationId xmlns:a16="http://schemas.microsoft.com/office/drawing/2014/main" id="{34D23F74-8EC6-7EFC-7285-5C365A9F163C}"/>
+                </a:ext>
+              </a:extLst>
+            </p:cNvPr>
+            <p:cNvSpPr txBox="1"/>
+            <p:nvPr/>
+          </p:nvSpPr>
+          <p:spPr>
+            <a:xfrm>
+              <a:off x="7632531" y="2783324"/>
+              <a:ext cx="276665" cy="369332"/>
+            </a:xfrm>
+            <a:prstGeom prst="rect">
+              <a:avLst/>
+            </a:prstGeom>
+            <a:noFill/>
+          </p:spPr>
+          <p:txBody>
+            <a:bodyPr wrap="square" rtlCol="0" anchor="ctr">
+              <a:spAutoFit/>
+            </a:bodyPr>
+            <a:lstStyle/>
+            <a:p>
+              <a:pPr marL="0" marR="0" lvl="0" indent="0" algn="ctr" defTabSz="914400" rtl="0" eaLnBrk="1" fontAlgn="auto" latinLnBrk="0" hangingPunct="1">
+                <a:lnSpc>
+                  <a:spcPct val="100000"/>
+                </a:lnSpc>
+                <a:spcBef>
+                  <a:spcPts val="0"/>
+                </a:spcBef>
+                <a:spcAft>
+                  <a:spcPts val="0"/>
+                </a:spcAft>
+                <a:buClrTx/>
+                <a:buSzTx/>
+                <a:buFontTx/>
+                <a:buNone/>
+                <a:tabLst/>
+                <a:defRPr/>
+              </a:pPr>
+              <a:r>
+                <a:rPr kumimoji="0" lang="en-US" sz="1800" b="0" i="0" u="none" strike="noStrike" kern="1200" cap="none" spc="0" normalizeH="0" baseline="0" noProof="0" dirty="0">
+                  <a:ln>
+                    <a:noFill/>
+                  </a:ln>
+                  <a:solidFill>
+                    <a:prstClr val="white"/>
+                  </a:solidFill>
+                  <a:effectLst/>
+                  <a:uLnTx/>
+                  <a:uFillTx/>
+                  <a:latin typeface="Aharoni" panose="02010803020104030203" pitchFamily="2" charset="-79"/>
+                  <a:ea typeface="+mn-ea"/>
+                  <a:cs typeface="Aharoni" panose="02010803020104030203" pitchFamily="2" charset="-79"/>
+                </a:rPr>
+                <a:t>A</a:t>
+              </a:r>
+            </a:p>
+          </p:txBody>
+        </p:sp>
+        <p:sp>
+          <p:nvSpPr>
+            <p:cNvPr id="91" name="TextBox 90">
+              <a:extLst>
+                <a:ext uri="{FF2B5EF4-FFF2-40B4-BE49-F238E27FC236}">
+                  <a16:creationId xmlns:a16="http://schemas.microsoft.com/office/drawing/2014/main" id="{59A4DE8E-F703-D6CB-9A6D-FA17B034F93E}"/>
+                </a:ext>
+              </a:extLst>
+            </p:cNvPr>
+            <p:cNvSpPr txBox="1"/>
+            <p:nvPr/>
+          </p:nvSpPr>
+          <p:spPr>
+            <a:xfrm>
+              <a:off x="7632531" y="2969363"/>
+              <a:ext cx="276665" cy="369332"/>
+            </a:xfrm>
+            <a:prstGeom prst="rect">
+              <a:avLst/>
+            </a:prstGeom>
+            <a:noFill/>
+          </p:spPr>
+          <p:txBody>
+            <a:bodyPr wrap="square" rtlCol="0" anchor="ctr">
+              <a:spAutoFit/>
+            </a:bodyPr>
+            <a:lstStyle/>
+            <a:p>
+              <a:pPr marL="0" marR="0" lvl="0" indent="0" algn="ctr" defTabSz="914400" rtl="0" eaLnBrk="1" fontAlgn="auto" latinLnBrk="0" hangingPunct="1">
+                <a:lnSpc>
+                  <a:spcPct val="100000"/>
+                </a:lnSpc>
+                <a:spcBef>
+                  <a:spcPts val="0"/>
+                </a:spcBef>
+                <a:spcAft>
+                  <a:spcPts val="0"/>
+                </a:spcAft>
+                <a:buClrTx/>
+                <a:buSzTx/>
+                <a:buFontTx/>
+                <a:buNone/>
+                <a:tabLst/>
+                <a:defRPr/>
+              </a:pPr>
+              <a:r>
+                <a:rPr kumimoji="0" lang="en-US" sz="1800" b="0" i="0" u="none" strike="noStrike" kern="1200" cap="none" spc="0" normalizeH="0" baseline="0" noProof="0" dirty="0">
+                  <a:ln>
+                    <a:noFill/>
+                  </a:ln>
+                  <a:solidFill>
+                    <a:prstClr val="white"/>
+                  </a:solidFill>
+                  <a:effectLst/>
+                  <a:uLnTx/>
+                  <a:uFillTx/>
+                  <a:latin typeface="Aharoni" panose="02010803020104030203" pitchFamily="2" charset="-79"/>
+                  <a:ea typeface="+mn-ea"/>
+                  <a:cs typeface="Aharoni" panose="02010803020104030203" pitchFamily="2" charset="-79"/>
+                </a:rPr>
+                <a:t>T</a:t>
+              </a:r>
+            </a:p>
+          </p:txBody>
+        </p:sp>
+        <p:sp>
+          <p:nvSpPr>
+            <p:cNvPr id="92" name="TextBox 91">
+              <a:extLst>
+                <a:ext uri="{FF2B5EF4-FFF2-40B4-BE49-F238E27FC236}">
+                  <a16:creationId xmlns:a16="http://schemas.microsoft.com/office/drawing/2014/main" id="{BCA41FCF-BF67-955B-2DEA-6B19D4768251}"/>
+                </a:ext>
+              </a:extLst>
+            </p:cNvPr>
+            <p:cNvSpPr txBox="1"/>
+            <p:nvPr/>
+          </p:nvSpPr>
+          <p:spPr>
+            <a:xfrm>
+              <a:off x="7632531" y="3165199"/>
+              <a:ext cx="276665" cy="369332"/>
+            </a:xfrm>
+            <a:prstGeom prst="rect">
+              <a:avLst/>
+            </a:prstGeom>
+            <a:noFill/>
+          </p:spPr>
+          <p:txBody>
+            <a:bodyPr wrap="square" rtlCol="0" anchor="ctr">
+              <a:spAutoFit/>
+            </a:bodyPr>
+            <a:lstStyle/>
+            <a:p>
+              <a:pPr marL="0" marR="0" lvl="0" indent="0" algn="ctr" defTabSz="914400" rtl="0" eaLnBrk="1" fontAlgn="auto" latinLnBrk="0" hangingPunct="1">
+                <a:lnSpc>
+                  <a:spcPct val="100000"/>
+                </a:lnSpc>
+                <a:spcBef>
+                  <a:spcPts val="0"/>
+                </a:spcBef>
+                <a:spcAft>
+                  <a:spcPts val="0"/>
+                </a:spcAft>
+                <a:buClrTx/>
+                <a:buSzTx/>
+                <a:buFontTx/>
+                <a:buNone/>
+                <a:tabLst/>
+                <a:defRPr/>
+              </a:pPr>
+              <a:r>
+                <a:rPr kumimoji="0" lang="en-US" sz="1800" b="0" i="0" u="none" strike="noStrike" kern="1200" cap="none" spc="0" normalizeH="0" baseline="0" noProof="0" dirty="0">
+                  <a:ln>
+                    <a:noFill/>
+                  </a:ln>
+                  <a:solidFill>
+                    <a:prstClr val="white"/>
+                  </a:solidFill>
+                  <a:effectLst/>
+                  <a:uLnTx/>
+                  <a:uFillTx/>
+                  <a:latin typeface="Aharoni" panose="02010803020104030203" pitchFamily="2" charset="-79"/>
+                  <a:ea typeface="+mn-ea"/>
+                  <a:cs typeface="Aharoni" panose="02010803020104030203" pitchFamily="2" charset="-79"/>
+                </a:rPr>
+                <a:t>I</a:t>
+              </a:r>
+            </a:p>
+          </p:txBody>
+        </p:sp>
+        <p:sp>
+          <p:nvSpPr>
+            <p:cNvPr id="93" name="TextBox 92">
+              <a:extLst>
+                <a:ext uri="{FF2B5EF4-FFF2-40B4-BE49-F238E27FC236}">
+                  <a16:creationId xmlns:a16="http://schemas.microsoft.com/office/drawing/2014/main" id="{F3211B9E-4322-486D-039E-F39D412393F4}"/>
+                </a:ext>
+              </a:extLst>
+            </p:cNvPr>
+            <p:cNvSpPr txBox="1"/>
+            <p:nvPr/>
+          </p:nvSpPr>
+          <p:spPr>
+            <a:xfrm>
+              <a:off x="7632531" y="3349683"/>
+              <a:ext cx="276665" cy="369332"/>
+            </a:xfrm>
+            <a:prstGeom prst="rect">
+              <a:avLst/>
+            </a:prstGeom>
+            <a:noFill/>
+          </p:spPr>
+          <p:txBody>
+            <a:bodyPr wrap="square" rtlCol="0" anchor="ctr">
+              <a:spAutoFit/>
+            </a:bodyPr>
+            <a:lstStyle/>
+            <a:p>
+              <a:pPr marL="0" marR="0" lvl="0" indent="0" algn="ctr" defTabSz="914400" rtl="0" eaLnBrk="1" fontAlgn="auto" latinLnBrk="0" hangingPunct="1">
+                <a:lnSpc>
+                  <a:spcPct val="100000"/>
+                </a:lnSpc>
+                <a:spcBef>
+                  <a:spcPts val="0"/>
+                </a:spcBef>
+                <a:spcAft>
+                  <a:spcPts val="0"/>
+                </a:spcAft>
+                <a:buClrTx/>
+                <a:buSzTx/>
+                <a:buFontTx/>
+                <a:buNone/>
+                <a:tabLst/>
+                <a:defRPr/>
+              </a:pPr>
+              <a:r>
+                <a:rPr kumimoji="0" lang="en-US" sz="1800" b="0" i="0" u="none" strike="noStrike" kern="1200" cap="none" spc="0" normalizeH="0" baseline="0" noProof="0" dirty="0">
+                  <a:ln>
+                    <a:noFill/>
+                  </a:ln>
+                  <a:solidFill>
+                    <a:prstClr val="white"/>
+                  </a:solidFill>
+                  <a:effectLst/>
+                  <a:uLnTx/>
+                  <a:uFillTx/>
+                  <a:latin typeface="Aharoni" panose="02010803020104030203" pitchFamily="2" charset="-79"/>
+                  <a:ea typeface="+mn-ea"/>
+                  <a:cs typeface="Aharoni" panose="02010803020104030203" pitchFamily="2" charset="-79"/>
+                </a:rPr>
+                <a:t>V</a:t>
+              </a:r>
+            </a:p>
+          </p:txBody>
+        </p:sp>
+        <p:sp>
+          <p:nvSpPr>
+            <p:cNvPr id="94" name="TextBox 93">
+              <a:extLst>
+                <a:ext uri="{FF2B5EF4-FFF2-40B4-BE49-F238E27FC236}">
+                  <a16:creationId xmlns:a16="http://schemas.microsoft.com/office/drawing/2014/main" id="{1F48774A-4669-7583-3158-ED097DBB784F}"/>
+                </a:ext>
+              </a:extLst>
+            </p:cNvPr>
+            <p:cNvSpPr txBox="1"/>
+            <p:nvPr/>
+          </p:nvSpPr>
+          <p:spPr>
+            <a:xfrm>
+              <a:off x="7632531" y="3550580"/>
+              <a:ext cx="276665" cy="369332"/>
+            </a:xfrm>
+            <a:prstGeom prst="rect">
+              <a:avLst/>
+            </a:prstGeom>
+            <a:noFill/>
+          </p:spPr>
+          <p:txBody>
+            <a:bodyPr wrap="square" rtlCol="0" anchor="ctr">
+              <a:spAutoFit/>
+            </a:bodyPr>
+            <a:lstStyle/>
+            <a:p>
+              <a:pPr marL="0" marR="0" lvl="0" indent="0" algn="ctr" defTabSz="914400" rtl="0" eaLnBrk="1" fontAlgn="auto" latinLnBrk="0" hangingPunct="1">
+                <a:lnSpc>
+                  <a:spcPct val="100000"/>
+                </a:lnSpc>
+                <a:spcBef>
+                  <a:spcPts val="0"/>
+                </a:spcBef>
+                <a:spcAft>
+                  <a:spcPts val="0"/>
+                </a:spcAft>
+                <a:buClrTx/>
+                <a:buSzTx/>
+                <a:buFontTx/>
+                <a:buNone/>
+                <a:tabLst/>
+                <a:defRPr/>
+              </a:pPr>
+              <a:r>
+                <a:rPr kumimoji="0" lang="en-US" sz="1800" b="0" i="0" u="none" strike="noStrike" kern="1200" cap="none" spc="0" normalizeH="0" baseline="0" noProof="0" dirty="0">
+                  <a:ln>
+                    <a:noFill/>
+                  </a:ln>
+                  <a:solidFill>
+                    <a:prstClr val="white"/>
+                  </a:solidFill>
+                  <a:effectLst/>
+                  <a:uLnTx/>
+                  <a:uFillTx/>
+                  <a:latin typeface="Aharoni" panose="02010803020104030203" pitchFamily="2" charset="-79"/>
+                  <a:ea typeface="+mn-ea"/>
+                  <a:cs typeface="Aharoni" panose="02010803020104030203" pitchFamily="2" charset="-79"/>
+                </a:rPr>
+                <a:t>E</a:t>
+              </a:r>
+            </a:p>
+          </p:txBody>
+        </p:sp>
+      </p:grpSp>
+      <p:sp>
+        <p:nvSpPr>
+          <p:cNvPr id="95" name="TextBox 94">
+            <a:extLst>
+              <a:ext uri="{FF2B5EF4-FFF2-40B4-BE49-F238E27FC236}">
+                <a16:creationId xmlns:a16="http://schemas.microsoft.com/office/drawing/2014/main" id="{726AD72A-8985-A02E-63FC-A79EB4FCC30E}"/>
+              </a:ext>
+            </a:extLst>
+          </p:cNvPr>
+          <p:cNvSpPr txBox="1"/>
+          <p:nvPr/>
+        </p:nvSpPr>
+        <p:spPr>
+          <a:xfrm>
+            <a:off x="6344233" y="83501"/>
+            <a:ext cx="2423195" cy="275590"/>
+          </a:xfrm>
+          <a:prstGeom prst="rect">
+            <a:avLst/>
+          </a:prstGeom>
+          <a:noFill/>
+        </p:spPr>
+        <p:txBody>
+          <a:bodyPr wrap="square">
+            <a:spAutoFit/>
+          </a:bodyPr>
+          <a:lstStyle/>
+          <a:p>
+            <a:pPr marL="0" marR="0" lvl="0" indent="0" algn="l" defTabSz="914400" rtl="0" eaLnBrk="1" fontAlgn="auto" latinLnBrk="0" hangingPunct="1">
+              <a:lnSpc>
+                <a:spcPct val="100000"/>
+              </a:lnSpc>
+              <a:spcBef>
+                <a:spcPts val="0"/>
+              </a:spcBef>
+              <a:spcAft>
+                <a:spcPts val="0"/>
+              </a:spcAft>
+              <a:buClrTx/>
+              <a:buSzTx/>
+              <a:buFontTx/>
+              <a:buNone/>
+              <a:tabLst/>
+              <a:defRPr/>
+            </a:pPr>
+            <a:r>
+              <a:rPr kumimoji="0" lang="en-US" altLang="zh-CN" sz="1200" b="1" i="0" u="none" strike="noStrike" kern="100" cap="none" spc="0" normalizeH="0" baseline="0" noProof="0" dirty="0">
+                <a:ln>
+                  <a:noFill/>
+                </a:ln>
+                <a:solidFill>
+                  <a:prstClr val="black"/>
+                </a:solidFill>
+                <a:effectLst/>
+                <a:uLnTx/>
+                <a:uFillTx/>
+                <a:latin typeface="Times New Roman" panose="02020603050405020304" pitchFamily="18" charset="0"/>
+                <a:ea typeface="等线" panose="02010600030101010101" pitchFamily="2" charset="-122"/>
+                <a:cs typeface="Times New Roman" panose="02020603050405020304" pitchFamily="18" charset="0"/>
+                <a:sym typeface="+mn-ea"/>
+              </a:rPr>
+              <a:t>Dasu Yan, Yixuan Lu, Bohan Li</a:t>
+            </a:r>
+          </a:p>
+        </p:txBody>
+      </p:sp>
+      <p:sp>
+        <p:nvSpPr>
+          <p:cNvPr id="96" name="文本框 4">
+            <a:extLst>
+              <a:ext uri="{FF2B5EF4-FFF2-40B4-BE49-F238E27FC236}">
+                <a16:creationId xmlns:a16="http://schemas.microsoft.com/office/drawing/2014/main" id="{58C70887-358A-7BB0-3B2F-3478A39897FF}"/>
+              </a:ext>
+            </a:extLst>
+          </p:cNvPr>
+          <p:cNvSpPr txBox="1"/>
+          <p:nvPr/>
+        </p:nvSpPr>
+        <p:spPr>
+          <a:xfrm>
+            <a:off x="10099497" y="1628207"/>
+            <a:ext cx="2238705" cy="220885"/>
+          </a:xfrm>
+          <a:prstGeom prst="rect">
+            <a:avLst/>
+          </a:prstGeom>
+        </p:spPr>
+        <p:txBody>
+          <a:bodyPr vert="horz" lIns="91440" tIns="45720" rIns="91440" bIns="45720" rtlCol="0">
+            <a:noAutofit/>
+          </a:bodyPr>
+          <a:lstStyle>
+            <a:defPPr>
+              <a:defRPr lang="en-US"/>
+            </a:defPPr>
+            <a:lvl1pPr indent="0">
+              <a:lnSpc>
+                <a:spcPct val="90000"/>
+              </a:lnSpc>
+              <a:spcBef>
+                <a:spcPts val="1000"/>
+              </a:spcBef>
+              <a:buFont typeface="Arial" panose="020B0604020202020204" pitchFamily="34" charset="0"/>
+              <a:buNone/>
+              <a:defRPr sz="1100" i="1">
+                <a:latin typeface="Times New Roman" panose="02020603050405020304" pitchFamily="18" charset="0"/>
+                <a:cs typeface="Times New Roman" panose="02020603050405020304" pitchFamily="18" charset="0"/>
+              </a:defRPr>
+            </a:lvl1pPr>
+            <a:lvl2pPr marL="685800" indent="-228600">
+              <a:lnSpc>
+                <a:spcPct val="90000"/>
+              </a:lnSpc>
+              <a:spcBef>
+                <a:spcPts val="500"/>
+              </a:spcBef>
+              <a:buFont typeface="Arial" panose="020B0604020202020204" pitchFamily="34" charset="0"/>
+              <a:buChar char="•"/>
+              <a:defRPr sz="2400"/>
+            </a:lvl2pPr>
+            <a:lvl3pPr marL="1143000" indent="-228600">
+              <a:lnSpc>
+                <a:spcPct val="90000"/>
+              </a:lnSpc>
+              <a:spcBef>
+                <a:spcPts val="500"/>
+              </a:spcBef>
+              <a:buFont typeface="Arial" panose="020B0604020202020204" pitchFamily="34" charset="0"/>
+              <a:buChar char="•"/>
+              <a:defRPr sz="2000"/>
+            </a:lvl3pPr>
+            <a:lvl4pPr marL="1600200" indent="-228600">
+              <a:lnSpc>
+                <a:spcPct val="90000"/>
+              </a:lnSpc>
+              <a:spcBef>
+                <a:spcPts val="500"/>
+              </a:spcBef>
+              <a:buFont typeface="Arial" panose="020B0604020202020204" pitchFamily="34" charset="0"/>
+              <a:buChar char="•"/>
+            </a:lvl4pPr>
+            <a:lvl5pPr marL="2057400" indent="-228600">
+              <a:lnSpc>
+                <a:spcPct val="90000"/>
+              </a:lnSpc>
+              <a:spcBef>
+                <a:spcPts val="500"/>
+              </a:spcBef>
+              <a:buFont typeface="Arial" panose="020B0604020202020204" pitchFamily="34" charset="0"/>
+              <a:buChar char="•"/>
+            </a:lvl5pPr>
+            <a:lvl6pPr marL="2514600" indent="-228600">
+              <a:lnSpc>
+                <a:spcPct val="90000"/>
+              </a:lnSpc>
+              <a:spcBef>
+                <a:spcPts val="500"/>
+              </a:spcBef>
+              <a:buFont typeface="Arial" panose="020B0604020202020204" pitchFamily="34" charset="0"/>
+              <a:buChar char="•"/>
+            </a:lvl6pPr>
+            <a:lvl7pPr marL="2971800" indent="-228600">
+              <a:lnSpc>
+                <a:spcPct val="90000"/>
+              </a:lnSpc>
+              <a:spcBef>
+                <a:spcPts val="500"/>
+              </a:spcBef>
+              <a:buFont typeface="Arial" panose="020B0604020202020204" pitchFamily="34" charset="0"/>
+              <a:buChar char="•"/>
+            </a:lvl7pPr>
+            <a:lvl8pPr marL="3429000" indent="-228600">
+              <a:lnSpc>
+                <a:spcPct val="90000"/>
+              </a:lnSpc>
+              <a:spcBef>
+                <a:spcPts val="500"/>
+              </a:spcBef>
+              <a:buFont typeface="Arial" panose="020B0604020202020204" pitchFamily="34" charset="0"/>
+              <a:buChar char="•"/>
+            </a:lvl8pPr>
+            <a:lvl9pPr marL="3886200" indent="-228600">
+              <a:lnSpc>
+                <a:spcPct val="90000"/>
+              </a:lnSpc>
+              <a:spcBef>
+                <a:spcPts val="500"/>
+              </a:spcBef>
+              <a:buFont typeface="Arial" panose="020B0604020202020204" pitchFamily="34" charset="0"/>
+              <a:buChar char="•"/>
+            </a:lvl9pPr>
+          </a:lstStyle>
+          <a:p>
+            <a:pPr marL="0" marR="0" lvl="0" indent="0" algn="l" defTabSz="914400" rtl="0" eaLnBrk="1" fontAlgn="auto" latinLnBrk="0" hangingPunct="1">
+              <a:lnSpc>
+                <a:spcPct val="90000"/>
+              </a:lnSpc>
+              <a:spcBef>
+                <a:spcPts val="1000"/>
+              </a:spcBef>
+              <a:spcAft>
+                <a:spcPts val="0"/>
+              </a:spcAft>
+              <a:buClrTx/>
+              <a:buSzTx/>
+              <a:buFont typeface="Arial" panose="020B0604020202020204" pitchFamily="34" charset="0"/>
+              <a:buNone/>
+              <a:tabLst/>
+              <a:defRPr/>
+            </a:pPr>
+            <a:r>
+              <a:rPr kumimoji="0" lang="en-US" altLang="zh-CN" sz="1000" b="1" i="1" u="none" strike="noStrike" kern="1200" cap="none" spc="0" normalizeH="0" baseline="0" noProof="0" dirty="0">
+                <a:ln>
+                  <a:noFill/>
+                </a:ln>
+                <a:solidFill>
+                  <a:prstClr val="black"/>
+                </a:solidFill>
+                <a:effectLst/>
+                <a:uLnTx/>
+                <a:uFillTx/>
+                <a:latin typeface="Times New Roman" panose="02020603050405020304" pitchFamily="18" charset="0"/>
+                <a:ea typeface="等线" panose="02010600030101010101" pitchFamily="2" charset="-122"/>
+                <a:cs typeface="Times New Roman" panose="02020603050405020304" pitchFamily="18" charset="0"/>
+              </a:rPr>
+              <a:t>On board test by AMD ZYNQ7000</a:t>
+            </a:r>
+          </a:p>
+        </p:txBody>
+      </p:sp>
+      <p:sp>
+        <p:nvSpPr>
+          <p:cNvPr id="97" name="TextBox 96">
+            <a:extLst>
+              <a:ext uri="{FF2B5EF4-FFF2-40B4-BE49-F238E27FC236}">
+                <a16:creationId xmlns:a16="http://schemas.microsoft.com/office/drawing/2014/main" id="{FEF45E0B-80C3-7E69-0218-8C11D2EAF7A7}"/>
+              </a:ext>
+            </a:extLst>
+          </p:cNvPr>
+          <p:cNvSpPr txBox="1"/>
+          <p:nvPr/>
+        </p:nvSpPr>
+        <p:spPr>
+          <a:xfrm>
+            <a:off x="6354787" y="335502"/>
+            <a:ext cx="2723922" cy="276999"/>
+          </a:xfrm>
+          <a:prstGeom prst="rect">
+            <a:avLst/>
+          </a:prstGeom>
+          <a:noFill/>
+        </p:spPr>
+        <p:txBody>
+          <a:bodyPr wrap="square">
+            <a:spAutoFit/>
+          </a:bodyPr>
+          <a:lstStyle/>
+          <a:p>
+            <a:pPr marL="0" marR="0" lvl="0" indent="0" algn="l" defTabSz="457200" rtl="0" eaLnBrk="0" fontAlgn="base" latinLnBrk="0" hangingPunct="0">
+              <a:lnSpc>
+                <a:spcPct val="100000"/>
+              </a:lnSpc>
+              <a:spcBef>
+                <a:spcPct val="0"/>
+              </a:spcBef>
+              <a:spcAft>
+                <a:spcPct val="0"/>
+              </a:spcAft>
+              <a:buClrTx/>
+              <a:buSzTx/>
+              <a:buFontTx/>
+              <a:buNone/>
+              <a:tabLst/>
+              <a:defRPr/>
+            </a:pPr>
+            <a:r>
+              <a:rPr kumimoji="0" lang="en-US" altLang="zh-CN" sz="1200" b="1" i="0" u="none" strike="noStrike" kern="1200" cap="none" spc="0" normalizeH="0" baseline="0" noProof="0" dirty="0">
+                <a:ln>
+                  <a:noFill/>
+                </a:ln>
+                <a:solidFill>
+                  <a:prstClr val="black"/>
+                </a:solidFill>
+                <a:effectLst/>
+                <a:uLnTx/>
+                <a:uFillTx/>
+                <a:latin typeface="Times New Roman" panose="02020603050405020304" pitchFamily="18" charset="0"/>
+                <a:ea typeface="微软雅黑" panose="020B0503020204020204" pitchFamily="34" charset="-122"/>
+                <a:cs typeface="Times New Roman" panose="02020603050405020304" pitchFamily="18" charset="0"/>
+              </a:rPr>
+              <a:t>South China University of Technology</a:t>
+            </a:r>
+            <a:endParaRPr kumimoji="0" lang="en-US" sz="1200" b="1" i="0" u="none" strike="noStrike" kern="1200" cap="none" spc="0" normalizeH="0" baseline="0" noProof="0" dirty="0">
+              <a:ln>
+                <a:noFill/>
+              </a:ln>
+              <a:solidFill>
+                <a:prstClr val="black"/>
+              </a:solidFill>
+              <a:effectLst/>
+              <a:uLnTx/>
+              <a:uFillTx/>
+              <a:latin typeface="Times New Roman" panose="02020603050405020304" pitchFamily="18" charset="0"/>
+              <a:ea typeface="微软雅黑" panose="020B0503020204020204" pitchFamily="34" charset="-122"/>
+              <a:cs typeface="Times New Roman" panose="02020603050405020304" pitchFamily="18" charset="0"/>
+            </a:endParaRPr>
+          </a:p>
+        </p:txBody>
+      </p:sp>
+      <p:sp>
+        <p:nvSpPr>
+          <p:cNvPr id="98" name="TextBox 97">
+            <a:extLst>
+              <a:ext uri="{FF2B5EF4-FFF2-40B4-BE49-F238E27FC236}">
+                <a16:creationId xmlns:a16="http://schemas.microsoft.com/office/drawing/2014/main" id="{46A6A9DE-EE1F-DE3B-4D9B-5DB6851B8FCC}"/>
+              </a:ext>
+            </a:extLst>
+          </p:cNvPr>
+          <p:cNvSpPr txBox="1"/>
+          <p:nvPr/>
+        </p:nvSpPr>
+        <p:spPr>
+          <a:xfrm>
+            <a:off x="7985596" y="862468"/>
+            <a:ext cx="1890043" cy="400110"/>
+          </a:xfrm>
+          <a:prstGeom prst="rect">
+            <a:avLst/>
+          </a:prstGeom>
+          <a:noFill/>
+        </p:spPr>
+        <p:txBody>
+          <a:bodyPr wrap="square">
+            <a:spAutoFit/>
+          </a:bodyPr>
+          <a:lstStyle/>
+          <a:p>
+            <a:pPr marL="0" marR="0" lvl="0" indent="0" algn="l" defTabSz="914400" rtl="0" eaLnBrk="1" fontAlgn="auto" latinLnBrk="0" hangingPunct="1">
+              <a:lnSpc>
+                <a:spcPct val="100000"/>
+              </a:lnSpc>
+              <a:spcBef>
+                <a:spcPts val="0"/>
+              </a:spcBef>
+              <a:spcAft>
+                <a:spcPts val="0"/>
+              </a:spcAft>
+              <a:buClrTx/>
+              <a:buSzTx/>
+              <a:buFontTx/>
+              <a:buNone/>
+              <a:tabLst/>
+              <a:defRPr/>
+            </a:pPr>
+            <a:r>
+              <a:rPr kumimoji="0" lang="en-US" sz="2000" b="1" i="0" u="none" strike="noStrike" kern="100" cap="none" spc="0" normalizeH="0" baseline="0" noProof="0" dirty="0">
+                <a:ln>
+                  <a:noFill/>
+                </a:ln>
+                <a:solidFill>
+                  <a:srgbClr val="242021"/>
+                </a:solidFill>
+                <a:effectLst/>
+                <a:uLnTx/>
+                <a:uFillTx/>
+                <a:latin typeface="Times New Roman" panose="02020603050405020304" pitchFamily="18" charset="0"/>
+                <a:ea typeface="等线" panose="02010600030101010101" pitchFamily="2" charset="-122"/>
+                <a:cs typeface="Times New Roman" panose="02020603050405020304" pitchFamily="18" charset="0"/>
+              </a:rPr>
+              <a:t>OpenHW2024</a:t>
+            </a:r>
+            <a:endParaRPr kumimoji="0" lang="en-US" sz="2000" b="1" i="0" u="none" strike="noStrike" kern="100" cap="none" spc="0" normalizeH="0" baseline="0" noProof="0" dirty="0">
+              <a:ln>
+                <a:noFill/>
+              </a:ln>
+              <a:solidFill>
+                <a:prstClr val="black"/>
+              </a:solidFill>
+              <a:effectLst/>
+              <a:uLnTx/>
+              <a:uFillTx/>
+              <a:latin typeface="Times New Roman" panose="02020603050405020304" pitchFamily="18" charset="0"/>
+              <a:ea typeface="等线" panose="02010600030101010101" pitchFamily="2" charset="-122"/>
+              <a:cs typeface="Times New Roman" panose="02020603050405020304" pitchFamily="18" charset="0"/>
+            </a:endParaRPr>
+          </a:p>
+        </p:txBody>
+      </p:sp>
+      <p:grpSp>
+        <p:nvGrpSpPr>
+          <p:cNvPr id="49" name="组合 48">
+            <a:extLst>
+              <a:ext uri="{FF2B5EF4-FFF2-40B4-BE49-F238E27FC236}">
+                <a16:creationId xmlns:a16="http://schemas.microsoft.com/office/drawing/2014/main" id="{BECFA5D2-FBAA-2269-5F3E-46637182BD73}"/>
+              </a:ext>
+            </a:extLst>
+          </p:cNvPr>
+          <p:cNvGrpSpPr/>
+          <p:nvPr/>
+        </p:nvGrpSpPr>
+        <p:grpSpPr>
+          <a:xfrm>
+            <a:off x="8492386" y="2541522"/>
+            <a:ext cx="377933" cy="1678530"/>
+            <a:chOff x="8507018" y="2052136"/>
+            <a:chExt cx="377933" cy="1678530"/>
+          </a:xfrm>
+        </p:grpSpPr>
+        <p:sp>
+          <p:nvSpPr>
+            <p:cNvPr id="104" name="Title 1">
+              <a:extLst>
+                <a:ext uri="{FF2B5EF4-FFF2-40B4-BE49-F238E27FC236}">
+                  <a16:creationId xmlns:a16="http://schemas.microsoft.com/office/drawing/2014/main" id="{176D8231-843A-7889-4421-9B7B8DFF9BD9}"/>
+                </a:ext>
+              </a:extLst>
+            </p:cNvPr>
+            <p:cNvSpPr txBox="1"/>
+            <p:nvPr/>
+          </p:nvSpPr>
+          <p:spPr>
+            <a:xfrm>
+              <a:off x="8507018" y="2052136"/>
+              <a:ext cx="377933" cy="1678530"/>
+            </a:xfrm>
+            <a:prstGeom prst="rect">
+              <a:avLst/>
+            </a:prstGeom>
+            <a:solidFill>
+              <a:srgbClr val="2F2F2F"/>
+            </a:solidFill>
+          </p:spPr>
+          <p:txBody>
+            <a:bodyPr vert="wordArtVert" lIns="91440" tIns="45720" rIns="91440" bIns="45720" rtlCol="0" anchor="ctr">
+              <a:normAutofit/>
+            </a:bodyPr>
+            <a:lstStyle>
+              <a:lvl1pPr algn="l" defTabSz="914400" rtl="0" eaLnBrk="1" latinLnBrk="0" hangingPunct="1">
+                <a:lnSpc>
+                  <a:spcPct val="90000"/>
+                </a:lnSpc>
+                <a:spcBef>
+                  <a:spcPct val="0"/>
+                </a:spcBef>
+                <a:buNone/>
+                <a:defRPr sz="4400" kern="1200">
+                  <a:solidFill>
+                    <a:schemeClr val="tx1"/>
+                  </a:solidFill>
+                  <a:latin typeface="+mj-lt"/>
+                  <a:ea typeface="+mj-ea"/>
+                  <a:cs typeface="+mj-cs"/>
+                </a:defRPr>
+              </a:lvl1pPr>
+            </a:lstStyle>
+            <a:p>
+              <a:pPr marL="0" marR="0" lvl="0" indent="0" algn="ctr" defTabSz="914400" rtl="0" eaLnBrk="1" fontAlgn="auto" latinLnBrk="0" hangingPunct="1">
+                <a:lnSpc>
+                  <a:spcPct val="90000"/>
+                </a:lnSpc>
+                <a:spcBef>
+                  <a:spcPct val="0"/>
+                </a:spcBef>
+                <a:spcAft>
+                  <a:spcPts val="0"/>
+                </a:spcAft>
+                <a:buClrTx/>
+                <a:buSzTx/>
+                <a:buFontTx/>
+                <a:buNone/>
+                <a:tabLst/>
+                <a:defRPr/>
+              </a:pPr>
+              <a:endParaRPr kumimoji="0" lang="en-US" sz="700" b="1" i="0" u="none" strike="noStrike" kern="1200" cap="none" spc="0" normalizeH="0" baseline="0" noProof="0" dirty="0">
+                <a:ln>
+                  <a:noFill/>
+                </a:ln>
+                <a:solidFill>
+                  <a:prstClr val="white"/>
+                </a:solidFill>
+                <a:effectLst/>
+                <a:uLnTx/>
+                <a:uFillTx/>
+                <a:latin typeface="Calibri" panose="020F0502020204030204"/>
+                <a:ea typeface="+mj-ea"/>
+                <a:cs typeface="+mj-cs"/>
+              </a:endParaRPr>
+            </a:p>
+          </p:txBody>
+        </p:sp>
+        <p:sp>
+          <p:nvSpPr>
+            <p:cNvPr id="105" name="TextBox 104">
+              <a:extLst>
+                <a:ext uri="{FF2B5EF4-FFF2-40B4-BE49-F238E27FC236}">
+                  <a16:creationId xmlns:a16="http://schemas.microsoft.com/office/drawing/2014/main" id="{689AD034-0A3F-198C-67B2-E5246B3C1D0A}"/>
+                </a:ext>
+              </a:extLst>
+            </p:cNvPr>
+            <p:cNvSpPr txBox="1"/>
+            <p:nvPr/>
+          </p:nvSpPr>
+          <p:spPr>
+            <a:xfrm>
+              <a:off x="8555488" y="2200504"/>
+              <a:ext cx="276665" cy="369332"/>
+            </a:xfrm>
+            <a:prstGeom prst="rect">
+              <a:avLst/>
+            </a:prstGeom>
+            <a:noFill/>
+          </p:spPr>
+          <p:txBody>
+            <a:bodyPr wrap="square" rtlCol="0" anchor="ctr">
+              <a:spAutoFit/>
+            </a:bodyPr>
+            <a:lstStyle/>
+            <a:p>
+              <a:pPr marL="0" marR="0" lvl="0" indent="0" algn="ctr" defTabSz="914400" rtl="0" eaLnBrk="1" fontAlgn="auto" latinLnBrk="0" hangingPunct="1">
+                <a:lnSpc>
+                  <a:spcPct val="100000"/>
+                </a:lnSpc>
+                <a:spcBef>
+                  <a:spcPts val="0"/>
+                </a:spcBef>
+                <a:spcAft>
+                  <a:spcPts val="0"/>
+                </a:spcAft>
+                <a:buClrTx/>
+                <a:buSzTx/>
+                <a:buFontTx/>
+                <a:buNone/>
+                <a:tabLst/>
+                <a:defRPr/>
+              </a:pPr>
+              <a:r>
+                <a:rPr kumimoji="0" lang="en-US" sz="1800" b="0" i="0" u="none" strike="noStrike" kern="1200" cap="none" spc="0" normalizeH="0" baseline="0" noProof="0" dirty="0">
+                  <a:ln>
+                    <a:noFill/>
+                  </a:ln>
+                  <a:solidFill>
+                    <a:prstClr val="white"/>
+                  </a:solidFill>
+                  <a:effectLst/>
+                  <a:uLnTx/>
+                  <a:uFillTx/>
+                  <a:latin typeface="Aharoni" panose="02010803020104030203" pitchFamily="2" charset="-79"/>
+                  <a:ea typeface="+mn-ea"/>
+                  <a:cs typeface="Aharoni" panose="02010803020104030203" pitchFamily="2" charset="-79"/>
+                </a:rPr>
+                <a:t>R</a:t>
+              </a:r>
+            </a:p>
+          </p:txBody>
+        </p:sp>
+        <p:sp>
+          <p:nvSpPr>
+            <p:cNvPr id="106" name="TextBox 105">
+              <a:extLst>
+                <a:ext uri="{FF2B5EF4-FFF2-40B4-BE49-F238E27FC236}">
+                  <a16:creationId xmlns:a16="http://schemas.microsoft.com/office/drawing/2014/main" id="{51473BC4-DAEF-FE59-75EA-75ACA2BDF2FB}"/>
+                </a:ext>
+              </a:extLst>
+            </p:cNvPr>
+            <p:cNvSpPr txBox="1"/>
+            <p:nvPr/>
+          </p:nvSpPr>
+          <p:spPr>
+            <a:xfrm>
+              <a:off x="8555488" y="2389574"/>
+              <a:ext cx="276665" cy="369332"/>
+            </a:xfrm>
+            <a:prstGeom prst="rect">
+              <a:avLst/>
+            </a:prstGeom>
+            <a:noFill/>
+          </p:spPr>
+          <p:txBody>
+            <a:bodyPr wrap="square" rtlCol="0" anchor="ctr">
+              <a:spAutoFit/>
+            </a:bodyPr>
+            <a:lstStyle/>
+            <a:p>
+              <a:pPr marL="0" marR="0" lvl="0" indent="0" algn="ctr" defTabSz="914400" rtl="0" eaLnBrk="1" fontAlgn="auto" latinLnBrk="0" hangingPunct="1">
+                <a:lnSpc>
+                  <a:spcPct val="100000"/>
+                </a:lnSpc>
+                <a:spcBef>
+                  <a:spcPts val="0"/>
+                </a:spcBef>
+                <a:spcAft>
+                  <a:spcPts val="0"/>
+                </a:spcAft>
+                <a:buClrTx/>
+                <a:buSzTx/>
+                <a:buFontTx/>
+                <a:buNone/>
+                <a:tabLst/>
+                <a:defRPr/>
+              </a:pPr>
+              <a:r>
+                <a:rPr kumimoji="0" lang="en-US" sz="1800" b="0" i="0" u="none" strike="noStrike" kern="1200" cap="none" spc="0" normalizeH="0" baseline="0" noProof="0" dirty="0">
+                  <a:ln>
+                    <a:noFill/>
+                  </a:ln>
+                  <a:solidFill>
+                    <a:prstClr val="white"/>
+                  </a:solidFill>
+                  <a:effectLst/>
+                  <a:uLnTx/>
+                  <a:uFillTx/>
+                  <a:latin typeface="Aharoni" panose="02010803020104030203" pitchFamily="2" charset="-79"/>
+                  <a:ea typeface="+mn-ea"/>
+                  <a:cs typeface="Aharoni" panose="02010803020104030203" pitchFamily="2" charset="-79"/>
+                </a:rPr>
+                <a:t>E</a:t>
+              </a:r>
+            </a:p>
+          </p:txBody>
+        </p:sp>
+        <p:sp>
+          <p:nvSpPr>
+            <p:cNvPr id="107" name="TextBox 106">
+              <a:extLst>
+                <a:ext uri="{FF2B5EF4-FFF2-40B4-BE49-F238E27FC236}">
+                  <a16:creationId xmlns:a16="http://schemas.microsoft.com/office/drawing/2014/main" id="{0D64BF7B-3463-8655-6E30-8A0F81D64811}"/>
+                </a:ext>
+              </a:extLst>
+            </p:cNvPr>
+            <p:cNvSpPr txBox="1"/>
+            <p:nvPr/>
+          </p:nvSpPr>
+          <p:spPr>
+            <a:xfrm>
+              <a:off x="8555488" y="2592416"/>
+              <a:ext cx="276665" cy="369332"/>
+            </a:xfrm>
+            <a:prstGeom prst="rect">
+              <a:avLst/>
+            </a:prstGeom>
+            <a:noFill/>
+          </p:spPr>
+          <p:txBody>
+            <a:bodyPr wrap="square" rtlCol="0" anchor="ctr">
+              <a:spAutoFit/>
+            </a:bodyPr>
+            <a:lstStyle/>
+            <a:p>
+              <a:pPr marL="0" marR="0" lvl="0" indent="0" algn="ctr" defTabSz="914400" rtl="0" eaLnBrk="1" fontAlgn="auto" latinLnBrk="0" hangingPunct="1">
+                <a:lnSpc>
+                  <a:spcPct val="100000"/>
+                </a:lnSpc>
+                <a:spcBef>
+                  <a:spcPts val="0"/>
+                </a:spcBef>
+                <a:spcAft>
+                  <a:spcPts val="0"/>
+                </a:spcAft>
+                <a:buClrTx/>
+                <a:buSzTx/>
+                <a:buFontTx/>
+                <a:buNone/>
+                <a:tabLst/>
+                <a:defRPr/>
+              </a:pPr>
+              <a:r>
+                <a:rPr kumimoji="0" lang="en-US" sz="1800" b="0" i="0" u="none" strike="noStrike" kern="1200" cap="none" spc="0" normalizeH="0" baseline="0" noProof="0" dirty="0">
+                  <a:ln>
+                    <a:noFill/>
+                  </a:ln>
+                  <a:solidFill>
+                    <a:prstClr val="white"/>
+                  </a:solidFill>
+                  <a:effectLst/>
+                  <a:uLnTx/>
+                  <a:uFillTx/>
+                  <a:latin typeface="Aharoni" panose="02010803020104030203" pitchFamily="2" charset="-79"/>
+                  <a:ea typeface="+mn-ea"/>
+                  <a:cs typeface="Aharoni" panose="02010803020104030203" pitchFamily="2" charset="-79"/>
+                </a:rPr>
+                <a:t>S</a:t>
+              </a:r>
+            </a:p>
+          </p:txBody>
+        </p:sp>
+        <p:sp>
+          <p:nvSpPr>
+            <p:cNvPr id="108" name="TextBox 107">
+              <a:extLst>
+                <a:ext uri="{FF2B5EF4-FFF2-40B4-BE49-F238E27FC236}">
+                  <a16:creationId xmlns:a16="http://schemas.microsoft.com/office/drawing/2014/main" id="{B013856C-5CCF-8A26-2A90-CABDDBFFBA73}"/>
+                </a:ext>
+              </a:extLst>
+            </p:cNvPr>
+            <p:cNvSpPr txBox="1"/>
+            <p:nvPr/>
+          </p:nvSpPr>
+          <p:spPr>
+            <a:xfrm>
+              <a:off x="8555488" y="2810740"/>
+              <a:ext cx="276665" cy="369332"/>
+            </a:xfrm>
+            <a:prstGeom prst="rect">
+              <a:avLst/>
+            </a:prstGeom>
+            <a:noFill/>
+          </p:spPr>
+          <p:txBody>
+            <a:bodyPr wrap="square" rtlCol="0" anchor="ctr">
+              <a:spAutoFit/>
+            </a:bodyPr>
+            <a:lstStyle/>
+            <a:p>
+              <a:pPr marL="0" marR="0" lvl="0" indent="0" algn="ctr" defTabSz="914400" rtl="0" eaLnBrk="1" fontAlgn="auto" latinLnBrk="0" hangingPunct="1">
+                <a:lnSpc>
+                  <a:spcPct val="100000"/>
+                </a:lnSpc>
+                <a:spcBef>
+                  <a:spcPts val="0"/>
+                </a:spcBef>
+                <a:spcAft>
+                  <a:spcPts val="0"/>
+                </a:spcAft>
+                <a:buClrTx/>
+                <a:buSzTx/>
+                <a:buFontTx/>
+                <a:buNone/>
+                <a:tabLst/>
+                <a:defRPr/>
+              </a:pPr>
+              <a:r>
+                <a:rPr kumimoji="0" lang="en-US" sz="1800" b="0" i="0" u="none" strike="noStrike" kern="1200" cap="none" spc="0" normalizeH="0" baseline="0" noProof="0" dirty="0">
+                  <a:ln>
+                    <a:noFill/>
+                  </a:ln>
+                  <a:solidFill>
+                    <a:prstClr val="white"/>
+                  </a:solidFill>
+                  <a:effectLst/>
+                  <a:uLnTx/>
+                  <a:uFillTx/>
+                  <a:latin typeface="Aharoni" panose="02010803020104030203" pitchFamily="2" charset="-79"/>
+                  <a:ea typeface="+mn-ea"/>
+                  <a:cs typeface="Aharoni" panose="02010803020104030203" pitchFamily="2" charset="-79"/>
+                </a:rPr>
+                <a:t>U</a:t>
+              </a:r>
+            </a:p>
+          </p:txBody>
+        </p:sp>
+        <p:sp>
+          <p:nvSpPr>
+            <p:cNvPr id="109" name="TextBox 108">
+              <a:extLst>
+                <a:ext uri="{FF2B5EF4-FFF2-40B4-BE49-F238E27FC236}">
+                  <a16:creationId xmlns:a16="http://schemas.microsoft.com/office/drawing/2014/main" id="{E074594A-1EFB-F4A4-AC89-16DCB8AD444A}"/>
+                </a:ext>
+              </a:extLst>
+            </p:cNvPr>
+            <p:cNvSpPr txBox="1"/>
+            <p:nvPr/>
+          </p:nvSpPr>
+          <p:spPr>
+            <a:xfrm>
+              <a:off x="8555488" y="3017161"/>
+              <a:ext cx="276665" cy="369332"/>
+            </a:xfrm>
+            <a:prstGeom prst="rect">
+              <a:avLst/>
+            </a:prstGeom>
+            <a:noFill/>
+          </p:spPr>
+          <p:txBody>
+            <a:bodyPr wrap="square" rtlCol="0" anchor="ctr">
+              <a:spAutoFit/>
+            </a:bodyPr>
+            <a:lstStyle/>
+            <a:p>
+              <a:pPr marL="0" marR="0" lvl="0" indent="0" algn="ctr" defTabSz="914400" rtl="0" eaLnBrk="1" fontAlgn="auto" latinLnBrk="0" hangingPunct="1">
+                <a:lnSpc>
+                  <a:spcPct val="100000"/>
+                </a:lnSpc>
+                <a:spcBef>
+                  <a:spcPts val="0"/>
+                </a:spcBef>
+                <a:spcAft>
+                  <a:spcPts val="0"/>
+                </a:spcAft>
+                <a:buClrTx/>
+                <a:buSzTx/>
+                <a:buFontTx/>
+                <a:buNone/>
+                <a:tabLst/>
+                <a:defRPr/>
+              </a:pPr>
+              <a:r>
+                <a:rPr kumimoji="0" lang="en-US" sz="1800" b="0" i="0" u="none" strike="noStrike" kern="1200" cap="none" spc="0" normalizeH="0" baseline="0" noProof="0" dirty="0">
+                  <a:ln>
+                    <a:noFill/>
+                  </a:ln>
+                  <a:solidFill>
+                    <a:prstClr val="white"/>
+                  </a:solidFill>
+                  <a:effectLst/>
+                  <a:uLnTx/>
+                  <a:uFillTx/>
+                  <a:latin typeface="Aharoni" panose="02010803020104030203" pitchFamily="2" charset="-79"/>
+                  <a:ea typeface="+mn-ea"/>
+                  <a:cs typeface="Aharoni" panose="02010803020104030203" pitchFamily="2" charset="-79"/>
+                </a:rPr>
+                <a:t>L</a:t>
+              </a:r>
+            </a:p>
+          </p:txBody>
+        </p:sp>
+        <p:sp>
+          <p:nvSpPr>
+            <p:cNvPr id="111" name="TextBox 110">
+              <a:extLst>
+                <a:ext uri="{FF2B5EF4-FFF2-40B4-BE49-F238E27FC236}">
+                  <a16:creationId xmlns:a16="http://schemas.microsoft.com/office/drawing/2014/main" id="{1B8A53B7-55EB-0138-C0B9-DE56866190D4}"/>
+                </a:ext>
+              </a:extLst>
+            </p:cNvPr>
+            <p:cNvSpPr txBox="1"/>
+            <p:nvPr/>
+          </p:nvSpPr>
+          <p:spPr>
+            <a:xfrm>
+              <a:off x="8555488" y="3218373"/>
+              <a:ext cx="276665" cy="369332"/>
+            </a:xfrm>
+            <a:prstGeom prst="rect">
+              <a:avLst/>
+            </a:prstGeom>
+            <a:noFill/>
+          </p:spPr>
+          <p:txBody>
+            <a:bodyPr wrap="square" rtlCol="0" anchor="ctr">
+              <a:spAutoFit/>
+            </a:bodyPr>
+            <a:lstStyle/>
+            <a:p>
+              <a:pPr marL="0" marR="0" lvl="0" indent="0" algn="ctr" defTabSz="914400" rtl="0" eaLnBrk="1" fontAlgn="auto" latinLnBrk="0" hangingPunct="1">
+                <a:lnSpc>
+                  <a:spcPct val="100000"/>
+                </a:lnSpc>
+                <a:spcBef>
+                  <a:spcPts val="0"/>
+                </a:spcBef>
+                <a:spcAft>
+                  <a:spcPts val="0"/>
+                </a:spcAft>
+                <a:buClrTx/>
+                <a:buSzTx/>
+                <a:buFontTx/>
+                <a:buNone/>
+                <a:tabLst/>
+                <a:defRPr/>
+              </a:pPr>
+              <a:r>
+                <a:rPr kumimoji="0" lang="en-US" sz="1800" b="0" i="0" u="none" strike="noStrike" kern="1200" cap="none" spc="0" normalizeH="0" baseline="0" noProof="0" dirty="0">
+                  <a:ln>
+                    <a:noFill/>
+                  </a:ln>
+                  <a:solidFill>
+                    <a:prstClr val="white"/>
+                  </a:solidFill>
+                  <a:effectLst/>
+                  <a:uLnTx/>
+                  <a:uFillTx/>
+                  <a:latin typeface="Aharoni" panose="02010803020104030203" pitchFamily="2" charset="-79"/>
+                  <a:ea typeface="+mn-ea"/>
+                  <a:cs typeface="Aharoni" panose="02010803020104030203" pitchFamily="2" charset="-79"/>
+                </a:rPr>
+                <a:t>T</a:t>
+              </a:r>
+            </a:p>
+          </p:txBody>
+        </p:sp>
+      </p:grpSp>
+      <p:pic>
+        <p:nvPicPr>
+          <p:cNvPr id="7" name="Picture 6" descr="A black background with a black square&#10;&#10;Description automatically generated with medium confidence">
+            <a:extLst>
+              <a:ext uri="{FF2B5EF4-FFF2-40B4-BE49-F238E27FC236}">
+                <a16:creationId xmlns:a16="http://schemas.microsoft.com/office/drawing/2014/main" id="{26883E84-5CF6-71E4-4525-D7CFB2F8C77E}"/>
+              </a:ext>
+            </a:extLst>
+          </p:cNvPr>
+          <p:cNvPicPr>
+            <a:picLocks noChangeAspect="1"/>
+          </p:cNvPicPr>
+          <p:nvPr/>
+        </p:nvPicPr>
+        <p:blipFill>
+          <a:blip r:embed="rId5"/>
+          <a:stretch>
+            <a:fillRect/>
+          </a:stretch>
+        </p:blipFill>
+        <p:spPr>
+          <a:xfrm>
+            <a:off x="8036115" y="1033732"/>
+            <a:ext cx="1699920" cy="956205"/>
+          </a:xfrm>
+          <a:prstGeom prst="rect">
+            <a:avLst/>
+          </a:prstGeom>
+        </p:spPr>
+      </p:pic>
+      <p:sp>
+        <p:nvSpPr>
+          <p:cNvPr id="4" name="文本框 3">
+            <a:extLst>
+              <a:ext uri="{FF2B5EF4-FFF2-40B4-BE49-F238E27FC236}">
+                <a16:creationId xmlns:a16="http://schemas.microsoft.com/office/drawing/2014/main" id="{179EDCF8-E2F9-FDBC-770F-C72A05F174FA}"/>
+              </a:ext>
+            </a:extLst>
+          </p:cNvPr>
+          <p:cNvSpPr txBox="1"/>
+          <p:nvPr/>
+        </p:nvSpPr>
+        <p:spPr>
+          <a:xfrm>
+            <a:off x="8547232" y="4447386"/>
+            <a:ext cx="3557270" cy="2142490"/>
+          </a:xfrm>
+          <a:prstGeom prst="rect">
+            <a:avLst/>
+          </a:prstGeom>
+          <a:noFill/>
+        </p:spPr>
+        <p:txBody>
+          <a:bodyPr wrap="square" rtlCol="0" anchor="t">
+            <a:noAutofit/>
+          </a:bodyPr>
+          <a:lstStyle/>
+          <a:p>
+            <a:pPr marL="0" marR="0" lvl="0" indent="0" algn="l" defTabSz="914400" rtl="0" eaLnBrk="1" fontAlgn="auto" latinLnBrk="0" hangingPunct="1">
+              <a:lnSpc>
+                <a:spcPct val="100000"/>
+              </a:lnSpc>
+              <a:spcBef>
+                <a:spcPts val="1000"/>
+              </a:spcBef>
+              <a:spcAft>
+                <a:spcPts val="0"/>
+              </a:spcAft>
+              <a:buClrTx/>
+              <a:buSzTx/>
+              <a:buFontTx/>
+              <a:buNone/>
+              <a:tabLst/>
+              <a:defRPr/>
+            </a:pPr>
+            <a:r>
+              <a:rPr kumimoji="0" lang="en-US" altLang="zh-CN" sz="1100" b="0" i="0" u="none" strike="noStrike" kern="1200" cap="none" spc="0" normalizeH="0" baseline="0" noProof="0" dirty="0">
+                <a:ln>
+                  <a:noFill/>
+                </a:ln>
+                <a:solidFill>
+                  <a:prstClr val="black"/>
+                </a:solidFill>
+                <a:effectLst/>
+                <a:uLnTx/>
+                <a:uFillTx/>
+                <a:latin typeface="Calibri" panose="020F0502020204030204" charset="0"/>
+                <a:ea typeface="等线" panose="02010600030101010101" pitchFamily="2" charset="-122"/>
+                <a:cs typeface="Calibri" panose="020F0502020204030204" charset="0"/>
+                <a:sym typeface="+mn-ea"/>
+              </a:rPr>
+              <a:t>Hydra, our high-speed multi-port shared cache management module, not only fulfills basic switch functions but also offers strong scalability and performance, surpassing current market products.</a:t>
+            </a:r>
+          </a:p>
+          <a:p>
+            <a:pPr marL="0" marR="0" lvl="0" indent="0" algn="l" defTabSz="914400" rtl="0" eaLnBrk="1" fontAlgn="auto" latinLnBrk="0" hangingPunct="1">
+              <a:lnSpc>
+                <a:spcPct val="100000"/>
+              </a:lnSpc>
+              <a:spcBef>
+                <a:spcPts val="1000"/>
+              </a:spcBef>
+              <a:spcAft>
+                <a:spcPts val="0"/>
+              </a:spcAft>
+              <a:buClrTx/>
+              <a:buSzTx/>
+              <a:buFontTx/>
+              <a:buNone/>
+              <a:tabLst/>
+              <a:defRPr/>
+            </a:pPr>
+            <a:r>
+              <a:rPr kumimoji="0" lang="en-US" altLang="zh-CN" sz="1100" b="0" i="0" u="none" strike="noStrike" kern="1200" cap="none" spc="0" normalizeH="0" baseline="0" noProof="0" dirty="0">
+                <a:ln>
+                  <a:noFill/>
+                </a:ln>
+                <a:solidFill>
+                  <a:prstClr val="black"/>
+                </a:solidFill>
+                <a:effectLst/>
+                <a:uLnTx/>
+                <a:uFillTx/>
+                <a:latin typeface="Calibri" panose="020F0502020204030204" charset="0"/>
+                <a:ea typeface="等线" panose="02010600030101010101" pitchFamily="2" charset="-122"/>
+                <a:cs typeface="Calibri" panose="020F0502020204030204" charset="0"/>
+                <a:sym typeface="+mn-ea"/>
+              </a:rPr>
+              <a:t>With the rapid rise of 3D ICs and M3D technology, Hydra’s </a:t>
+            </a:r>
+            <a:r>
+              <a:rPr kumimoji="0" lang="en-US" altLang="zh-CN" sz="1100" b="1" i="0" u="none" strike="noStrike" kern="1200" cap="none" spc="0" normalizeH="0" baseline="0" noProof="0" dirty="0">
+                <a:ln>
+                  <a:noFill/>
+                </a:ln>
+                <a:solidFill>
+                  <a:prstClr val="black"/>
+                </a:solidFill>
+                <a:effectLst/>
+                <a:uLnTx/>
+                <a:uFillTx/>
+                <a:latin typeface="Calibri" panose="020F0502020204030204" charset="0"/>
+                <a:ea typeface="等线" panose="02010600030101010101" pitchFamily="2" charset="-122"/>
+                <a:cs typeface="Calibri" panose="020F0502020204030204" charset="0"/>
+                <a:sym typeface="+mn-ea"/>
+              </a:rPr>
+              <a:t>16×32 Crossbar </a:t>
+            </a:r>
+            <a:r>
+              <a:rPr kumimoji="0" lang="en-US" altLang="zh-CN" sz="1100" b="0" i="0" u="none" strike="noStrike" kern="1200" cap="none" spc="0" normalizeH="0" baseline="0" noProof="0" dirty="0">
+                <a:ln>
+                  <a:noFill/>
+                </a:ln>
+                <a:solidFill>
+                  <a:prstClr val="black"/>
+                </a:solidFill>
+                <a:effectLst/>
+                <a:uLnTx/>
+                <a:uFillTx/>
+                <a:latin typeface="Calibri" panose="020F0502020204030204" charset="0"/>
+                <a:ea typeface="等线" panose="02010600030101010101" pitchFamily="2" charset="-122"/>
+                <a:cs typeface="Calibri" panose="020F0502020204030204" charset="0"/>
+                <a:sym typeface="+mn-ea"/>
+              </a:rPr>
+              <a:t>architecture is well-positioned for future high-dimensional designs. As 3D integration advances, Hydra could evolve into higher-dimensional structures, unlocking unparalleled performance for </a:t>
+            </a:r>
+            <a:r>
+              <a:rPr kumimoji="0" lang="en-US" altLang="zh-CN" sz="1100" b="1" i="0" u="none" strike="noStrike" kern="1200" cap="none" spc="0" normalizeH="0" baseline="0" noProof="0" dirty="0">
+                <a:ln>
+                  <a:noFill/>
+                </a:ln>
+                <a:solidFill>
+                  <a:prstClr val="black"/>
+                </a:solidFill>
+                <a:effectLst/>
+                <a:uLnTx/>
+                <a:uFillTx/>
+                <a:latin typeface="Calibri" panose="020F0502020204030204" charset="0"/>
+                <a:ea typeface="等线" panose="02010600030101010101" pitchFamily="2" charset="-122"/>
+                <a:cs typeface="Calibri" panose="020F0502020204030204" charset="0"/>
+                <a:sym typeface="+mn-ea"/>
+              </a:rPr>
+              <a:t>5G</a:t>
+            </a:r>
+            <a:r>
+              <a:rPr kumimoji="0" lang="en-US" altLang="zh-CN" sz="1100" b="0" i="0" u="none" strike="noStrike" kern="1200" cap="none" spc="0" normalizeH="0" baseline="0" noProof="0" dirty="0">
+                <a:ln>
+                  <a:noFill/>
+                </a:ln>
+                <a:solidFill>
+                  <a:prstClr val="black"/>
+                </a:solidFill>
+                <a:effectLst/>
+                <a:uLnTx/>
+                <a:uFillTx/>
+                <a:latin typeface="Calibri" panose="020F0502020204030204" charset="0"/>
+                <a:ea typeface="等线" panose="02010600030101010101" pitchFamily="2" charset="-122"/>
+                <a:cs typeface="Calibri" panose="020F0502020204030204" charset="0"/>
+                <a:sym typeface="+mn-ea"/>
+              </a:rPr>
+              <a:t> and </a:t>
+            </a:r>
+            <a:r>
+              <a:rPr kumimoji="0" lang="en-US" altLang="zh-CN" sz="1100" b="1" i="0" u="none" strike="noStrike" kern="1200" cap="none" spc="0" normalizeH="0" baseline="0" noProof="0" dirty="0">
+                <a:ln>
+                  <a:noFill/>
+                </a:ln>
+                <a:solidFill>
+                  <a:prstClr val="black"/>
+                </a:solidFill>
+                <a:effectLst/>
+                <a:uLnTx/>
+                <a:uFillTx/>
+                <a:latin typeface="Calibri" panose="020F0502020204030204" charset="0"/>
+                <a:ea typeface="等线" panose="02010600030101010101" pitchFamily="2" charset="-122"/>
+                <a:cs typeface="Calibri" panose="020F0502020204030204" charset="0"/>
+                <a:sym typeface="+mn-ea"/>
+              </a:rPr>
+              <a:t>6G</a:t>
+            </a:r>
+            <a:r>
+              <a:rPr kumimoji="0" lang="en-US" altLang="zh-CN" sz="1100" b="0" i="0" u="none" strike="noStrike" kern="1200" cap="none" spc="0" normalizeH="0" baseline="0" noProof="0" dirty="0">
+                <a:ln>
+                  <a:noFill/>
+                </a:ln>
+                <a:solidFill>
+                  <a:prstClr val="black"/>
+                </a:solidFill>
+                <a:effectLst/>
+                <a:uLnTx/>
+                <a:uFillTx/>
+                <a:latin typeface="Calibri" panose="020F0502020204030204" charset="0"/>
+                <a:ea typeface="等线" panose="02010600030101010101" pitchFamily="2" charset="-122"/>
+                <a:cs typeface="Calibri" panose="020F0502020204030204" charset="0"/>
+                <a:sym typeface="+mn-ea"/>
+              </a:rPr>
+              <a:t> network applications. This is the future we aim for.</a:t>
+            </a:r>
+          </a:p>
+        </p:txBody>
+      </p:sp>
+      <p:sp>
+        <p:nvSpPr>
+          <p:cNvPr id="14" name="文本框 4">
+            <a:extLst>
+              <a:ext uri="{FF2B5EF4-FFF2-40B4-BE49-F238E27FC236}">
+                <a16:creationId xmlns:a16="http://schemas.microsoft.com/office/drawing/2014/main" id="{617FAB33-2EF1-9416-0A48-E8F7DF225D86}"/>
+              </a:ext>
+            </a:extLst>
+          </p:cNvPr>
+          <p:cNvSpPr txBox="1"/>
+          <p:nvPr>
+            <p:custDataLst>
+              <p:tags r:id="rId1"/>
+            </p:custDataLst>
+          </p:nvPr>
+        </p:nvSpPr>
+        <p:spPr>
+          <a:xfrm>
+            <a:off x="4680088" y="3328896"/>
+            <a:ext cx="2695575" cy="244475"/>
+          </a:xfrm>
+          <a:prstGeom prst="rect">
+            <a:avLst/>
+          </a:prstGeom>
+        </p:spPr>
+        <p:txBody>
+          <a:bodyPr vert="horz" lIns="91440" tIns="45720" rIns="91440" bIns="45720" rtlCol="0">
+            <a:noAutofit/>
+          </a:bodyPr>
+          <a:lstStyle>
+            <a:lvl1pPr indent="0">
+              <a:lnSpc>
+                <a:spcPct val="90000"/>
+              </a:lnSpc>
+              <a:spcBef>
+                <a:spcPts val="1000"/>
+              </a:spcBef>
+              <a:buFont typeface="Arial" panose="020B0604020202020204" pitchFamily="34" charset="0"/>
+              <a:buNone/>
+              <a:defRPr sz="1100"/>
+            </a:lvl1pPr>
+            <a:lvl2pPr marL="685800" indent="-228600">
+              <a:lnSpc>
+                <a:spcPct val="90000"/>
+              </a:lnSpc>
+              <a:spcBef>
+                <a:spcPts val="500"/>
+              </a:spcBef>
+              <a:buFont typeface="Arial" panose="020B0604020202020204" pitchFamily="34" charset="0"/>
+              <a:buChar char="•"/>
+              <a:defRPr sz="2400"/>
+            </a:lvl2pPr>
+            <a:lvl3pPr marL="1143000" indent="-228600">
+              <a:lnSpc>
+                <a:spcPct val="90000"/>
+              </a:lnSpc>
+              <a:spcBef>
+                <a:spcPts val="500"/>
+              </a:spcBef>
+              <a:buFont typeface="Arial" panose="020B0604020202020204" pitchFamily="34" charset="0"/>
+              <a:buChar char="•"/>
+              <a:defRPr sz="2000"/>
+            </a:lvl3pPr>
+            <a:lvl4pPr marL="1600200" indent="-228600">
+              <a:lnSpc>
+                <a:spcPct val="90000"/>
+              </a:lnSpc>
+              <a:spcBef>
+                <a:spcPts val="500"/>
+              </a:spcBef>
+              <a:buFont typeface="Arial" panose="020B0604020202020204" pitchFamily="34" charset="0"/>
+              <a:buChar char="•"/>
+            </a:lvl4pPr>
+            <a:lvl5pPr marL="2057400" indent="-228600">
+              <a:lnSpc>
+                <a:spcPct val="90000"/>
+              </a:lnSpc>
+              <a:spcBef>
+                <a:spcPts val="500"/>
+              </a:spcBef>
+              <a:buFont typeface="Arial" panose="020B0604020202020204" pitchFamily="34" charset="0"/>
+              <a:buChar char="•"/>
+            </a:lvl5pPr>
+            <a:lvl6pPr marL="2514600" indent="-228600">
+              <a:lnSpc>
+                <a:spcPct val="90000"/>
+              </a:lnSpc>
+              <a:spcBef>
+                <a:spcPts val="500"/>
+              </a:spcBef>
+              <a:buFont typeface="Arial" panose="020B0604020202020204" pitchFamily="34" charset="0"/>
+              <a:buChar char="•"/>
+            </a:lvl6pPr>
+            <a:lvl7pPr marL="2971800" indent="-228600">
+              <a:lnSpc>
+                <a:spcPct val="90000"/>
+              </a:lnSpc>
+              <a:spcBef>
+                <a:spcPts val="500"/>
+              </a:spcBef>
+              <a:buFont typeface="Arial" panose="020B0604020202020204" pitchFamily="34" charset="0"/>
+              <a:buChar char="•"/>
+            </a:lvl7pPr>
+            <a:lvl8pPr marL="3429000" indent="-228600">
+              <a:lnSpc>
+                <a:spcPct val="90000"/>
+              </a:lnSpc>
+              <a:spcBef>
+                <a:spcPts val="500"/>
+              </a:spcBef>
+              <a:buFont typeface="Arial" panose="020B0604020202020204" pitchFamily="34" charset="0"/>
+              <a:buChar char="•"/>
+            </a:lvl8pPr>
+            <a:lvl9pPr marL="3886200" indent="-228600">
+              <a:lnSpc>
+                <a:spcPct val="90000"/>
+              </a:lnSpc>
+              <a:spcBef>
+                <a:spcPts val="500"/>
+              </a:spcBef>
+              <a:buFont typeface="Arial" panose="020B0604020202020204" pitchFamily="34" charset="0"/>
+              <a:buChar char="•"/>
+            </a:lvl9pPr>
+          </a:lstStyle>
+          <a:p>
+            <a:pPr marL="0" marR="0" lvl="0" indent="0" algn="ctr" defTabSz="914400" rtl="0" eaLnBrk="1" fontAlgn="auto" latinLnBrk="0" hangingPunct="1">
+              <a:lnSpc>
+                <a:spcPct val="90000"/>
+              </a:lnSpc>
+              <a:spcBef>
+                <a:spcPts val="1000"/>
+              </a:spcBef>
+              <a:spcAft>
+                <a:spcPts val="0"/>
+              </a:spcAft>
+              <a:buClrTx/>
+              <a:buSzTx/>
+              <a:buFont typeface="Arial" panose="020B0604020202020204" pitchFamily="34" charset="0"/>
+              <a:buNone/>
+              <a:tabLst/>
+              <a:defRPr/>
+            </a:pPr>
+            <a:r>
+              <a:rPr kumimoji="0" lang="en-US" altLang="zh-CN" sz="1100" b="1" i="0" u="none" strike="noStrike" kern="1200" cap="none" spc="0" normalizeH="0" baseline="0" noProof="0" dirty="0">
+                <a:ln>
+                  <a:noFill/>
+                </a:ln>
+                <a:solidFill>
+                  <a:srgbClr val="000000"/>
+                </a:solidFill>
+                <a:effectLst/>
+                <a:uLnTx/>
+                <a:uFillTx/>
+                <a:latin typeface="微软雅黑" panose="020B0503020204020204" pitchFamily="34" charset="-122"/>
+                <a:ea typeface="微软雅黑" panose="020B0503020204020204" pitchFamily="34" charset="-122"/>
+                <a:cs typeface="Times New Roman" panose="02020603050405020304" pitchFamily="18" charset="0"/>
+                <a:sym typeface="+mn-ea"/>
+              </a:rPr>
+              <a:t>System Architecture</a:t>
+            </a:r>
+          </a:p>
+        </p:txBody>
+      </p:sp>
+      <p:sp>
+        <p:nvSpPr>
+          <p:cNvPr id="25" name="矩形: 圆角 11">
+            <a:extLst>
+              <a:ext uri="{FF2B5EF4-FFF2-40B4-BE49-F238E27FC236}">
+                <a16:creationId xmlns:a16="http://schemas.microsoft.com/office/drawing/2014/main" id="{60DAD9AF-320E-851F-198B-7DA4B952BA50}"/>
+              </a:ext>
+            </a:extLst>
+          </p:cNvPr>
+          <p:cNvSpPr/>
+          <p:nvPr/>
+        </p:nvSpPr>
+        <p:spPr>
+          <a:xfrm>
+            <a:off x="4328320" y="3730665"/>
+            <a:ext cx="3274725" cy="2909875"/>
+          </a:xfrm>
+          <a:prstGeom prst="roundRect">
+            <a:avLst/>
+          </a:prstGeom>
+          <a:solidFill>
+            <a:schemeClr val="bg1"/>
+          </a:solidFill>
+          <a:effectLst>
+            <a:glow rad="63500">
+              <a:schemeClr val="accent3">
+                <a:satMod val="175000"/>
+                <a:alpha val="40000"/>
+              </a:schemeClr>
+            </a:glow>
+            <a:outerShdw blurRad="50800" dist="38100" dir="10800000" algn="r" rotWithShape="0">
+              <a:prstClr val="black">
+                <a:alpha val="40000"/>
+              </a:prstClr>
+            </a:outerShdw>
+          </a:effectLst>
+        </p:spPr>
+        <p:style>
+          <a:lnRef idx="2">
+            <a:schemeClr val="dk1"/>
+          </a:lnRef>
+          <a:fillRef idx="1">
+            <a:schemeClr val="lt1"/>
+          </a:fillRef>
+          <a:effectRef idx="0">
+            <a:schemeClr val="dk1"/>
+          </a:effectRef>
+          <a:fontRef idx="minor">
+            <a:schemeClr val="dk1"/>
+          </a:fontRef>
+        </p:style>
+        <p:txBody>
+          <a:bodyPr rtlCol="0" anchor="t"/>
+          <a:lstStyle>
+            <a:defPPr>
+              <a:defRPr lang="en-US"/>
+            </a:defPPr>
+            <a:lvl1pPr algn="l" defTabSz="457200" rtl="0" eaLnBrk="0" fontAlgn="base" hangingPunct="0">
+              <a:spcBef>
+                <a:spcPct val="0"/>
+              </a:spcBef>
+              <a:spcAft>
+                <a:spcPct val="0"/>
+              </a:spcAft>
+              <a:defRPr kern="1200">
+                <a:solidFill>
+                  <a:schemeClr val="lt1"/>
+                </a:solidFill>
+                <a:latin typeface="+mn-lt"/>
+                <a:ea typeface="+mn-ea"/>
+                <a:cs typeface="+mn-cs"/>
+              </a:defRPr>
+            </a:lvl1pPr>
+            <a:lvl2pPr marL="457200" algn="l" defTabSz="457200" rtl="0" eaLnBrk="0" fontAlgn="base" hangingPunct="0">
+              <a:spcBef>
+                <a:spcPct val="0"/>
+              </a:spcBef>
+              <a:spcAft>
+                <a:spcPct val="0"/>
+              </a:spcAft>
+              <a:defRPr kern="1200">
+                <a:solidFill>
+                  <a:schemeClr val="lt1"/>
+                </a:solidFill>
+                <a:latin typeface="+mn-lt"/>
+                <a:ea typeface="+mn-ea"/>
+                <a:cs typeface="+mn-cs"/>
+              </a:defRPr>
+            </a:lvl2pPr>
+            <a:lvl3pPr marL="914400" algn="l" defTabSz="457200" rtl="0" eaLnBrk="0" fontAlgn="base" hangingPunct="0">
+              <a:spcBef>
+                <a:spcPct val="0"/>
+              </a:spcBef>
+              <a:spcAft>
+                <a:spcPct val="0"/>
+              </a:spcAft>
+              <a:defRPr kern="1200">
+                <a:solidFill>
+                  <a:schemeClr val="lt1"/>
+                </a:solidFill>
+                <a:latin typeface="+mn-lt"/>
+                <a:ea typeface="+mn-ea"/>
+                <a:cs typeface="+mn-cs"/>
+              </a:defRPr>
+            </a:lvl3pPr>
+            <a:lvl4pPr marL="1371600" algn="l" defTabSz="457200" rtl="0" eaLnBrk="0" fontAlgn="base" hangingPunct="0">
+              <a:spcBef>
+                <a:spcPct val="0"/>
+              </a:spcBef>
+              <a:spcAft>
+                <a:spcPct val="0"/>
+              </a:spcAft>
+              <a:defRPr kern="1200">
+                <a:solidFill>
+                  <a:schemeClr val="lt1"/>
+                </a:solidFill>
+                <a:latin typeface="+mn-lt"/>
+                <a:ea typeface="+mn-ea"/>
+                <a:cs typeface="+mn-cs"/>
+              </a:defRPr>
+            </a:lvl4pPr>
+            <a:lvl5pPr marL="1828800" algn="l" defTabSz="457200" rtl="0" eaLnBrk="0" fontAlgn="base" hangingPunct="0">
+              <a:spcBef>
+                <a:spcPct val="0"/>
+              </a:spcBef>
+              <a:spcAft>
+                <a:spcPct val="0"/>
+              </a:spcAft>
+              <a:defRPr kern="1200">
+                <a:solidFill>
+                  <a:schemeClr val="lt1"/>
+                </a:solidFill>
+                <a:latin typeface="+mn-lt"/>
+                <a:ea typeface="+mn-ea"/>
+                <a:cs typeface="+mn-cs"/>
+              </a:defRPr>
+            </a:lvl5pPr>
+            <a:lvl6pPr marL="2286000" algn="l" defTabSz="914400" rtl="0" eaLnBrk="1" latinLnBrk="0" hangingPunct="1">
+              <a:defRPr kern="1200">
+                <a:solidFill>
+                  <a:schemeClr val="lt1"/>
+                </a:solidFill>
+                <a:latin typeface="+mn-lt"/>
+                <a:ea typeface="+mn-ea"/>
+                <a:cs typeface="+mn-cs"/>
+              </a:defRPr>
+            </a:lvl6pPr>
+            <a:lvl7pPr marL="2743200" algn="l" defTabSz="914400" rtl="0" eaLnBrk="1" latinLnBrk="0" hangingPunct="1">
+              <a:defRPr kern="1200">
+                <a:solidFill>
+                  <a:schemeClr val="lt1"/>
+                </a:solidFill>
+                <a:latin typeface="+mn-lt"/>
+                <a:ea typeface="+mn-ea"/>
+                <a:cs typeface="+mn-cs"/>
+              </a:defRPr>
+            </a:lvl7pPr>
+            <a:lvl8pPr marL="3200400" algn="l" defTabSz="914400" rtl="0" eaLnBrk="1" latinLnBrk="0" hangingPunct="1">
+              <a:defRPr kern="1200">
+                <a:solidFill>
+                  <a:schemeClr val="lt1"/>
+                </a:solidFill>
+                <a:latin typeface="+mn-lt"/>
+                <a:ea typeface="+mn-ea"/>
+                <a:cs typeface="+mn-cs"/>
+              </a:defRPr>
+            </a:lvl8pPr>
+            <a:lvl9pPr marL="3657600" algn="l" defTabSz="914400" rtl="0" eaLnBrk="1" latinLnBrk="0" hangingPunct="1">
+              <a:defRPr kern="1200">
+                <a:solidFill>
+                  <a:schemeClr val="lt1"/>
+                </a:solidFill>
+                <a:latin typeface="+mn-lt"/>
+                <a:ea typeface="+mn-ea"/>
+                <a:cs typeface="+mn-cs"/>
+              </a:defRPr>
+            </a:lvl9pPr>
+          </a:lstStyle>
+          <a:p>
+            <a:pPr marL="0" marR="0" lvl="0" indent="0" algn="ctr" defTabSz="457200" rtl="0" eaLnBrk="0" fontAlgn="base" latinLnBrk="0" hangingPunct="0">
+              <a:lnSpc>
+                <a:spcPct val="100000"/>
+              </a:lnSpc>
+              <a:spcBef>
+                <a:spcPct val="0"/>
+              </a:spcBef>
+              <a:spcAft>
+                <a:spcPts val="1200"/>
+              </a:spcAft>
+              <a:buClrTx/>
+              <a:buSzTx/>
+              <a:buFontTx/>
+              <a:buNone/>
+              <a:tabLst/>
+              <a:defRPr/>
+            </a:pPr>
+            <a:r>
+              <a:rPr lang="en-US" altLang="zh-CN" sz="1100" b="1" dirty="0">
+                <a:solidFill>
+                  <a:schemeClr val="tx1"/>
+                </a:solidFill>
+                <a:latin typeface="微软雅黑" panose="020B0503020204020204" pitchFamily="34" charset="-122"/>
+                <a:ea typeface="微软雅黑" panose="020B0503020204020204" pitchFamily="34" charset="-122"/>
+              </a:rPr>
+              <a:t>H</a:t>
+            </a:r>
+            <a:r>
+              <a:rPr kumimoji="0" lang="en-US" altLang="zh-CN" sz="1100" b="1" i="0" u="none" strike="noStrike" kern="1200" cap="none" spc="0" normalizeH="0" baseline="0" noProof="0" dirty="0" err="1">
+                <a:ln>
+                  <a:noFill/>
+                </a:ln>
+                <a:solidFill>
+                  <a:schemeClr val="tx1"/>
+                </a:solidFill>
+                <a:effectLst/>
+                <a:uLnTx/>
+                <a:uFillTx/>
+                <a:latin typeface="微软雅黑" panose="020B0503020204020204" pitchFamily="34" charset="-122"/>
+                <a:ea typeface="微软雅黑" panose="020B0503020204020204" pitchFamily="34" charset="-122"/>
+              </a:rPr>
+              <a:t>ighlights</a:t>
+            </a:r>
+            <a:r>
+              <a:rPr kumimoji="0" lang="en-US" altLang="zh-CN" sz="1100" b="1" i="0" u="none" strike="noStrike" kern="1200" cap="none" spc="0" normalizeH="0" baseline="0" noProof="0" dirty="0">
+                <a:ln>
+                  <a:noFill/>
+                </a:ln>
+                <a:solidFill>
+                  <a:schemeClr val="tx1"/>
+                </a:solidFill>
+                <a:effectLst/>
+                <a:uLnTx/>
+                <a:uFillTx/>
+                <a:latin typeface="微软雅黑" panose="020B0503020204020204" pitchFamily="34" charset="-122"/>
+                <a:ea typeface="微软雅黑" panose="020B0503020204020204" pitchFamily="34" charset="-122"/>
+              </a:rPr>
+              <a:t> </a:t>
+            </a:r>
+            <a:r>
+              <a:rPr lang="en-US" altLang="zh-CN" sz="1100" b="1" dirty="0">
+                <a:solidFill>
+                  <a:schemeClr val="tx1"/>
+                </a:solidFill>
+                <a:latin typeface="微软雅黑" panose="020B0503020204020204" pitchFamily="34" charset="-122"/>
+                <a:ea typeface="微软雅黑" panose="020B0503020204020204" pitchFamily="34" charset="-122"/>
+              </a:rPr>
+              <a:t>&amp; I</a:t>
+            </a:r>
+            <a:r>
+              <a:rPr kumimoji="0" lang="en-US" altLang="zh-CN" sz="1100" b="1" i="0" u="none" strike="noStrike" kern="1200" cap="none" spc="0" normalizeH="0" baseline="0" noProof="0" dirty="0" err="1">
+                <a:ln>
+                  <a:noFill/>
+                </a:ln>
+                <a:solidFill>
+                  <a:schemeClr val="tx1"/>
+                </a:solidFill>
+                <a:effectLst/>
+                <a:uLnTx/>
+                <a:uFillTx/>
+                <a:latin typeface="微软雅黑" panose="020B0503020204020204" pitchFamily="34" charset="-122"/>
+                <a:ea typeface="微软雅黑" panose="020B0503020204020204" pitchFamily="34" charset="-122"/>
+              </a:rPr>
+              <a:t>nnovations</a:t>
+            </a:r>
+            <a:endParaRPr kumimoji="0" lang="en-US" altLang="zh-CN" sz="1100" b="1" i="0" u="none" strike="noStrike" kern="1200" cap="none" spc="0" normalizeH="0" baseline="0" noProof="0" dirty="0">
+              <a:ln>
+                <a:noFill/>
+              </a:ln>
+              <a:solidFill>
+                <a:schemeClr val="tx1"/>
+              </a:solidFill>
+              <a:effectLst/>
+              <a:uLnTx/>
+              <a:uFillTx/>
+              <a:latin typeface="微软雅黑" panose="020B0503020204020204" pitchFamily="34" charset="-122"/>
+              <a:ea typeface="微软雅黑" panose="020B0503020204020204" pitchFamily="34" charset="-122"/>
+            </a:endParaRPr>
+          </a:p>
+          <a:p>
+            <a:pPr marL="171450" lvl="0" indent="-171450">
+              <a:buSzPct val="90000"/>
+              <a:buFont typeface="Wingdings" panose="05000000000000000000" pitchFamily="2" charset="2"/>
+              <a:buChar char="«"/>
+              <a:defRPr/>
+            </a:pPr>
+            <a:r>
+              <a:rPr lang="en-US" altLang="zh-CN" sz="1100" b="1" dirty="0">
+                <a:solidFill>
+                  <a:schemeClr val="tx1"/>
+                </a:solidFill>
+                <a:latin typeface="Calibri "/>
+              </a:rPr>
+              <a:t>Optimized Crossbar Design</a:t>
+            </a:r>
+            <a:r>
+              <a:rPr lang="en-US" altLang="zh-CN" sz="1100" dirty="0">
+                <a:solidFill>
+                  <a:schemeClr val="tx1"/>
+                </a:solidFill>
+                <a:latin typeface="Calibri "/>
+              </a:rPr>
+              <a:t>: Resolves key inefficiencies of traditional switches.</a:t>
+            </a:r>
+          </a:p>
+          <a:p>
+            <a:pPr marL="171450" lvl="0" indent="-171450">
+              <a:buSzPct val="90000"/>
+              <a:buFont typeface="Wingdings" panose="05000000000000000000" pitchFamily="2" charset="2"/>
+              <a:buChar char="«"/>
+              <a:defRPr/>
+            </a:pPr>
+            <a:r>
+              <a:rPr lang="en-US" altLang="zh-CN" sz="1100" b="1" dirty="0">
+                <a:solidFill>
+                  <a:schemeClr val="tx1"/>
+                </a:solidFill>
+                <a:latin typeface="Calibri "/>
+              </a:rPr>
+              <a:t>Efficient Priority Queues</a:t>
+            </a:r>
+            <a:r>
+              <a:rPr lang="en-US" altLang="zh-CN" sz="1100" dirty="0">
+                <a:solidFill>
+                  <a:schemeClr val="tx1"/>
+                </a:solidFill>
+                <a:latin typeface="Calibri "/>
+              </a:rPr>
+              <a:t>: Reduces resource use with jump table optimization.</a:t>
+            </a:r>
+          </a:p>
+          <a:p>
+            <a:pPr marL="171450" lvl="0" indent="-171450">
+              <a:buSzPct val="90000"/>
+              <a:buFont typeface="Wingdings" panose="05000000000000000000" pitchFamily="2" charset="2"/>
+              <a:buChar char="«"/>
+              <a:defRPr/>
+            </a:pPr>
+            <a:r>
+              <a:rPr lang="en-US" altLang="zh-CN" sz="1100" b="1" dirty="0">
+                <a:solidFill>
+                  <a:schemeClr val="tx1"/>
+                </a:solidFill>
+                <a:latin typeface="Calibri "/>
+              </a:rPr>
+              <a:t>Advanced Read-Write</a:t>
+            </a:r>
+            <a:r>
+              <a:rPr lang="en-US" altLang="zh-CN" sz="1100" dirty="0">
+                <a:solidFill>
+                  <a:schemeClr val="tx1"/>
+                </a:solidFill>
+                <a:latin typeface="Calibri "/>
+              </a:rPr>
+              <a:t>: Supports fast splicing, breakpoint resumption, and packet-level operations.</a:t>
+            </a:r>
+          </a:p>
+          <a:p>
+            <a:pPr marL="171450" lvl="0" indent="-171450">
+              <a:buSzPct val="90000"/>
+              <a:buFont typeface="Wingdings" panose="05000000000000000000" pitchFamily="2" charset="2"/>
+              <a:buChar char="«"/>
+              <a:defRPr/>
+            </a:pPr>
+            <a:r>
+              <a:rPr lang="en-US" altLang="zh-CN" sz="1100" b="1" dirty="0">
+                <a:solidFill>
+                  <a:schemeClr val="tx1"/>
+                </a:solidFill>
+                <a:latin typeface="Calibri "/>
+              </a:rPr>
+              <a:t>Dynamic Allocation</a:t>
+            </a:r>
+            <a:r>
+              <a:rPr lang="en-US" altLang="zh-CN" sz="1100" dirty="0">
+                <a:solidFill>
+                  <a:schemeClr val="tx1"/>
+                </a:solidFill>
+                <a:latin typeface="Calibri "/>
+              </a:rPr>
+              <a:t>: Integrates dynamic and static resource matching for flexibility.</a:t>
+            </a:r>
+          </a:p>
+          <a:p>
+            <a:pPr marL="171450" lvl="0" indent="-171450">
+              <a:buSzPct val="90000"/>
+              <a:buFont typeface="Wingdings" panose="05000000000000000000" pitchFamily="2" charset="2"/>
+              <a:buChar char="«"/>
+              <a:defRPr/>
+            </a:pPr>
+            <a:r>
+              <a:rPr lang="en-US" altLang="zh-CN" sz="1100" b="1" dirty="0">
+                <a:solidFill>
+                  <a:schemeClr val="tx1"/>
+                </a:solidFill>
+                <a:latin typeface="Calibri "/>
+              </a:rPr>
+              <a:t>Reliable Data Handling</a:t>
+            </a:r>
+            <a:r>
+              <a:rPr lang="en-US" altLang="zh-CN" sz="1100" dirty="0">
+                <a:solidFill>
+                  <a:schemeClr val="tx1"/>
+                </a:solidFill>
+                <a:latin typeface="Calibri "/>
+              </a:rPr>
+              <a:t>: Ensures efficiency with optimized encoding-decoding and low-complexity WRR.</a:t>
+            </a:r>
+            <a:br>
+              <a:rPr kumimoji="0" lang="en-US" altLang="zh-CN" sz="1200" b="0" i="0" u="none" strike="noStrike" kern="1200" cap="none" spc="0" normalizeH="0" baseline="0" noProof="0" dirty="0">
+                <a:ln>
+                  <a:noFill/>
+                </a:ln>
+                <a:solidFill>
+                  <a:schemeClr val="tx1"/>
+                </a:solidFill>
+                <a:effectLst/>
+                <a:uLnTx/>
+                <a:uFillTx/>
+                <a:latin typeface="Calibri" panose="020F0502020204030204"/>
+                <a:ea typeface="等线" panose="02010600030101010101" pitchFamily="2" charset="-122"/>
+                <a:cs typeface="+mn-cs"/>
+              </a:rPr>
+            </a:br>
+            <a:endParaRPr kumimoji="0" lang="en-US" altLang="zh-CN" sz="1200" b="0" i="0" u="none" strike="noStrike" kern="1200" cap="none" spc="0" normalizeH="0" baseline="0" noProof="0" dirty="0">
+              <a:ln>
+                <a:noFill/>
+              </a:ln>
+              <a:solidFill>
+                <a:schemeClr val="tx1"/>
+              </a:solidFill>
+              <a:effectLst/>
+              <a:uLnTx/>
+              <a:uFillTx/>
+              <a:latin typeface="Calibri" panose="020F0502020204030204"/>
+              <a:ea typeface="等线" panose="02010600030101010101" pitchFamily="2" charset="-122"/>
+              <a:cs typeface="+mn-cs"/>
+            </a:endParaRPr>
+          </a:p>
+        </p:txBody>
+      </p:sp>
+      <p:pic>
+        <p:nvPicPr>
+          <p:cNvPr id="23" name="图片 22">
+            <a:extLst>
+              <a:ext uri="{FF2B5EF4-FFF2-40B4-BE49-F238E27FC236}">
+                <a16:creationId xmlns:a16="http://schemas.microsoft.com/office/drawing/2014/main" id="{718EB1F4-A057-CB30-E7E0-F867C268F135}"/>
+              </a:ext>
+            </a:extLst>
+          </p:cNvPr>
+          <p:cNvPicPr>
+            <a:picLocks noChangeAspect="1"/>
+          </p:cNvPicPr>
+          <p:nvPr/>
+        </p:nvPicPr>
+        <p:blipFill>
+          <a:blip r:embed="rId6">
+            <a:extLst>
+              <a:ext uri="{28A0092B-C50C-407E-A947-70E740481C1C}">
+                <a14:useLocalDpi xmlns:a14="http://schemas.microsoft.com/office/drawing/2010/main" val="0"/>
+              </a:ext>
+            </a:extLst>
+          </a:blip>
+          <a:stretch>
+            <a:fillRect/>
+          </a:stretch>
+        </p:blipFill>
+        <p:spPr>
+          <a:xfrm>
+            <a:off x="9089263" y="125783"/>
+            <a:ext cx="711592" cy="711592"/>
+          </a:xfrm>
+          <a:prstGeom prst="rect">
+            <a:avLst/>
+          </a:prstGeom>
+        </p:spPr>
+      </p:pic>
+      <p:pic>
+        <p:nvPicPr>
+          <p:cNvPr id="28" name="图片 27">
+            <a:extLst>
+              <a:ext uri="{FF2B5EF4-FFF2-40B4-BE49-F238E27FC236}">
+                <a16:creationId xmlns:a16="http://schemas.microsoft.com/office/drawing/2014/main" id="{A48D2BCC-058C-5FC6-AE1E-2CE4B1A3BB17}"/>
+              </a:ext>
+            </a:extLst>
+          </p:cNvPr>
+          <p:cNvPicPr>
+            <a:picLocks noChangeAspect="1"/>
+          </p:cNvPicPr>
+          <p:nvPr/>
+        </p:nvPicPr>
+        <p:blipFill>
+          <a:blip r:embed="rId7">
+            <a:extLst>
+              <a:ext uri="{28A0092B-C50C-407E-A947-70E740481C1C}">
+                <a14:useLocalDpi xmlns:a14="http://schemas.microsoft.com/office/drawing/2010/main" val="0"/>
+              </a:ext>
+            </a:extLst>
+          </a:blip>
+          <a:stretch>
+            <a:fillRect/>
+          </a:stretch>
+        </p:blipFill>
+        <p:spPr>
+          <a:xfrm>
+            <a:off x="10099497" y="137732"/>
+            <a:ext cx="1890043" cy="1417933"/>
+          </a:xfrm>
+          <a:prstGeom prst="rect">
+            <a:avLst/>
+          </a:prstGeom>
+          <a:effectLst>
+            <a:outerShdw blurRad="63500" sx="102000" sy="102000" algn="ctr" rotWithShape="0">
+              <a:prstClr val="black">
+                <a:alpha val="40000"/>
+              </a:prstClr>
+            </a:outerShdw>
+          </a:effectLst>
+        </p:spPr>
+      </p:pic>
+      <p:pic>
+        <p:nvPicPr>
+          <p:cNvPr id="59" name="图形 58" descr="计算机">
+            <a:extLst>
+              <a:ext uri="{FF2B5EF4-FFF2-40B4-BE49-F238E27FC236}">
+                <a16:creationId xmlns:a16="http://schemas.microsoft.com/office/drawing/2014/main" id="{E5F93F1D-1BCF-06DB-8EEF-FB9589166E87}"/>
+              </a:ext>
+            </a:extLst>
+          </p:cNvPr>
+          <p:cNvPicPr>
+            <a:picLocks noChangeAspect="1"/>
+          </p:cNvPicPr>
+          <p:nvPr/>
+        </p:nvPicPr>
+        <p:blipFill>
+          <a:blip r:embed="rId8">
+            <a:extLst>
+              <a:ext uri="{96DAC541-7B7A-43D3-8B79-37D633B846F1}">
+                <asvg:svgBlip xmlns:asvg="http://schemas.microsoft.com/office/drawing/2016/SVG/main" r:embed="rId9"/>
+              </a:ext>
+            </a:extLst>
+          </a:blip>
+          <a:stretch>
+            <a:fillRect/>
+          </a:stretch>
+        </p:blipFill>
+        <p:spPr>
+          <a:xfrm>
+            <a:off x="780099" y="2399249"/>
+            <a:ext cx="617955" cy="617955"/>
+          </a:xfrm>
+          <a:prstGeom prst="rect">
+            <a:avLst/>
+          </a:prstGeom>
+        </p:spPr>
+      </p:pic>
+      <p:cxnSp>
+        <p:nvCxnSpPr>
+          <p:cNvPr id="61" name="直接箭头连接符 60">
+            <a:extLst>
+              <a:ext uri="{FF2B5EF4-FFF2-40B4-BE49-F238E27FC236}">
+                <a16:creationId xmlns:a16="http://schemas.microsoft.com/office/drawing/2014/main" id="{2F5B2B46-23BE-34B5-DD58-3A1B565A86B7}"/>
+              </a:ext>
+            </a:extLst>
+          </p:cNvPr>
+          <p:cNvCxnSpPr/>
+          <p:nvPr/>
+        </p:nvCxnSpPr>
+        <p:spPr>
+          <a:xfrm>
+            <a:off x="1490366" y="2691292"/>
+            <a:ext cx="374650" cy="0"/>
+          </a:xfrm>
+          <a:prstGeom prst="straightConnector1">
+            <a:avLst/>
+          </a:prstGeom>
+          <a:ln w="9525">
+            <a:solidFill>
+              <a:schemeClr val="tx1"/>
+            </a:solidFill>
+            <a:tailEnd type="triangle"/>
+          </a:ln>
+        </p:spPr>
+        <p:style>
+          <a:lnRef idx="1">
+            <a:schemeClr val="dk1"/>
+          </a:lnRef>
+          <a:fillRef idx="0">
+            <a:schemeClr val="dk1"/>
+          </a:fillRef>
+          <a:effectRef idx="0">
+            <a:schemeClr val="dk1"/>
+          </a:effectRef>
+          <a:fontRef idx="minor">
+            <a:schemeClr val="tx1"/>
+          </a:fontRef>
+        </p:style>
+      </p:cxnSp>
+      <p:pic>
+        <p:nvPicPr>
+          <p:cNvPr id="62" name="图形 61" descr="计算机">
+            <a:extLst>
+              <a:ext uri="{FF2B5EF4-FFF2-40B4-BE49-F238E27FC236}">
+                <a16:creationId xmlns:a16="http://schemas.microsoft.com/office/drawing/2014/main" id="{BDC5FE43-5988-01E8-6E0C-682CD5E6ADE0}"/>
+              </a:ext>
+            </a:extLst>
+          </p:cNvPr>
+          <p:cNvPicPr>
+            <a:picLocks noChangeAspect="1"/>
+          </p:cNvPicPr>
+          <p:nvPr/>
+        </p:nvPicPr>
+        <p:blipFill>
+          <a:blip r:embed="rId8">
+            <a:extLst>
+              <a:ext uri="{96DAC541-7B7A-43D3-8B79-37D633B846F1}">
+                <asvg:svgBlip xmlns:asvg="http://schemas.microsoft.com/office/drawing/2016/SVG/main" r:embed="rId9"/>
+              </a:ext>
+            </a:extLst>
+          </a:blip>
+          <a:stretch>
+            <a:fillRect/>
+          </a:stretch>
+        </p:blipFill>
+        <p:spPr>
+          <a:xfrm>
+            <a:off x="2860163" y="2399249"/>
+            <a:ext cx="617955" cy="617955"/>
+          </a:xfrm>
+          <a:prstGeom prst="rect">
+            <a:avLst/>
+          </a:prstGeom>
+        </p:spPr>
+      </p:pic>
+      <p:pic>
+        <p:nvPicPr>
+          <p:cNvPr id="64" name="图形 63" descr="服务器">
+            <a:extLst>
+              <a:ext uri="{FF2B5EF4-FFF2-40B4-BE49-F238E27FC236}">
+                <a16:creationId xmlns:a16="http://schemas.microsoft.com/office/drawing/2014/main" id="{95E8C902-E98F-DF11-8AA7-9DC716A00E57}"/>
+              </a:ext>
+            </a:extLst>
+          </p:cNvPr>
+          <p:cNvPicPr>
+            <a:picLocks noChangeAspect="1"/>
+          </p:cNvPicPr>
+          <p:nvPr/>
+        </p:nvPicPr>
+        <p:blipFill>
+          <a:blip r:embed="rId10">
+            <a:extLst>
+              <a:ext uri="{96DAC541-7B7A-43D3-8B79-37D633B846F1}">
+                <asvg:svgBlip xmlns:asvg="http://schemas.microsoft.com/office/drawing/2016/SVG/main" r:embed="rId11"/>
+              </a:ext>
+            </a:extLst>
+          </a:blip>
+          <a:stretch>
+            <a:fillRect/>
+          </a:stretch>
+        </p:blipFill>
+        <p:spPr>
+          <a:xfrm>
+            <a:off x="1864553" y="2426041"/>
+            <a:ext cx="557767" cy="557767"/>
+          </a:xfrm>
+          <a:prstGeom prst="rect">
+            <a:avLst/>
+          </a:prstGeom>
+        </p:spPr>
+      </p:pic>
+      <p:cxnSp>
+        <p:nvCxnSpPr>
+          <p:cNvPr id="65" name="直接箭头连接符 64">
+            <a:extLst>
+              <a:ext uri="{FF2B5EF4-FFF2-40B4-BE49-F238E27FC236}">
+                <a16:creationId xmlns:a16="http://schemas.microsoft.com/office/drawing/2014/main" id="{718BF7AA-2AE1-8438-92B5-385277DE8EC2}"/>
+              </a:ext>
+            </a:extLst>
+          </p:cNvPr>
+          <p:cNvCxnSpPr/>
+          <p:nvPr/>
+        </p:nvCxnSpPr>
+        <p:spPr>
+          <a:xfrm>
+            <a:off x="2401137" y="2691292"/>
+            <a:ext cx="374650" cy="0"/>
+          </a:xfrm>
+          <a:prstGeom prst="straightConnector1">
+            <a:avLst/>
+          </a:prstGeom>
+          <a:ln w="9525">
+            <a:solidFill>
+              <a:schemeClr val="tx1"/>
+            </a:solidFill>
+            <a:tailEnd type="triangle"/>
+          </a:ln>
+        </p:spPr>
+        <p:style>
+          <a:lnRef idx="1">
+            <a:schemeClr val="dk1"/>
+          </a:lnRef>
+          <a:fillRef idx="0">
+            <a:schemeClr val="dk1"/>
+          </a:fillRef>
+          <a:effectRef idx="0">
+            <a:schemeClr val="dk1"/>
+          </a:effectRef>
+          <a:fontRef idx="minor">
+            <a:schemeClr val="tx1"/>
+          </a:fontRef>
+        </p:style>
+      </p:cxnSp>
+      <p:sp>
+        <p:nvSpPr>
+          <p:cNvPr id="66" name="文本框 65">
+            <a:extLst>
+              <a:ext uri="{FF2B5EF4-FFF2-40B4-BE49-F238E27FC236}">
+                <a16:creationId xmlns:a16="http://schemas.microsoft.com/office/drawing/2014/main" id="{ADF94D59-D955-2476-86E7-D46C3A805B09}"/>
+              </a:ext>
+            </a:extLst>
+          </p:cNvPr>
+          <p:cNvSpPr txBox="1"/>
+          <p:nvPr/>
+        </p:nvSpPr>
+        <p:spPr>
+          <a:xfrm>
+            <a:off x="1446126" y="2491365"/>
+            <a:ext cx="508872" cy="246221"/>
+          </a:xfrm>
+          <a:prstGeom prst="rect">
+            <a:avLst/>
+          </a:prstGeom>
+          <a:noFill/>
+        </p:spPr>
+        <p:txBody>
+          <a:bodyPr wrap="square" rtlCol="0">
+            <a:spAutoFit/>
+          </a:bodyPr>
+          <a:lstStyle/>
+          <a:p>
+            <a:r>
+              <a:rPr lang="en-US" altLang="zh-CN" sz="1000" dirty="0">
+                <a:solidFill>
+                  <a:schemeClr val="bg2">
+                    <a:lumMod val="50000"/>
+                  </a:schemeClr>
+                </a:solidFill>
+                <a:latin typeface="Calibri "/>
+              </a:rPr>
+              <a:t>Data</a:t>
+            </a:r>
+            <a:endParaRPr lang="zh-CN" altLang="en-US" sz="1000" dirty="0">
+              <a:solidFill>
+                <a:schemeClr val="bg2">
+                  <a:lumMod val="50000"/>
+                </a:schemeClr>
+              </a:solidFill>
+              <a:latin typeface="Calibri "/>
+            </a:endParaRPr>
+          </a:p>
+        </p:txBody>
+      </p:sp>
+      <p:sp>
+        <p:nvSpPr>
+          <p:cNvPr id="67" name="文本框 66">
+            <a:extLst>
+              <a:ext uri="{FF2B5EF4-FFF2-40B4-BE49-F238E27FC236}">
+                <a16:creationId xmlns:a16="http://schemas.microsoft.com/office/drawing/2014/main" id="{80998501-EB8F-F9E9-5ACF-E337D8764492}"/>
+              </a:ext>
+            </a:extLst>
+          </p:cNvPr>
+          <p:cNvSpPr txBox="1"/>
+          <p:nvPr/>
+        </p:nvSpPr>
+        <p:spPr>
+          <a:xfrm>
+            <a:off x="2350464" y="2491365"/>
+            <a:ext cx="508872" cy="246221"/>
+          </a:xfrm>
+          <a:prstGeom prst="rect">
+            <a:avLst/>
+          </a:prstGeom>
+          <a:noFill/>
+        </p:spPr>
+        <p:txBody>
+          <a:bodyPr wrap="square" rtlCol="0">
+            <a:spAutoFit/>
+          </a:bodyPr>
+          <a:lstStyle/>
+          <a:p>
+            <a:r>
+              <a:rPr lang="en-US" altLang="zh-CN" sz="1000" dirty="0">
+                <a:solidFill>
+                  <a:schemeClr val="bg2">
+                    <a:lumMod val="50000"/>
+                  </a:schemeClr>
+                </a:solidFill>
+                <a:latin typeface="Calibri "/>
+              </a:rPr>
+              <a:t>Data</a:t>
+            </a:r>
+            <a:endParaRPr lang="zh-CN" altLang="en-US" sz="1000" dirty="0">
+              <a:solidFill>
+                <a:schemeClr val="bg2">
+                  <a:lumMod val="50000"/>
+                </a:schemeClr>
+              </a:solidFill>
+              <a:latin typeface="Calibri "/>
+            </a:endParaRPr>
+          </a:p>
+        </p:txBody>
+      </p:sp>
+      <p:sp>
+        <p:nvSpPr>
+          <p:cNvPr id="69" name="文本框 68">
+            <a:extLst>
+              <a:ext uri="{FF2B5EF4-FFF2-40B4-BE49-F238E27FC236}">
+                <a16:creationId xmlns:a16="http://schemas.microsoft.com/office/drawing/2014/main" id="{01EF60F5-E8D1-CA21-F20E-5EB9D3287F53}"/>
+              </a:ext>
+            </a:extLst>
+          </p:cNvPr>
+          <p:cNvSpPr txBox="1"/>
+          <p:nvPr/>
+        </p:nvSpPr>
+        <p:spPr>
+          <a:xfrm>
+            <a:off x="1868369" y="2922255"/>
+            <a:ext cx="578797" cy="246221"/>
+          </a:xfrm>
+          <a:prstGeom prst="rect">
+            <a:avLst/>
+          </a:prstGeom>
+          <a:noFill/>
+        </p:spPr>
+        <p:txBody>
+          <a:bodyPr wrap="square" rtlCol="0">
+            <a:spAutoFit/>
+          </a:bodyPr>
+          <a:lstStyle/>
+          <a:p>
+            <a:r>
+              <a:rPr lang="en-US" altLang="zh-CN" sz="1000" b="1" dirty="0">
+                <a:latin typeface="Calibri "/>
+              </a:rPr>
+              <a:t>Switch</a:t>
+            </a:r>
+            <a:endParaRPr lang="zh-CN" altLang="en-US" sz="1000" b="1" dirty="0">
+              <a:latin typeface="Calibri "/>
+            </a:endParaRPr>
+          </a:p>
+        </p:txBody>
+      </p:sp>
+      <p:sp>
+        <p:nvSpPr>
+          <p:cNvPr id="70" name="文本框 69">
+            <a:extLst>
+              <a:ext uri="{FF2B5EF4-FFF2-40B4-BE49-F238E27FC236}">
+                <a16:creationId xmlns:a16="http://schemas.microsoft.com/office/drawing/2014/main" id="{A75456F5-28B0-1EEB-14E4-5E4640A1DC0F}"/>
+              </a:ext>
+            </a:extLst>
+          </p:cNvPr>
+          <p:cNvSpPr txBox="1"/>
+          <p:nvPr/>
+        </p:nvSpPr>
+        <p:spPr>
+          <a:xfrm>
+            <a:off x="928100" y="2918022"/>
+            <a:ext cx="381685" cy="246221"/>
+          </a:xfrm>
+          <a:prstGeom prst="rect">
+            <a:avLst/>
+          </a:prstGeom>
+          <a:noFill/>
+        </p:spPr>
+        <p:txBody>
+          <a:bodyPr wrap="square" rtlCol="0">
+            <a:spAutoFit/>
+          </a:bodyPr>
+          <a:lstStyle/>
+          <a:p>
+            <a:r>
+              <a:rPr lang="en-US" altLang="zh-CN" sz="1000" b="1" dirty="0">
+                <a:latin typeface="Calibri "/>
+              </a:rPr>
+              <a:t>PC</a:t>
+            </a:r>
+            <a:endParaRPr lang="zh-CN" altLang="en-US" sz="1000" b="1" dirty="0">
+              <a:latin typeface="Calibri "/>
+            </a:endParaRPr>
+          </a:p>
+        </p:txBody>
+      </p:sp>
+      <p:sp>
+        <p:nvSpPr>
+          <p:cNvPr id="71" name="文本框 70">
+            <a:extLst>
+              <a:ext uri="{FF2B5EF4-FFF2-40B4-BE49-F238E27FC236}">
+                <a16:creationId xmlns:a16="http://schemas.microsoft.com/office/drawing/2014/main" id="{FF22CF3A-106E-2856-6CAC-70D0E7893A94}"/>
+              </a:ext>
+            </a:extLst>
+          </p:cNvPr>
+          <p:cNvSpPr txBox="1"/>
+          <p:nvPr/>
+        </p:nvSpPr>
+        <p:spPr>
+          <a:xfrm>
+            <a:off x="3068063" y="2918022"/>
+            <a:ext cx="381685" cy="246221"/>
+          </a:xfrm>
+          <a:prstGeom prst="rect">
+            <a:avLst/>
+          </a:prstGeom>
+          <a:noFill/>
+        </p:spPr>
+        <p:txBody>
+          <a:bodyPr wrap="square" rtlCol="0">
+            <a:spAutoFit/>
+          </a:bodyPr>
+          <a:lstStyle/>
+          <a:p>
+            <a:r>
+              <a:rPr lang="en-US" altLang="zh-CN" sz="1000" b="1" dirty="0">
+                <a:latin typeface="Calibri "/>
+              </a:rPr>
+              <a:t>PC</a:t>
+            </a:r>
+            <a:endParaRPr lang="zh-CN" altLang="en-US" sz="1000" b="1" dirty="0">
+              <a:latin typeface="Calibri "/>
+            </a:endParaRPr>
+          </a:p>
+        </p:txBody>
+      </p:sp>
+      <p:sp>
+        <p:nvSpPr>
+          <p:cNvPr id="117" name="等腰三角形 116">
+            <a:extLst>
+              <a:ext uri="{FF2B5EF4-FFF2-40B4-BE49-F238E27FC236}">
+                <a16:creationId xmlns:a16="http://schemas.microsoft.com/office/drawing/2014/main" id="{A2309092-DD9B-960A-21F8-77453EF2849F}"/>
+              </a:ext>
+            </a:extLst>
+          </p:cNvPr>
+          <p:cNvSpPr/>
+          <p:nvPr/>
+        </p:nvSpPr>
+        <p:spPr>
+          <a:xfrm rot="2242582">
+            <a:off x="6705338" y="495254"/>
+            <a:ext cx="1084569" cy="608702"/>
+          </a:xfrm>
+          <a:prstGeom prst="triangle">
+            <a:avLst>
+              <a:gd name="adj" fmla="val 51811"/>
+            </a:avLst>
+          </a:prstGeom>
+          <a:solidFill>
+            <a:schemeClr val="bg1"/>
+          </a:solidFill>
+          <a:ln>
+            <a:solidFill>
+              <a:schemeClr val="bg1"/>
+            </a:solidFill>
+          </a:ln>
+        </p:spPr>
+        <p:style>
+          <a:lnRef idx="2">
+            <a:schemeClr val="accent1">
+              <a:shade val="15000"/>
+            </a:schemeClr>
+          </a:lnRef>
+          <a:fillRef idx="1">
+            <a:schemeClr val="accent1"/>
+          </a:fillRef>
+          <a:effectRef idx="0">
+            <a:schemeClr val="accent1"/>
+          </a:effectRef>
+          <a:fontRef idx="minor">
+            <a:schemeClr val="lt1"/>
+          </a:fontRef>
+        </p:style>
+        <p:txBody>
+          <a:bodyPr rtlCol="0" anchor="ctr"/>
+          <a:lstStyle/>
+          <a:p>
+            <a:pPr algn="ctr"/>
+            <a:endParaRPr lang="zh-CN" altLang="en-US" dirty="0"/>
+          </a:p>
+        </p:txBody>
+      </p:sp>
+    </p:spTree>
+    <p:extLst>
+      <p:ext uri="{BB962C8B-B14F-4D97-AF65-F5344CB8AC3E}">
+        <p14:creationId xmlns:p14="http://schemas.microsoft.com/office/powerpoint/2010/main" val="302767983"/>
+      </p:ext>
+    </p:extLst>
+  </p:cSld>
+  <p:clrMapOvr>
+    <a:masterClrMapping/>
+  </p:clrMapOvr>
+</p:sld>
+</file>
+
 <file path=ppt/tags/tag1.xml><?xml version="1.0" encoding="utf-8"?>
+<p:tagLst xmlns:a="http://schemas.openxmlformats.org/drawingml/2006/main" xmlns:r="http://schemas.openxmlformats.org/officeDocument/2006/relationships" xmlns:p="http://schemas.openxmlformats.org/presentationml/2006/main">
+  <p:tag name="KSO_WM_BEAUTIFY_FLAG" val=""/>
+</p:tagLst>
+</file>
+
+<file path=ppt/tags/tag2.xml><?xml version="1.0" encoding="utf-8"?>
 <p:tagLst xmlns:a="http://schemas.openxmlformats.org/drawingml/2006/main" xmlns:r="http://schemas.openxmlformats.org/officeDocument/2006/relationships" xmlns:p="http://schemas.openxmlformats.org/presentationml/2006/main">
   <p:tag name="KSO_WM_BEAUTIFY_FLAG" val=""/>
 </p:tagLst>
@@ -14652,6 +20354,301 @@
 </a:theme>
 </file>
 
+<file path=ppt/theme/theme3.xml><?xml version="1.0" encoding="utf-8"?>
+<a:theme xmlns:a="http://schemas.openxmlformats.org/drawingml/2006/main" name="Office 主题​​">
+  <a:themeElements>
+    <a:clrScheme name="Office">
+      <a:dk1>
+        <a:sysClr val="windowText" lastClr="000000"/>
+      </a:dk1>
+      <a:lt1>
+        <a:sysClr val="window" lastClr="FFFFFF"/>
+      </a:lt1>
+      <a:dk2>
+        <a:srgbClr val="44546A"/>
+      </a:dk2>
+      <a:lt2>
+        <a:srgbClr val="E7E6E6"/>
+      </a:lt2>
+      <a:accent1>
+        <a:srgbClr val="4472C4"/>
+      </a:accent1>
+      <a:accent2>
+        <a:srgbClr val="ED7D31"/>
+      </a:accent2>
+      <a:accent3>
+        <a:srgbClr val="A5A5A5"/>
+      </a:accent3>
+      <a:accent4>
+        <a:srgbClr val="FFC000"/>
+      </a:accent4>
+      <a:accent5>
+        <a:srgbClr val="5B9BD5"/>
+      </a:accent5>
+      <a:accent6>
+        <a:srgbClr val="70AD47"/>
+      </a:accent6>
+      <a:hlink>
+        <a:srgbClr val="0563C1"/>
+      </a:hlink>
+      <a:folHlink>
+        <a:srgbClr val="954F72"/>
+      </a:folHlink>
+    </a:clrScheme>
+    <a:fontScheme name="Office">
+      <a:majorFont>
+        <a:latin typeface="等线 Light" panose="020F0302020204030204"/>
+        <a:ea typeface=""/>
+        <a:cs typeface=""/>
+        <a:font script="Jpan" typeface="游ゴシック Light"/>
+        <a:font script="Hang" typeface="맑은 고딕"/>
+        <a:font script="Hans" typeface="等线 Light"/>
+        <a:font script="Hant" typeface="新細明體"/>
+        <a:font script="Arab" typeface="Times New Roman"/>
+        <a:font script="Hebr" typeface="Times New Roman"/>
+        <a:font script="Thai" typeface="Angsana New"/>
+        <a:font script="Ethi" typeface="Nyala"/>
+        <a:font script="Beng" typeface="Vrinda"/>
+        <a:font script="Gujr" typeface="Shruti"/>
+        <a:font script="Khmr" typeface="MoolBoran"/>
+        <a:font script="Knda" typeface="Tunga"/>
+        <a:font script="Guru" typeface="Raavi"/>
+        <a:font script="Cans" typeface="Euphemia"/>
+        <a:font script="Cher" typeface="Plantagenet Cherokee"/>
+        <a:font script="Yiii" typeface="Microsoft Yi Baiti"/>
+        <a:font script="Tibt" typeface="Microsoft Himalaya"/>
+        <a:font script="Thaa" typeface="MV Boli"/>
+        <a:font script="Deva" typeface="Mangal"/>
+        <a:font script="Telu" typeface="Gautami"/>
+        <a:font script="Taml" typeface="Latha"/>
+        <a:font script="Syrc" typeface="Estrangelo Edessa"/>
+        <a:font script="Orya" typeface="Kalinga"/>
+        <a:font script="Mlym" typeface="Kartika"/>
+        <a:font script="Laoo" typeface="DokChampa"/>
+        <a:font script="Sinh" typeface="Iskoola Pota"/>
+        <a:font script="Mong" typeface="Mongolian Baiti"/>
+        <a:font script="Viet" typeface="Times New Roman"/>
+        <a:font script="Uigh" typeface="Microsoft Uighur"/>
+        <a:font script="Geor" typeface="Sylfaen"/>
+        <a:font script="Armn" typeface="Arial"/>
+        <a:font script="Bugi" typeface="Leelawadee UI"/>
+        <a:font script="Bopo" typeface="Microsoft JhengHei"/>
+        <a:font script="Java" typeface="Javanese Text"/>
+        <a:font script="Lisu" typeface="Segoe UI"/>
+        <a:font script="Mymr" typeface="Myanmar Text"/>
+        <a:font script="Nkoo" typeface="Ebrima"/>
+        <a:font script="Olck" typeface="Nirmala UI"/>
+        <a:font script="Osma" typeface="Ebrima"/>
+        <a:font script="Phag" typeface="Phagspa"/>
+        <a:font script="Syrn" typeface="Estrangelo Edessa"/>
+        <a:font script="Syrj" typeface="Estrangelo Edessa"/>
+        <a:font script="Syre" typeface="Estrangelo Edessa"/>
+        <a:font script="Sora" typeface="Nirmala UI"/>
+        <a:font script="Tale" typeface="Microsoft Tai Le"/>
+        <a:font script="Talu" typeface="Microsoft New Tai Lue"/>
+        <a:font script="Tfng" typeface="Ebrima"/>
+      </a:majorFont>
+      <a:minorFont>
+        <a:latin typeface="等线" panose="020F0502020204030204"/>
+        <a:ea typeface=""/>
+        <a:cs typeface=""/>
+        <a:font script="Jpan" typeface="游ゴシック"/>
+        <a:font script="Hang" typeface="맑은 고딕"/>
+        <a:font script="Hans" typeface="等线"/>
+        <a:font script="Hant" typeface="新細明體"/>
+        <a:font script="Arab" typeface="Arial"/>
+        <a:font script="Hebr" typeface="Arial"/>
+        <a:font script="Thai" typeface="Cordia New"/>
+        <a:font script="Ethi" typeface="Nyala"/>
+        <a:font script="Beng" typeface="Vrinda"/>
+        <a:font script="Gujr" typeface="Shruti"/>
+        <a:font script="Khmr" typeface="DaunPenh"/>
+        <a:font script="Knda" typeface="Tunga"/>
+        <a:font script="Guru" typeface="Raavi"/>
+        <a:font script="Cans" typeface="Euphemia"/>
+        <a:font script="Cher" typeface="Plantagenet Cherokee"/>
+        <a:font script="Yiii" typeface="Microsoft Yi Baiti"/>
+        <a:font script="Tibt" typeface="Microsoft Himalaya"/>
+        <a:font script="Thaa" typeface="MV Boli"/>
+        <a:font script="Deva" typeface="Mangal"/>
+        <a:font script="Telu" typeface="Gautami"/>
+        <a:font script="Taml" typeface="Latha"/>
+        <a:font script="Syrc" typeface="Estrangelo Edessa"/>
+        <a:font script="Orya" typeface="Kalinga"/>
+        <a:font script="Mlym" typeface="Kartika"/>
+        <a:font script="Laoo" typeface="DokChampa"/>
+        <a:font script="Sinh" typeface="Iskoola Pota"/>
+        <a:font script="Mong" typeface="Mongolian Baiti"/>
+        <a:font script="Viet" typeface="Arial"/>
+        <a:font script="Uigh" typeface="Microsoft Uighur"/>
+        <a:font script="Geor" typeface="Sylfaen"/>
+        <a:font script="Armn" typeface="Arial"/>
+        <a:font script="Bugi" typeface="Leelawadee UI"/>
+        <a:font script="Bopo" typeface="Microsoft JhengHei"/>
+        <a:font script="Java" typeface="Javanese Text"/>
+        <a:font script="Lisu" typeface="Segoe UI"/>
+        <a:font script="Mymr" typeface="Myanmar Text"/>
+        <a:font script="Nkoo" typeface="Ebrima"/>
+        <a:font script="Olck" typeface="Nirmala UI"/>
+        <a:font script="Osma" typeface="Ebrima"/>
+        <a:font script="Phag" typeface="Phagspa"/>
+        <a:font script="Syrn" typeface="Estrangelo Edessa"/>
+        <a:font script="Syrj" typeface="Estrangelo Edessa"/>
+        <a:font script="Syre" typeface="Estrangelo Edessa"/>
+        <a:font script="Sora" typeface="Nirmala UI"/>
+        <a:font script="Tale" typeface="Microsoft Tai Le"/>
+        <a:font script="Talu" typeface="Microsoft New Tai Lue"/>
+        <a:font script="Tfng" typeface="Ebrima"/>
+      </a:minorFont>
+    </a:fontScheme>
+    <a:fmtScheme name="Office">
+      <a:fillStyleLst>
+        <a:solidFill>
+          <a:schemeClr val="phClr"/>
+        </a:solidFill>
+        <a:gradFill rotWithShape="1">
+          <a:gsLst>
+            <a:gs pos="0">
+              <a:schemeClr val="phClr">
+                <a:lumMod val="110000"/>
+                <a:satMod val="105000"/>
+                <a:tint val="67000"/>
+              </a:schemeClr>
+            </a:gs>
+            <a:gs pos="50000">
+              <a:schemeClr val="phClr">
+                <a:lumMod val="105000"/>
+                <a:satMod val="103000"/>
+                <a:tint val="73000"/>
+              </a:schemeClr>
+            </a:gs>
+            <a:gs pos="100000">
+              <a:schemeClr val="phClr">
+                <a:lumMod val="105000"/>
+                <a:satMod val="109000"/>
+                <a:tint val="81000"/>
+              </a:schemeClr>
+            </a:gs>
+          </a:gsLst>
+          <a:lin ang="5400000" scaled="0"/>
+        </a:gradFill>
+        <a:gradFill rotWithShape="1">
+          <a:gsLst>
+            <a:gs pos="0">
+              <a:schemeClr val="phClr">
+                <a:satMod val="103000"/>
+                <a:lumMod val="102000"/>
+                <a:tint val="94000"/>
+              </a:schemeClr>
+            </a:gs>
+            <a:gs pos="50000">
+              <a:schemeClr val="phClr">
+                <a:satMod val="110000"/>
+                <a:lumMod val="100000"/>
+                <a:shade val="100000"/>
+              </a:schemeClr>
+            </a:gs>
+            <a:gs pos="100000">
+              <a:schemeClr val="phClr">
+                <a:lumMod val="99000"/>
+                <a:satMod val="120000"/>
+                <a:shade val="78000"/>
+              </a:schemeClr>
+            </a:gs>
+          </a:gsLst>
+          <a:lin ang="5400000" scaled="0"/>
+        </a:gradFill>
+      </a:fillStyleLst>
+      <a:lnStyleLst>
+        <a:ln w="6350" cap="flat" cmpd="sng" algn="ctr">
+          <a:solidFill>
+            <a:schemeClr val="phClr"/>
+          </a:solidFill>
+          <a:prstDash val="solid"/>
+          <a:miter lim="800000"/>
+        </a:ln>
+        <a:ln w="12700" cap="flat" cmpd="sng" algn="ctr">
+          <a:solidFill>
+            <a:schemeClr val="phClr"/>
+          </a:solidFill>
+          <a:prstDash val="solid"/>
+          <a:miter lim="800000"/>
+        </a:ln>
+        <a:ln w="19050" cap="flat" cmpd="sng" algn="ctr">
+          <a:solidFill>
+            <a:schemeClr val="phClr"/>
+          </a:solidFill>
+          <a:prstDash val="solid"/>
+          <a:miter lim="800000"/>
+        </a:ln>
+      </a:lnStyleLst>
+      <a:effectStyleLst>
+        <a:effectStyle>
+          <a:effectLst/>
+        </a:effectStyle>
+        <a:effectStyle>
+          <a:effectLst/>
+        </a:effectStyle>
+        <a:effectStyle>
+          <a:effectLst>
+            <a:outerShdw blurRad="57150" dist="19050" dir="5400000" algn="ctr" rotWithShape="0">
+              <a:srgbClr val="000000">
+                <a:alpha val="63000"/>
+              </a:srgbClr>
+            </a:outerShdw>
+          </a:effectLst>
+        </a:effectStyle>
+      </a:effectStyleLst>
+      <a:bgFillStyleLst>
+        <a:solidFill>
+          <a:schemeClr val="phClr"/>
+        </a:solidFill>
+        <a:solidFill>
+          <a:schemeClr val="phClr">
+            <a:tint val="95000"/>
+            <a:satMod val="170000"/>
+          </a:schemeClr>
+        </a:solidFill>
+        <a:gradFill rotWithShape="1">
+          <a:gsLst>
+            <a:gs pos="0">
+              <a:schemeClr val="phClr">
+                <a:tint val="93000"/>
+                <a:satMod val="150000"/>
+                <a:shade val="98000"/>
+                <a:lumMod val="102000"/>
+              </a:schemeClr>
+            </a:gs>
+            <a:gs pos="50000">
+              <a:schemeClr val="phClr">
+                <a:tint val="98000"/>
+                <a:satMod val="130000"/>
+                <a:shade val="90000"/>
+                <a:lumMod val="103000"/>
+              </a:schemeClr>
+            </a:gs>
+            <a:gs pos="100000">
+              <a:schemeClr val="phClr">
+                <a:shade val="63000"/>
+                <a:satMod val="120000"/>
+              </a:schemeClr>
+            </a:gs>
+          </a:gsLst>
+          <a:lin ang="5400000" scaled="0"/>
+        </a:gradFill>
+      </a:bgFillStyleLst>
+    </a:fmtScheme>
+  </a:themeElements>
+  <a:objectDefaults/>
+  <a:extraClrSchemeLst/>
+  <a:extLst>
+    <a:ext uri="{05A4C25C-085E-4340-85A3-A5531E510DB2}">
+      <thm15:themeFamily xmlns:thm15="http://schemas.microsoft.com/office/thememl/2012/main" name="Office Theme" id="{62F939B6-93AF-4DB8-9C6B-D6C7DFDC589F}" vid="{4A3C46E8-61CC-4603-A589-7422A47A8E4A}"/>
+    </a:ext>
+  </a:extLst>
+</a:theme>
+</file>
+
 <file path=docMetadata/LabelInfo.xml><?xml version="1.0" encoding="utf-8"?>
 <clbl:labelList xmlns:clbl="http://schemas.microsoft.com/office/2020/mipLabelMetadata">
   <clbl:label id="{94523dde-f9d1-4aa7-80a9-c0900420d3c3}" enabled="1" method="Privileged" siteId="{3dd8961f-e488-4e60-8e11-a82d994e183d}" contentBits="0" removed="0"/>
